--- a/interview_pitch.pptx
+++ b/interview_pitch.pptx
@@ -4844,7 +4844,7 @@
         </p:blipFill>
         <p:spPr>
           <a:xfrm>
-            <a:off x="8128566" y="1833730"/>
+            <a:off x="8128566" y="1155931"/>
             <a:ext cx="3915819" cy="2836914"/>
           </a:xfrm>
           <a:prstGeom prst="rect">
@@ -4874,7 +4874,7 @@
         </p:blipFill>
         <p:spPr>
           <a:xfrm>
-            <a:off x="3994714" y="1846425"/>
+            <a:off x="3994714" y="1168626"/>
             <a:ext cx="3869971" cy="2803699"/>
           </a:xfrm>
           <a:prstGeom prst="rect">
@@ -4882,37 +4882,6 @@
           </a:prstGeom>
         </p:spPr>
       </p:pic>
-      <p:sp>
-        <p:nvSpPr>
-          <p:cNvPr id="2" name="Title 1">
-            <a:extLst>
-              <a:ext uri="{FF2B5EF4-FFF2-40B4-BE49-F238E27FC236}">
-                <a16:creationId xmlns:a16="http://schemas.microsoft.com/office/drawing/2014/main" id="{A3503EF7-81F3-4A61-9534-47923E689F02}"/>
-              </a:ext>
-            </a:extLst>
-          </p:cNvPr>
-          <p:cNvSpPr>
-            <a:spLocks noGrp="1"/>
-          </p:cNvSpPr>
-          <p:nvPr>
-            <p:ph type="title"/>
-          </p:nvPr>
-        </p:nvSpPr>
-        <p:spPr/>
-        <p:txBody>
-          <a:bodyPr>
-            <a:normAutofit/>
-          </a:bodyPr>
-          <a:lstStyle/>
-          <a:p>
-            <a:pPr algn="ctr"/>
-            <a:r>
-              <a:rPr lang="en-US" sz="3600" dirty="0"/>
-              <a:t>Exploring composer representation over time</a:t>
-            </a:r>
-          </a:p>
-        </p:txBody>
-      </p:sp>
       <p:sp>
         <p:nvSpPr>
           <p:cNvPr id="13" name="Footer Placeholder 4">
@@ -4974,7 +4943,7 @@
         </p:nvGrpSpPr>
         <p:grpSpPr>
           <a:xfrm>
-            <a:off x="4351345" y="1109979"/>
+            <a:off x="4351345" y="432180"/>
             <a:ext cx="3392424" cy="3088458"/>
             <a:chOff x="7447127" y="691518"/>
             <a:chExt cx="3392424" cy="3088458"/>
@@ -5128,7 +5097,7 @@
         </p:blipFill>
         <p:spPr>
           <a:xfrm>
-            <a:off x="123099" y="1911417"/>
+            <a:off x="123099" y="1233618"/>
             <a:ext cx="3547433" cy="2687839"/>
           </a:xfrm>
           <a:prstGeom prst="rect">
@@ -5150,7 +5119,7 @@
         </p:nvSpPr>
         <p:spPr>
           <a:xfrm>
-            <a:off x="163231" y="1233461"/>
+            <a:off x="163231" y="555662"/>
             <a:ext cx="3467168" cy="369332"/>
           </a:xfrm>
           <a:prstGeom prst="rect">
@@ -5185,8 +5154,8 @@
         </p:nvSpPr>
         <p:spPr>
           <a:xfrm>
-            <a:off x="9022574" y="2025053"/>
-            <a:ext cx="1020664" cy="307777"/>
+            <a:off x="9246180" y="1371079"/>
+            <a:ext cx="840295" cy="261610"/>
           </a:xfrm>
           <a:prstGeom prst="rect">
             <a:avLst/>
@@ -5200,7 +5169,7 @@
           <a:lstStyle/>
           <a:p>
             <a:r>
-              <a:rPr lang="en-US" sz="1400" dirty="0">
+              <a:rPr lang="en-US" sz="1100" dirty="0">
                 <a:solidFill>
                   <a:schemeClr val="bg1"/>
                 </a:solidFill>
@@ -5224,7 +5193,7 @@
         </p:nvSpPr>
         <p:spPr>
           <a:xfrm>
-            <a:off x="10043238" y="2048878"/>
+            <a:off x="10043238" y="1371079"/>
             <a:ext cx="662117" cy="261610"/>
           </a:xfrm>
           <a:prstGeom prst="rect">
@@ -5266,7 +5235,7 @@
         </p:nvSpPr>
         <p:spPr>
           <a:xfrm>
-            <a:off x="11172681" y="2048137"/>
+            <a:off x="11172681" y="1370338"/>
             <a:ext cx="662117" cy="261610"/>
           </a:xfrm>
           <a:prstGeom prst="rect">
@@ -5308,7 +5277,7 @@
         </p:nvSpPr>
         <p:spPr>
           <a:xfrm>
-            <a:off x="8338178" y="1111974"/>
+            <a:off x="8338178" y="434175"/>
             <a:ext cx="3496620" cy="646331"/>
           </a:xfrm>
           <a:prstGeom prst="rect">
@@ -5344,7 +5313,7 @@
         </p:nvSpPr>
         <p:spPr>
           <a:xfrm rot="5400000">
-            <a:off x="1936482" y="3538955"/>
+            <a:off x="1936482" y="2861156"/>
             <a:ext cx="365125" cy="3102974"/>
           </a:xfrm>
           <a:prstGeom prst="rightBrace">
@@ -5395,7 +5364,7 @@
         </p:nvSpPr>
         <p:spPr>
           <a:xfrm>
-            <a:off x="1019504" y="5451300"/>
+            <a:off x="1019504" y="4796908"/>
             <a:ext cx="2199320" cy="369332"/>
           </a:xfrm>
           <a:prstGeom prst="rect">
@@ -5418,10 +5387,10 @@
       </p:sp>
       <p:sp>
         <p:nvSpPr>
-          <p:cNvPr id="63" name="TextBox 62">
+          <p:cNvPr id="1025" name="TextBox 1024">
             <a:extLst>
               <a:ext uri="{FF2B5EF4-FFF2-40B4-BE49-F238E27FC236}">
-                <a16:creationId xmlns:a16="http://schemas.microsoft.com/office/drawing/2014/main" id="{ED320D78-62CD-4CD7-9E73-FC2A4868D618}"/>
+                <a16:creationId xmlns:a16="http://schemas.microsoft.com/office/drawing/2014/main" id="{2E7F6AEE-7F39-44BB-B4D5-9A532311F2EF}"/>
               </a:ext>
             </a:extLst>
           </p:cNvPr>
@@ -5430,8 +5399,8 @@
         </p:nvSpPr>
         <p:spPr>
           <a:xfrm>
-            <a:off x="4267200" y="5090442"/>
-            <a:ext cx="6714915" cy="369332"/>
+            <a:off x="4989881" y="4385181"/>
+            <a:ext cx="6003695" cy="369332"/>
           </a:xfrm>
           <a:prstGeom prst="rect">
             <a:avLst/>
@@ -5444,17 +5413,437 @@
           </a:bodyPr>
           <a:lstStyle/>
           <a:p>
-            <a:r>
-              <a:rPr lang="en-US"/>
-              <a:t>Percentage of performances by the  </a:t>
+            <a:pPr algn="ctr"/>
+            <a:r>
+              <a:rPr lang="en-US" u="sng" dirty="0"/>
+              <a:t>Most</a:t>
             </a:r>
             <a:r>
               <a:rPr lang="en-US" dirty="0"/>
-              <a:t>number of performances by the </a:t>
-            </a:r>
-          </a:p>
-        </p:txBody>
-      </p:sp>
+              <a:t> frequently performed composers from minority groups</a:t>
+            </a:r>
+          </a:p>
+        </p:txBody>
+      </p:sp>
+      <p:graphicFrame>
+        <p:nvGraphicFramePr>
+          <p:cNvPr id="1027" name="Table 1027">
+            <a:extLst>
+              <a:ext uri="{FF2B5EF4-FFF2-40B4-BE49-F238E27FC236}">
+                <a16:creationId xmlns:a16="http://schemas.microsoft.com/office/drawing/2014/main" id="{D3EA8F88-F5A3-454B-9773-3ABFD77D1317}"/>
+              </a:ext>
+            </a:extLst>
+          </p:cNvPr>
+          <p:cNvGraphicFramePr>
+            <a:graphicFrameLocks noGrp="1"/>
+          </p:cNvGraphicFramePr>
+          <p:nvPr>
+            <p:extLst>
+              <p:ext uri="{D42A27DB-BD31-4B8C-83A1-F6EECF244321}">
+                <p14:modId xmlns:p14="http://schemas.microsoft.com/office/powerpoint/2010/main" val="1931183728"/>
+              </p:ext>
+            </p:extLst>
+          </p:nvPr>
+        </p:nvGraphicFramePr>
+        <p:xfrm>
+          <a:off x="4642373" y="4855045"/>
+          <a:ext cx="6698712" cy="1432560"/>
+        </p:xfrm>
+        <a:graphic>
+          <a:graphicData uri="http://schemas.openxmlformats.org/drawingml/2006/table">
+            <a:tbl>
+              <a:tblPr firstRow="1">
+                <a:tableStyleId>{5C22544A-7EE6-4342-B048-85BDC9FD1C3A}</a:tableStyleId>
+              </a:tblPr>
+              <a:tblGrid>
+                <a:gridCol w="1674678">
+                  <a:extLst>
+                    <a:ext uri="{9D8B030D-6E8A-4147-A177-3AD203B41FA5}">
+                      <a16:colId xmlns:a16="http://schemas.microsoft.com/office/drawing/2014/main" val="1041729631"/>
+                    </a:ext>
+                  </a:extLst>
+                </a:gridCol>
+                <a:gridCol w="1674678">
+                  <a:extLst>
+                    <a:ext uri="{9D8B030D-6E8A-4147-A177-3AD203B41FA5}">
+                      <a16:colId xmlns:a16="http://schemas.microsoft.com/office/drawing/2014/main" val="380840730"/>
+                    </a:ext>
+                  </a:extLst>
+                </a:gridCol>
+                <a:gridCol w="1674678">
+                  <a:extLst>
+                    <a:ext uri="{9D8B030D-6E8A-4147-A177-3AD203B41FA5}">
+                      <a16:colId xmlns:a16="http://schemas.microsoft.com/office/drawing/2014/main" val="2056326900"/>
+                    </a:ext>
+                  </a:extLst>
+                </a:gridCol>
+                <a:gridCol w="1674678">
+                  <a:extLst>
+                    <a:ext uri="{9D8B030D-6E8A-4147-A177-3AD203B41FA5}">
+                      <a16:colId xmlns:a16="http://schemas.microsoft.com/office/drawing/2014/main" val="3827903574"/>
+                    </a:ext>
+                  </a:extLst>
+                </a:gridCol>
+              </a:tblGrid>
+              <a:tr h="440738">
+                <a:tc>
+                  <a:txBody>
+                    <a:bodyPr/>
+                    <a:lstStyle/>
+                    <a:p>
+                      <a:pPr algn="ctr"/>
+                      <a:endParaRPr lang="en-US" sz="1400" dirty="0"/>
+                    </a:p>
+                  </a:txBody>
+                  <a:tcPr>
+                    <a:noFill/>
+                  </a:tcPr>
+                </a:tc>
+                <a:tc>
+                  <a:txBody>
+                    <a:bodyPr/>
+                    <a:lstStyle/>
+                    <a:p>
+                      <a:pPr algn="ctr"/>
+                      <a:r>
+                        <a:rPr lang="en-US" sz="1400" dirty="0"/>
+                        <a:t>Composer</a:t>
+                      </a:r>
+                    </a:p>
+                  </a:txBody>
+                  <a:tcPr>
+                    <a:noFill/>
+                  </a:tcPr>
+                </a:tc>
+                <a:tc>
+                  <a:txBody>
+                    <a:bodyPr/>
+                    <a:lstStyle/>
+                    <a:p>
+                      <a:pPr algn="ctr"/>
+                      <a:r>
+                        <a:rPr lang="en-US" sz="1400" dirty="0"/>
+                        <a:t>Overall ranking</a:t>
+                      </a:r>
+                    </a:p>
+                  </a:txBody>
+                  <a:tcPr>
+                    <a:noFill/>
+                  </a:tcPr>
+                </a:tc>
+                <a:tc>
+                  <a:txBody>
+                    <a:bodyPr/>
+                    <a:lstStyle/>
+                    <a:p>
+                      <a:pPr algn="ctr"/>
+                      <a:r>
+                        <a:rPr lang="en-US" sz="1400" dirty="0"/>
+                        <a:t>Number of performances</a:t>
+                      </a:r>
+                    </a:p>
+                  </a:txBody>
+                  <a:tcPr>
+                    <a:noFill/>
+                  </a:tcPr>
+                </a:tc>
+                <a:extLst>
+                  <a:ext uri="{0D108BD9-81ED-4DB2-BD59-A6C34878D82A}">
+                    <a16:rowId xmlns:a16="http://schemas.microsoft.com/office/drawing/2014/main" val="3284225454"/>
+                  </a:ext>
+                </a:extLst>
+              </a:tr>
+              <a:tr h="293722">
+                <a:tc>
+                  <a:txBody>
+                    <a:bodyPr/>
+                    <a:lstStyle/>
+                    <a:p>
+                      <a:pPr algn="ctr"/>
+                      <a:r>
+                        <a:rPr lang="en-US" sz="1400" dirty="0">
+                          <a:solidFill>
+                            <a:schemeClr val="tx1"/>
+                          </a:solidFill>
+                        </a:rPr>
+                        <a:t>Hispanic</a:t>
+                      </a:r>
+                    </a:p>
+                  </a:txBody>
+                  <a:tcPr>
+                    <a:noFill/>
+                  </a:tcPr>
+                </a:tc>
+                <a:tc>
+                  <a:txBody>
+                    <a:bodyPr/>
+                    <a:lstStyle/>
+                    <a:p>
+                      <a:pPr algn="ctr"/>
+                      <a:r>
+                        <a:rPr lang="en-US" sz="1400" dirty="0">
+                          <a:solidFill>
+                            <a:schemeClr val="tx1"/>
+                          </a:solidFill>
+                        </a:rPr>
+                        <a:t>Manuel de </a:t>
+                      </a:r>
+                      <a:r>
+                        <a:rPr lang="en-US" sz="1400" dirty="0" err="1">
+                          <a:solidFill>
+                            <a:schemeClr val="tx1"/>
+                          </a:solidFill>
+                        </a:rPr>
+                        <a:t>Falla</a:t>
+                      </a:r>
+                      <a:endParaRPr lang="en-US" sz="1400" dirty="0">
+                        <a:solidFill>
+                          <a:schemeClr val="tx1"/>
+                        </a:solidFill>
+                      </a:endParaRPr>
+                    </a:p>
+                  </a:txBody>
+                  <a:tcPr>
+                    <a:noFill/>
+                  </a:tcPr>
+                </a:tc>
+                <a:tc>
+                  <a:txBody>
+                    <a:bodyPr/>
+                    <a:lstStyle/>
+                    <a:p>
+                      <a:pPr algn="ctr"/>
+                      <a:r>
+                        <a:rPr lang="en-US" sz="1400" dirty="0">
+                          <a:solidFill>
+                            <a:schemeClr val="tx1"/>
+                          </a:solidFill>
+                        </a:rPr>
+                        <a:t>40</a:t>
+                      </a:r>
+                    </a:p>
+                  </a:txBody>
+                  <a:tcPr>
+                    <a:noFill/>
+                  </a:tcPr>
+                </a:tc>
+                <a:tc>
+                  <a:txBody>
+                    <a:bodyPr/>
+                    <a:lstStyle/>
+                    <a:p>
+                      <a:pPr algn="ctr"/>
+                      <a:r>
+                        <a:rPr lang="en-US" sz="1400" dirty="0">
+                          <a:solidFill>
+                            <a:schemeClr val="tx1"/>
+                          </a:solidFill>
+                        </a:rPr>
+                        <a:t>395</a:t>
+                      </a:r>
+                    </a:p>
+                  </a:txBody>
+                  <a:tcPr>
+                    <a:noFill/>
+                  </a:tcPr>
+                </a:tc>
+                <a:extLst>
+                  <a:ext uri="{0D108BD9-81ED-4DB2-BD59-A6C34878D82A}">
+                    <a16:rowId xmlns:a16="http://schemas.microsoft.com/office/drawing/2014/main" val="2908014864"/>
+                  </a:ext>
+                </a:extLst>
+              </a:tr>
+              <a:tr h="293722">
+                <a:tc>
+                  <a:txBody>
+                    <a:bodyPr/>
+                    <a:lstStyle/>
+                    <a:p>
+                      <a:pPr algn="ctr"/>
+                      <a:r>
+                        <a:rPr lang="en-US" sz="1400" dirty="0">
+                          <a:solidFill>
+                            <a:schemeClr val="tx1"/>
+                          </a:solidFill>
+                        </a:rPr>
+                        <a:t>Black</a:t>
+                      </a:r>
+                    </a:p>
+                  </a:txBody>
+                  <a:tcPr>
+                    <a:noFill/>
+                  </a:tcPr>
+                </a:tc>
+                <a:tc>
+                  <a:txBody>
+                    <a:bodyPr/>
+                    <a:lstStyle/>
+                    <a:p>
+                      <a:pPr algn="ctr"/>
+                      <a:r>
+                        <a:rPr lang="en-US" sz="1400" dirty="0">
+                          <a:solidFill>
+                            <a:schemeClr val="tx1"/>
+                          </a:solidFill>
+                        </a:rPr>
+                        <a:t>Duke Ellington</a:t>
+                      </a:r>
+                    </a:p>
+                  </a:txBody>
+                  <a:tcPr>
+                    <a:noFill/>
+                  </a:tcPr>
+                </a:tc>
+                <a:tc>
+                  <a:txBody>
+                    <a:bodyPr/>
+                    <a:lstStyle/>
+                    <a:p>
+                      <a:pPr algn="ctr"/>
+                      <a:r>
+                        <a:rPr lang="en-US" sz="1400" dirty="0">
+                          <a:solidFill>
+                            <a:schemeClr val="tx1"/>
+                          </a:solidFill>
+                        </a:rPr>
+                        <a:t>83</a:t>
+                      </a:r>
+                    </a:p>
+                  </a:txBody>
+                  <a:tcPr>
+                    <a:noFill/>
+                  </a:tcPr>
+                </a:tc>
+                <a:tc>
+                  <a:txBody>
+                    <a:bodyPr/>
+                    <a:lstStyle/>
+                    <a:p>
+                      <a:pPr algn="ctr"/>
+                      <a:r>
+                        <a:rPr lang="en-US" sz="1400" dirty="0">
+                          <a:solidFill>
+                            <a:schemeClr val="tx1"/>
+                          </a:solidFill>
+                        </a:rPr>
+                        <a:t>103</a:t>
+                      </a:r>
+                    </a:p>
+                  </a:txBody>
+                  <a:tcPr>
+                    <a:noFill/>
+                  </a:tcPr>
+                </a:tc>
+                <a:extLst>
+                  <a:ext uri="{0D108BD9-81ED-4DB2-BD59-A6C34878D82A}">
+                    <a16:rowId xmlns:a16="http://schemas.microsoft.com/office/drawing/2014/main" val="757332057"/>
+                  </a:ext>
+                </a:extLst>
+              </a:tr>
+              <a:tr h="293722">
+                <a:tc>
+                  <a:txBody>
+                    <a:bodyPr/>
+                    <a:lstStyle/>
+                    <a:p>
+                      <a:pPr algn="ctr"/>
+                      <a:r>
+                        <a:rPr lang="en-US" sz="1400" dirty="0">
+                          <a:solidFill>
+                            <a:schemeClr val="tx1"/>
+                          </a:solidFill>
+                        </a:rPr>
+                        <a:t>Female</a:t>
+                      </a:r>
+                    </a:p>
+                  </a:txBody>
+                  <a:tcPr>
+                    <a:noFill/>
+                  </a:tcPr>
+                </a:tc>
+                <a:tc>
+                  <a:txBody>
+                    <a:bodyPr/>
+                    <a:lstStyle/>
+                    <a:p>
+                      <a:pPr algn="ctr"/>
+                      <a:r>
+                        <a:rPr lang="en-US" sz="1400" dirty="0">
+                          <a:solidFill>
+                            <a:schemeClr val="tx1"/>
+                          </a:solidFill>
+                        </a:rPr>
+                        <a:t>Sofia </a:t>
+                      </a:r>
+                      <a:r>
+                        <a:rPr lang="en-US" sz="1400" dirty="0" err="1">
+                          <a:solidFill>
+                            <a:schemeClr val="tx1"/>
+                          </a:solidFill>
+                        </a:rPr>
+                        <a:t>Gubaidulina</a:t>
+                      </a:r>
+                      <a:endParaRPr lang="en-US" sz="1400" dirty="0">
+                        <a:solidFill>
+                          <a:schemeClr val="tx1"/>
+                        </a:solidFill>
+                      </a:endParaRPr>
+                    </a:p>
+                  </a:txBody>
+                  <a:tcPr>
+                    <a:noFill/>
+                  </a:tcPr>
+                </a:tc>
+                <a:tc>
+                  <a:txBody>
+                    <a:bodyPr/>
+                    <a:lstStyle/>
+                    <a:p>
+                      <a:pPr algn="ctr"/>
+                      <a:r>
+                        <a:rPr lang="en-US" sz="1400" dirty="0">
+                          <a:solidFill>
+                            <a:schemeClr val="tx1"/>
+                          </a:solidFill>
+                        </a:rPr>
+                        <a:t>183</a:t>
+                      </a:r>
+                    </a:p>
+                  </a:txBody>
+                  <a:tcPr>
+                    <a:noFill/>
+                  </a:tcPr>
+                </a:tc>
+                <a:tc>
+                  <a:txBody>
+                    <a:bodyPr/>
+                    <a:lstStyle/>
+                    <a:p>
+                      <a:pPr algn="ctr"/>
+                      <a:r>
+                        <a:rPr lang="en-US" sz="1400" dirty="0">
+                          <a:solidFill>
+                            <a:schemeClr val="tx1"/>
+                          </a:solidFill>
+                        </a:rPr>
+                        <a:t>35</a:t>
+                      </a:r>
+                    </a:p>
+                  </a:txBody>
+                  <a:tcPr>
+                    <a:noFill/>
+                  </a:tcPr>
+                </a:tc>
+                <a:extLst>
+                  <a:ext uri="{0D108BD9-81ED-4DB2-BD59-A6C34878D82A}">
+                    <a16:rowId xmlns:a16="http://schemas.microsoft.com/office/drawing/2014/main" val="1746248744"/>
+                  </a:ext>
+                </a:extLst>
+              </a:tr>
+            </a:tbl>
+          </a:graphicData>
+        </a:graphic>
+      </p:graphicFrame>
     </p:spTree>
     <p:extLst>
       <p:ext uri="{BB962C8B-B14F-4D97-AF65-F5344CB8AC3E}">
@@ -5511,53 +5900,7 @@
             <a:pPr algn="ctr"/>
             <a:r>
               <a:rPr lang="en-US" sz="3600" dirty="0"/>
-              <a:t>What can we learn from this dataset?</a:t>
-            </a:r>
-          </a:p>
-        </p:txBody>
-      </p:sp>
-      <p:sp>
-        <p:nvSpPr>
-          <p:cNvPr id="7" name="Rectangle 6">
-            <a:extLst>
-              <a:ext uri="{FF2B5EF4-FFF2-40B4-BE49-F238E27FC236}">
-                <a16:creationId xmlns:a16="http://schemas.microsoft.com/office/drawing/2014/main" id="{9DBF9900-0BFF-4BE1-AC12-4A971133B2A6}"/>
-              </a:ext>
-            </a:extLst>
-          </p:cNvPr>
-          <p:cNvSpPr/>
-          <p:nvPr/>
-        </p:nvSpPr>
-        <p:spPr>
-          <a:xfrm>
-            <a:off x="1301494" y="1408927"/>
-            <a:ext cx="3718982" cy="1323439"/>
-          </a:xfrm>
-          <a:prstGeom prst="rect">
-            <a:avLst/>
-          </a:prstGeom>
-        </p:spPr>
-        <p:txBody>
-          <a:bodyPr wrap="square">
-            <a:spAutoFit/>
-          </a:bodyPr>
-          <a:lstStyle/>
-          <a:p>
-            <a:pPr algn="ctr"/>
-            <a:r>
-              <a:rPr lang="en-US" sz="1600" dirty="0"/>
-              <a:t>How has the representation of composers changed over time?</a:t>
-            </a:r>
-          </a:p>
-          <a:p>
-            <a:pPr algn="ctr"/>
-            <a:endParaRPr lang="en-US" sz="1600" dirty="0"/>
-          </a:p>
-          <a:p>
-            <a:pPr algn="ctr"/>
-            <a:r>
-              <a:rPr lang="en-US" sz="1600" dirty="0"/>
-              <a:t>Do certain conductors prefer to perform the works of certain composers?</a:t>
+              <a:t>Can the orchestra program more adventurous repertoire?</a:t>
             </a:r>
           </a:p>
         </p:txBody>
@@ -5576,7 +5919,7 @@
         </p:nvSpPr>
         <p:spPr>
           <a:xfrm>
-            <a:off x="7318811" y="1485872"/>
+            <a:off x="1758839" y="1201843"/>
             <a:ext cx="3718982" cy="584775"/>
           </a:xfrm>
           <a:prstGeom prst="rect">

--- a/interview_pitch.pptx
+++ b/interview_pitch.pptx
@@ -5919,8 +5919,8 @@
         </p:nvSpPr>
         <p:spPr>
           <a:xfrm>
-            <a:off x="1758839" y="1201843"/>
-            <a:ext cx="3718982" cy="584775"/>
+            <a:off x="486558" y="919128"/>
+            <a:ext cx="11253497" cy="830997"/>
           </a:xfrm>
           <a:prstGeom prst="rect">
             <a:avLst/>
@@ -5932,20 +5932,158 @@
           </a:bodyPr>
           <a:lstStyle/>
           <a:p>
+            <a:r>
+              <a:rPr lang="en-US" sz="1600" dirty="0"/>
+              <a:t>Repertoire “traditionalism”: the average “popularity” of composers represented on a program</a:t>
+            </a:r>
+          </a:p>
+          <a:p>
+            <a:pPr marL="285750" indent="-285750">
+              <a:buFont typeface="Arial" panose="020B0604020202020204" pitchFamily="34" charset="0"/>
+              <a:buChar char="•"/>
+            </a:pPr>
+            <a:r>
+              <a:rPr lang="en-US" sz="1600" dirty="0"/>
+              <a:t>“Popularity” of a composer defined as log(total number of performances)</a:t>
+            </a:r>
+          </a:p>
+          <a:p>
+            <a:pPr marL="285750" indent="-285750">
+              <a:buFont typeface="Arial" panose="020B0604020202020204" pitchFamily="34" charset="0"/>
+              <a:buChar char="•"/>
+            </a:pPr>
+            <a:r>
+              <a:rPr lang="en-US" sz="1600" dirty="0"/>
+              <a:t>“Highly traditional” programs more likely to contain works by Beethoven, less likely to contain works by Duke Ellington</a:t>
+            </a:r>
+          </a:p>
+        </p:txBody>
+      </p:sp>
+      <p:sp>
+        <p:nvSpPr>
+          <p:cNvPr id="13" name="Footer Placeholder 4">
+            <a:extLst>
+              <a:ext uri="{FF2B5EF4-FFF2-40B4-BE49-F238E27FC236}">
+                <a16:creationId xmlns:a16="http://schemas.microsoft.com/office/drawing/2014/main" id="{F33627A3-BCB3-48BD-ACC0-983A1B77FF25}"/>
+              </a:ext>
+            </a:extLst>
+          </p:cNvPr>
+          <p:cNvSpPr>
+            <a:spLocks noGrp="1"/>
+          </p:cNvSpPr>
+          <p:nvPr>
+            <p:ph type="ftr" sz="quarter" idx="11"/>
+          </p:nvPr>
+        </p:nvSpPr>
+        <p:spPr>
+          <a:xfrm>
+            <a:off x="0" y="6492876"/>
+            <a:ext cx="12192000" cy="365125"/>
+          </a:xfrm>
+          <a:prstGeom prst="rect">
+            <a:avLst/>
+          </a:prstGeom>
+        </p:spPr>
+        <p:txBody>
+          <a:bodyPr anchor="b"/>
+          <a:lstStyle>
+            <a:lvl1pPr algn="l">
+              <a:defRPr>
+                <a:solidFill>
+                  <a:schemeClr val="tx1"/>
+                </a:solidFill>
+                <a:latin typeface="Myriad Pro" charset="0"/>
+                <a:ea typeface="Myriad Pro" charset="0"/>
+                <a:cs typeface="Myriad Pro" charset="0"/>
+              </a:defRPr>
+            </a:lvl1pPr>
+          </a:lstStyle>
+          <a:p>
+            <a:r>
+              <a:rPr lang="en-US" dirty="0"/>
+              <a:t>The Data Incubator Finalist Interview – Brian Schaefer</a:t>
+            </a:r>
+          </a:p>
+        </p:txBody>
+      </p:sp>
+      <p:sp>
+        <p:nvSpPr>
+          <p:cNvPr id="5" name="TextBox 4">
+            <a:extLst>
+              <a:ext uri="{FF2B5EF4-FFF2-40B4-BE49-F238E27FC236}">
+                <a16:creationId xmlns:a16="http://schemas.microsoft.com/office/drawing/2014/main" id="{F719F9FB-FE4D-4CAC-90B5-B0EE408C8AA7}"/>
+              </a:ext>
+            </a:extLst>
+          </p:cNvPr>
+          <p:cNvSpPr txBox="1"/>
+          <p:nvPr/>
+        </p:nvSpPr>
+        <p:spPr>
+          <a:xfrm>
+            <a:off x="569298" y="2209633"/>
+            <a:ext cx="5377819" cy="369332"/>
+          </a:xfrm>
+          <a:prstGeom prst="rect">
+            <a:avLst/>
+          </a:prstGeom>
+          <a:noFill/>
+        </p:spPr>
+        <p:txBody>
+          <a:bodyPr wrap="none" rtlCol="0">
+            <a:spAutoFit/>
+          </a:bodyPr>
+          <a:lstStyle/>
+          <a:p>
             <a:pPr algn="ctr"/>
             <a:r>
-              <a:rPr lang="en-US" sz="1600" dirty="0"/>
-              <a:t>Is there a relationship between repertoire selection and concert attendance?</a:t>
+              <a:rPr lang="en-US" dirty="0"/>
+              <a:t>Subscription concerts are more uniformly “traditional”</a:t>
+            </a:r>
+          </a:p>
+        </p:txBody>
+      </p:sp>
+      <p:sp>
+        <p:nvSpPr>
+          <p:cNvPr id="6" name="TextBox 5">
+            <a:extLst>
+              <a:ext uri="{FF2B5EF4-FFF2-40B4-BE49-F238E27FC236}">
+                <a16:creationId xmlns:a16="http://schemas.microsoft.com/office/drawing/2014/main" id="{21106D6C-A6B1-476E-80E1-FA82DA5A09B2}"/>
+              </a:ext>
+            </a:extLst>
+          </p:cNvPr>
+          <p:cNvSpPr txBox="1"/>
+          <p:nvPr/>
+        </p:nvSpPr>
+        <p:spPr>
+          <a:xfrm>
+            <a:off x="6691383" y="2085034"/>
+            <a:ext cx="4833868" cy="646331"/>
+          </a:xfrm>
+          <a:prstGeom prst="rect">
+            <a:avLst/>
+          </a:prstGeom>
+          <a:noFill/>
+        </p:spPr>
+        <p:txBody>
+          <a:bodyPr wrap="square" rtlCol="0">
+            <a:spAutoFit/>
+          </a:bodyPr>
+          <a:lstStyle/>
+          <a:p>
+            <a:pPr algn="ctr"/>
+            <a:r>
+              <a:rPr lang="en-US" dirty="0"/>
+              <a:t>Across entire seasons, “traditionalism” is not correlated with high attendance</a:t>
             </a:r>
           </a:p>
         </p:txBody>
       </p:sp>
       <p:pic>
         <p:nvPicPr>
-          <p:cNvPr id="12" name="Picture 11">
+          <p:cNvPr id="26" name="Picture 25" descr="A screenshot of a cell phone&#10;&#10;Description automatically generated">
             <a:extLst>
               <a:ext uri="{FF2B5EF4-FFF2-40B4-BE49-F238E27FC236}">
-                <a16:creationId xmlns:a16="http://schemas.microsoft.com/office/drawing/2014/main" id="{18B58301-AF17-4D5C-8F5E-FFA4BF182541}"/>
+                <a16:creationId xmlns:a16="http://schemas.microsoft.com/office/drawing/2014/main" id="{E5F1B1BB-6C52-45E4-A8CE-BC6F9AE89F86}"/>
               </a:ext>
             </a:extLst>
           </p:cNvPr>
@@ -5962,8 +6100,8 @@
         </p:blipFill>
         <p:spPr>
           <a:xfrm>
-            <a:off x="7045570" y="3347103"/>
-            <a:ext cx="4186430" cy="2880502"/>
+            <a:off x="6691383" y="2731365"/>
+            <a:ext cx="4942342" cy="3387859"/>
           </a:xfrm>
           <a:prstGeom prst="rect">
             <a:avLst/>
@@ -5972,10 +6110,10 @@
       </p:pic>
       <p:sp>
         <p:nvSpPr>
-          <p:cNvPr id="14" name="TextBox 13">
+          <p:cNvPr id="27" name="TextBox 26">
             <a:extLst>
               <a:ext uri="{FF2B5EF4-FFF2-40B4-BE49-F238E27FC236}">
-                <a16:creationId xmlns:a16="http://schemas.microsoft.com/office/drawing/2014/main" id="{0C413DD9-35A0-4E6B-9EF4-D0E3B150E0E2}"/>
+                <a16:creationId xmlns:a16="http://schemas.microsoft.com/office/drawing/2014/main" id="{788F741D-C195-4C79-80DB-B25DADDDE532}"/>
               </a:ext>
             </a:extLst>
           </p:cNvPr>
@@ -5984,8 +6122,8 @@
         </p:nvSpPr>
         <p:spPr>
           <a:xfrm>
-            <a:off x="7331761" y="2927380"/>
-            <a:ext cx="3614066" cy="369332"/>
+            <a:off x="7277100" y="5084169"/>
+            <a:ext cx="1029449" cy="461665"/>
           </a:xfrm>
           <a:prstGeom prst="rect">
             <a:avLst/>
@@ -5998,63 +6136,62 @@
           </a:bodyPr>
           <a:lstStyle/>
           <a:p>
-            <a:pPr algn="ctr"/>
-            <a:r>
-              <a:rPr lang="en-US" dirty="0"/>
-              <a:t>From the 2017-2018 Annual Report:</a:t>
-            </a:r>
-          </a:p>
-        </p:txBody>
-      </p:sp>
-      <p:sp>
-        <p:nvSpPr>
-          <p:cNvPr id="16" name="Rectangle 15">
+            <a:r>
+              <a:rPr lang="en-US" sz="1200" dirty="0">
+                <a:solidFill>
+                  <a:schemeClr val="bg1"/>
+                </a:solidFill>
+              </a:rPr>
+              <a:t>r</a:t>
+            </a:r>
+            <a:r>
+              <a:rPr lang="en-US" sz="1200" baseline="30000" dirty="0">
+                <a:solidFill>
+                  <a:schemeClr val="bg1"/>
+                </a:solidFill>
+              </a:rPr>
+              <a:t>2</a:t>
+            </a:r>
+            <a:r>
+              <a:rPr lang="en-US" sz="1200" dirty="0">
+                <a:solidFill>
+                  <a:schemeClr val="bg1"/>
+                </a:solidFill>
+              </a:rPr>
+              <a:t> = 4.2 × 10</a:t>
+            </a:r>
+            <a:r>
+              <a:rPr lang="en-US" sz="1200" baseline="30000" dirty="0">
+                <a:solidFill>
+                  <a:schemeClr val="bg1"/>
+                </a:solidFill>
+              </a:rPr>
+              <a:t>-4</a:t>
+            </a:r>
+            <a:endParaRPr lang="en-US" sz="1200" dirty="0">
+              <a:solidFill>
+                <a:schemeClr val="bg1"/>
+              </a:solidFill>
+            </a:endParaRPr>
+          </a:p>
+          <a:p>
+            <a:r>
+              <a:rPr lang="en-US" sz="1200" dirty="0">
+                <a:solidFill>
+                  <a:schemeClr val="bg1"/>
+                </a:solidFill>
+              </a:rPr>
+              <a:t>p = 0.9</a:t>
+            </a:r>
+          </a:p>
+        </p:txBody>
+      </p:sp>
+      <p:pic>
+        <p:nvPicPr>
+          <p:cNvPr id="29" name="Picture 28" descr="A screenshot of a cell phone&#10;&#10;Description automatically generated">
             <a:extLst>
               <a:ext uri="{FF2B5EF4-FFF2-40B4-BE49-F238E27FC236}">
-                <a16:creationId xmlns:a16="http://schemas.microsoft.com/office/drawing/2014/main" id="{41A68F5E-A179-4DAA-8533-8FF16BE68050}"/>
-              </a:ext>
-            </a:extLst>
-          </p:cNvPr>
-          <p:cNvSpPr/>
-          <p:nvPr/>
-        </p:nvSpPr>
-        <p:spPr>
-          <a:xfrm>
-            <a:off x="6725092" y="6475729"/>
-            <a:ext cx="6096000" cy="276999"/>
-          </a:xfrm>
-          <a:prstGeom prst="rect">
-            <a:avLst/>
-          </a:prstGeom>
-        </p:spPr>
-        <p:txBody>
-          <a:bodyPr>
-            <a:spAutoFit/>
-          </a:bodyPr>
-          <a:lstStyle/>
-          <a:p>
-            <a:r>
-              <a:rPr lang="en-US" sz="1200" dirty="0">
-                <a:hlinkClick r:id="rId3">
-                  <a:extLst>
-                    <a:ext uri="{A12FA001-AC4F-418D-AE19-62706E023703}">
-                      <ahyp:hlinkClr xmlns:ahyp="http://schemas.microsoft.com/office/drawing/2018/hyperlinkcolor" val="tx"/>
-                    </a:ext>
-                  </a:extLst>
-                </a:hlinkClick>
-              </a:rPr>
-              <a:t>https://nyphil.org/~/media/pdfs/publications/2018-annual-report-v2.pdf</a:t>
-            </a:r>
-            <a:endParaRPr lang="en-US" sz="1200" dirty="0"/>
-          </a:p>
-        </p:txBody>
-      </p:sp>
-      <p:pic>
-        <p:nvPicPr>
-          <p:cNvPr id="18" name="Picture 17">
-            <a:extLst>
-              <a:ext uri="{FF2B5EF4-FFF2-40B4-BE49-F238E27FC236}">
-                <a16:creationId xmlns:a16="http://schemas.microsoft.com/office/drawing/2014/main" id="{5ABF75CC-C059-4549-8127-D6A926E19AB6}"/>
+                <a16:creationId xmlns:a16="http://schemas.microsoft.com/office/drawing/2014/main" id="{1F194A66-EC6E-4F21-A2DC-EB97B330E762}"/>
               </a:ext>
             </a:extLst>
           </p:cNvPr>
@@ -6064,15 +6201,15 @@
           <p:nvPr/>
         </p:nvPicPr>
         <p:blipFill>
-          <a:blip r:embed="rId4"/>
+          <a:blip r:embed="rId3"/>
           <a:stretch>
             <a:fillRect/>
           </a:stretch>
         </p:blipFill>
         <p:spPr>
           <a:xfrm>
-            <a:off x="960000" y="3296712"/>
-            <a:ext cx="4196209" cy="2861865"/>
+            <a:off x="855317" y="2731365"/>
+            <a:ext cx="5017780" cy="3385573"/>
           </a:xfrm>
           <a:prstGeom prst="rect">
             <a:avLst/>
@@ -6081,48 +6218,50 @@
       </p:pic>
       <p:sp>
         <p:nvSpPr>
-          <p:cNvPr id="13" name="Footer Placeholder 4">
+          <p:cNvPr id="30" name="TextBox 29">
             <a:extLst>
               <a:ext uri="{FF2B5EF4-FFF2-40B4-BE49-F238E27FC236}">
-                <a16:creationId xmlns:a16="http://schemas.microsoft.com/office/drawing/2014/main" id="{F33627A3-BCB3-48BD-ACC0-983A1B77FF25}"/>
+                <a16:creationId xmlns:a16="http://schemas.microsoft.com/office/drawing/2014/main" id="{8B029715-C871-46A8-BEDC-C20A85C3848A}"/>
               </a:ext>
             </a:extLst>
           </p:cNvPr>
-          <p:cNvSpPr>
-            <a:spLocks noGrp="1"/>
-          </p:cNvSpPr>
-          <p:nvPr>
-            <p:ph type="ftr" sz="quarter" idx="11"/>
-          </p:nvPr>
-        </p:nvSpPr>
-        <p:spPr>
-          <a:xfrm>
-            <a:off x="0" y="6492876"/>
-            <a:ext cx="12192000" cy="365125"/>
+          <p:cNvSpPr txBox="1"/>
+          <p:nvPr/>
+        </p:nvSpPr>
+        <p:spPr>
+          <a:xfrm>
+            <a:off x="6260157" y="6205354"/>
+            <a:ext cx="5804794" cy="261610"/>
           </a:xfrm>
           <a:prstGeom prst="rect">
             <a:avLst/>
           </a:prstGeom>
-        </p:spPr>
-        <p:txBody>
-          <a:bodyPr anchor="b"/>
-          <a:lstStyle>
-            <a:lvl1pPr algn="l">
-              <a:defRPr>
-                <a:solidFill>
-                  <a:schemeClr val="tx1"/>
-                </a:solidFill>
-                <a:latin typeface="Myriad Pro" charset="0"/>
-                <a:ea typeface="Myriad Pro" charset="0"/>
-                <a:cs typeface="Myriad Pro" charset="0"/>
-              </a:defRPr>
-            </a:lvl1pPr>
-          </a:lstStyle>
-          <a:p>
-            <a:r>
-              <a:rPr lang="en-US" dirty="0"/>
-              <a:t>The Data Incubator Finalist Interview – Brian Schaefer</a:t>
-            </a:r>
+          <a:noFill/>
+        </p:spPr>
+        <p:txBody>
+          <a:bodyPr wrap="none" rtlCol="0">
+            <a:spAutoFit/>
+          </a:bodyPr>
+          <a:lstStyle/>
+          <a:p>
+            <a:pPr algn="ctr"/>
+            <a:r>
+              <a:rPr lang="en-US" sz="1100" dirty="0"/>
+              <a:t>Attendance data from: </a:t>
+            </a:r>
+            <a:r>
+              <a:rPr lang="en-US" sz="1100" dirty="0">
+                <a:hlinkClick r:id="rId4">
+                  <a:extLst>
+                    <a:ext uri="{A12FA001-AC4F-418D-AE19-62706E023703}">
+                      <ahyp:hlinkClr xmlns:ahyp="http://schemas.microsoft.com/office/drawing/2018/hyperlinkcolor" val="tx"/>
+                    </a:ext>
+                  </a:extLst>
+                </a:hlinkClick>
+              </a:rPr>
+              <a:t>https://nyphil.org/~/media/pdfs/publications/2018-annual-report-v2.pdf</a:t>
+            </a:r>
+            <a:endParaRPr lang="en-US" sz="1100" dirty="0"/>
           </a:p>
         </p:txBody>
       </p:sp>

--- a/interview_pitch.pptx
+++ b/interview_pitch.pptx
@@ -210,7 +210,7 @@
               <a:rPr lang="en-US" smtClean="0">
                 <a:latin typeface="Myriad Pro" charset="0"/>
               </a:rPr>
-              <a:t>7/13/2020</a:t>
+              <a:t>7/14/2020</a:t>
             </a:fld>
             <a:endParaRPr lang="en-US" dirty="0">
               <a:latin typeface="Myriad Pro" charset="0"/>
@@ -388,7 +388,7 @@
             <a:fld id="{21993540-3562-DA46-BABF-4E156B60CFB3}" type="datetimeFigureOut">
               <a:rPr lang="en-US" smtClean="0"/>
               <a:pPr/>
-              <a:t>7/13/2020</a:t>
+              <a:t>7/14/2020</a:t>
             </a:fld>
             <a:endParaRPr lang="en-US" dirty="0"/>
           </a:p>
@@ -880,7 +880,7 @@
             <a:fld id="{FE2A4A47-BAE5-C343-BE31-C0CBAB5541B6}" type="datetime1">
               <a:rPr lang="en-US" smtClean="0"/>
               <a:pPr/>
-              <a:t>7/13/2020</a:t>
+              <a:t>7/14/2020</a:t>
             </a:fld>
             <a:endParaRPr lang="en-US" dirty="0"/>
           </a:p>
@@ -1052,7 +1052,7 @@
             <a:fld id="{CAA4456F-2B8A-344A-9825-2DDB3F494039}" type="datetime1">
               <a:rPr lang="en-US" smtClean="0"/>
               <a:pPr/>
-              <a:t>7/13/2020</a:t>
+              <a:t>7/14/2020</a:t>
             </a:fld>
             <a:endParaRPr lang="en-US" dirty="0"/>
           </a:p>
@@ -1234,7 +1234,7 @@
             <a:fld id="{4E22E8B0-C13D-C348-8592-509342C5399D}" type="datetime1">
               <a:rPr lang="en-US" smtClean="0"/>
               <a:pPr/>
-              <a:t>7/13/2020</a:t>
+              <a:t>7/14/2020</a:t>
             </a:fld>
             <a:endParaRPr lang="en-US" dirty="0"/>
           </a:p>
@@ -1513,7 +1513,7 @@
           <a:p>
             <a:fld id="{C764DE79-268F-4C1A-8933-263129D2AF90}" type="datetimeFigureOut">
               <a:rPr lang="en-US" dirty="0"/>
-              <a:t>7/13/2020</a:t>
+              <a:t>7/14/2020</a:t>
             </a:fld>
             <a:endParaRPr lang="en-US" dirty="0"/>
           </a:p>
@@ -1762,7 +1762,7 @@
             <a:fld id="{BEB0B643-25F9-1D41-9E08-E08B29565A5D}" type="datetime1">
               <a:rPr lang="en-US" smtClean="0"/>
               <a:pPr/>
-              <a:t>7/13/2020</a:t>
+              <a:t>7/14/2020</a:t>
             </a:fld>
             <a:endParaRPr lang="en-US" dirty="0"/>
           </a:p>
@@ -1996,7 +1996,7 @@
             <a:fld id="{D039EC4B-21EE-F146-A458-60CE8AB0ECCF}" type="datetime1">
               <a:rPr lang="en-US" smtClean="0"/>
               <a:pPr/>
-              <a:t>7/13/2020</a:t>
+              <a:t>7/14/2020</a:t>
             </a:fld>
             <a:endParaRPr lang="en-US" dirty="0"/>
           </a:p>
@@ -2365,7 +2365,7 @@
             <a:fld id="{0BE9D19B-FED9-CF46-8A7E-4EC4B7199A03}" type="datetime1">
               <a:rPr lang="en-US" smtClean="0"/>
               <a:pPr/>
-              <a:t>7/13/2020</a:t>
+              <a:t>7/14/2020</a:t>
             </a:fld>
             <a:endParaRPr lang="en-US" dirty="0"/>
           </a:p>
@@ -2485,7 +2485,7 @@
             <a:fld id="{261BC443-8F10-B149-ADB0-E7B7A7550441}" type="datetime1">
               <a:rPr lang="en-US" smtClean="0"/>
               <a:pPr/>
-              <a:t>7/13/2020</a:t>
+              <a:t>7/14/2020</a:t>
             </a:fld>
             <a:endParaRPr lang="en-US" dirty="0"/>
           </a:p>
@@ -2582,7 +2582,7 @@
             <a:fld id="{EFAAD994-D89C-1746-9789-78FCB8BF1B20}" type="datetime1">
               <a:rPr lang="en-US" smtClean="0"/>
               <a:pPr/>
-              <a:t>7/13/2020</a:t>
+              <a:t>7/14/2020</a:t>
             </a:fld>
             <a:endParaRPr lang="en-US" dirty="0"/>
           </a:p>
@@ -2861,7 +2861,7 @@
             <a:fld id="{35C3115C-B5B0-CC4E-BBE9-B45243BE27FB}" type="datetime1">
               <a:rPr lang="en-US" smtClean="0"/>
               <a:pPr/>
-              <a:t>7/13/2020</a:t>
+              <a:t>7/14/2020</a:t>
             </a:fld>
             <a:endParaRPr lang="en-US" dirty="0"/>
           </a:p>
@@ -3120,7 +3120,7 @@
             <a:fld id="{AC954D05-3C3C-504D-A58C-0C03BA369353}" type="datetime1">
               <a:rPr lang="en-US" smtClean="0"/>
               <a:pPr/>
-              <a:t>7/13/2020</a:t>
+              <a:t>7/14/2020</a:t>
             </a:fld>
             <a:endParaRPr lang="en-US" dirty="0"/>
           </a:p>
@@ -3364,7 +3364,7 @@
             <a:fld id="{C764DE79-268F-4C1A-8933-263129D2AF90}" type="datetimeFigureOut">
               <a:rPr lang="en-US" smtClean="0"/>
               <a:pPr/>
-              <a:t>7/13/2020</a:t>
+              <a:t>7/14/2020</a:t>
             </a:fld>
             <a:endParaRPr lang="en-US" dirty="0"/>
           </a:p>
@@ -3797,125 +3797,10 @@
           </a:bodyPr>
           <a:lstStyle/>
           <a:p>
-            <a:r>
-              <a:rPr lang="en-US" sz="2800" dirty="0"/>
+            <a:pPr algn="ctr"/>
+            <a:r>
+              <a:rPr lang="en-US" sz="3200" dirty="0"/>
               <a:t>Project: New York Philharmonic Performance History Dashboard</a:t>
-            </a:r>
-          </a:p>
-        </p:txBody>
-      </p:sp>
-      <p:sp>
-        <p:nvSpPr>
-          <p:cNvPr id="4" name="Rectangle 3">
-            <a:extLst>
-              <a:ext uri="{FF2B5EF4-FFF2-40B4-BE49-F238E27FC236}">
-                <a16:creationId xmlns:a16="http://schemas.microsoft.com/office/drawing/2014/main" id="{32627AFE-C476-4595-9D79-BBAAF4770921}"/>
-              </a:ext>
-            </a:extLst>
-          </p:cNvPr>
-          <p:cNvSpPr/>
-          <p:nvPr/>
-        </p:nvSpPr>
-        <p:spPr>
-          <a:xfrm>
-            <a:off x="296007" y="1066020"/>
-            <a:ext cx="5251939" cy="4524315"/>
-          </a:xfrm>
-          <a:prstGeom prst="rect">
-            <a:avLst/>
-          </a:prstGeom>
-        </p:spPr>
-        <p:txBody>
-          <a:bodyPr wrap="square">
-            <a:spAutoFit/>
-          </a:bodyPr>
-          <a:lstStyle/>
-          <a:p>
-            <a:pPr marL="285750" indent="-285750">
-              <a:buFont typeface="Arial" panose="020B0604020202020204" pitchFamily="34" charset="0"/>
-              <a:buChar char="•"/>
-            </a:pPr>
-            <a:r>
-              <a:rPr lang="en-US" dirty="0"/>
-              <a:t>Publicly accessible interactive dashboard</a:t>
-            </a:r>
-          </a:p>
-          <a:p>
-            <a:pPr marL="285750" indent="-285750">
-              <a:buFont typeface="Arial" panose="020B0604020202020204" pitchFamily="34" charset="0"/>
-              <a:buChar char="•"/>
-            </a:pPr>
-            <a:endParaRPr lang="en-US" dirty="0"/>
-          </a:p>
-          <a:p>
-            <a:pPr marL="285750" indent="-285750">
-              <a:buFont typeface="Arial" panose="020B0604020202020204" pitchFamily="34" charset="0"/>
-              <a:buChar char="•"/>
-            </a:pPr>
-            <a:endParaRPr lang="en-US" dirty="0"/>
-          </a:p>
-          <a:p>
-            <a:pPr marL="285750" indent="-285750">
-              <a:buFont typeface="Arial" panose="020B0604020202020204" pitchFamily="34" charset="0"/>
-              <a:buChar char="•"/>
-            </a:pPr>
-            <a:endParaRPr lang="en-US" dirty="0"/>
-          </a:p>
-          <a:p>
-            <a:pPr marL="285750" indent="-285750">
-              <a:buFont typeface="Arial" panose="020B0604020202020204" pitchFamily="34" charset="0"/>
-              <a:buChar char="•"/>
-            </a:pPr>
-            <a:endParaRPr lang="en-US" dirty="0"/>
-          </a:p>
-          <a:p>
-            <a:pPr marL="285750" indent="-285750">
-              <a:buFont typeface="Arial" panose="020B0604020202020204" pitchFamily="34" charset="0"/>
-              <a:buChar char="•"/>
-            </a:pPr>
-            <a:r>
-              <a:rPr lang="en-US" dirty="0"/>
-              <a:t>Recommendations to the New York Philharmonic</a:t>
-            </a:r>
-          </a:p>
-          <a:p>
-            <a:pPr marL="742950" lvl="1" indent="-285750">
-              <a:buFont typeface="Arial" panose="020B0604020202020204" pitchFamily="34" charset="0"/>
-              <a:buChar char="•"/>
-            </a:pPr>
-            <a:r>
-              <a:rPr lang="en-US" dirty="0"/>
-              <a:t>What composers should be represented on a program to keep attendance high?</a:t>
-            </a:r>
-          </a:p>
-          <a:p>
-            <a:pPr marL="742950" lvl="1" indent="-285750">
-              <a:buFont typeface="Arial" panose="020B0604020202020204" pitchFamily="34" charset="0"/>
-              <a:buChar char="•"/>
-            </a:pPr>
-            <a:r>
-              <a:rPr lang="en-US" dirty="0"/>
-              <a:t>How can the orchestra effectively incorporate works by underrepresented minority composers?</a:t>
-            </a:r>
-          </a:p>
-          <a:p>
-            <a:pPr marL="742950" lvl="1" indent="-285750">
-              <a:buFont typeface="Arial" panose="020B0604020202020204" pitchFamily="34" charset="0"/>
-              <a:buChar char="•"/>
-            </a:pPr>
-            <a:r>
-              <a:rPr lang="en-US" dirty="0"/>
-              <a:t>Has the historical grouping of different composers on a program had an affect on programming at the present time?</a:t>
-            </a:r>
-          </a:p>
-          <a:p>
-            <a:pPr marL="742950" lvl="1" indent="-285750">
-              <a:buFont typeface="Arial" panose="020B0604020202020204" pitchFamily="34" charset="0"/>
-              <a:buChar char="•"/>
-            </a:pPr>
-            <a:r>
-              <a:rPr lang="en-US" dirty="0"/>
-              <a:t>Given a set of repertoire, how successful will the season be?</a:t>
             </a:r>
           </a:p>
         </p:txBody>
@@ -3969,10 +3854,10 @@
       </p:sp>
       <p:sp>
         <p:nvSpPr>
-          <p:cNvPr id="6" name="TextBox 5">
+          <p:cNvPr id="7" name="TextBox 6">
             <a:extLst>
               <a:ext uri="{FF2B5EF4-FFF2-40B4-BE49-F238E27FC236}">
-                <a16:creationId xmlns:a16="http://schemas.microsoft.com/office/drawing/2014/main" id="{8DF54143-1908-4223-917B-38CB015D043D}"/>
+                <a16:creationId xmlns:a16="http://schemas.microsoft.com/office/drawing/2014/main" id="{547FDDAC-A9F8-4C32-BAED-0052E88AD7A2}"/>
               </a:ext>
             </a:extLst>
           </p:cNvPr>
@@ -3981,8 +3866,8 @@
         </p:nvSpPr>
         <p:spPr>
           <a:xfrm>
-            <a:off x="7236069" y="1427336"/>
-            <a:ext cx="2417328" cy="923330"/>
+            <a:off x="1290940" y="775456"/>
+            <a:ext cx="9607567" cy="369332"/>
           </a:xfrm>
           <a:prstGeom prst="rect">
             <a:avLst/>
@@ -3995,10 +3880,69 @@
           </a:bodyPr>
           <a:lstStyle/>
           <a:p>
+            <a:pPr algn="ctr"/>
             <a:r>
               <a:rPr lang="en-US" dirty="0"/>
-              <a:t>Focuses:</a:t>
-            </a:r>
+              <a:t>Interactive, web-based visualization of the history of each piece of music performed by the NY Phil</a:t>
+            </a:r>
+          </a:p>
+        </p:txBody>
+      </p:sp>
+      <p:sp>
+        <p:nvSpPr>
+          <p:cNvPr id="18" name="Rectangle: Rounded Corners 17">
+            <a:extLst>
+              <a:ext uri="{FF2B5EF4-FFF2-40B4-BE49-F238E27FC236}">
+                <a16:creationId xmlns:a16="http://schemas.microsoft.com/office/drawing/2014/main" id="{0572A084-8B68-4E03-9F20-0879F69A8688}"/>
+              </a:ext>
+            </a:extLst>
+          </p:cNvPr>
+          <p:cNvSpPr/>
+          <p:nvPr/>
+        </p:nvSpPr>
+        <p:spPr>
+          <a:xfrm>
+            <a:off x="6333941" y="1604682"/>
+            <a:ext cx="5620315" cy="4172174"/>
+          </a:xfrm>
+          <a:prstGeom prst="roundRect">
+            <a:avLst/>
+          </a:prstGeom>
+          <a:noFill/>
+          <a:ln w="38100">
+            <a:solidFill>
+              <a:schemeClr val="tx1"/>
+            </a:solidFill>
+          </a:ln>
+        </p:spPr>
+        <p:style>
+          <a:lnRef idx="2">
+            <a:schemeClr val="accent1">
+              <a:shade val="50000"/>
+            </a:schemeClr>
+          </a:lnRef>
+          <a:fillRef idx="1">
+            <a:schemeClr val="accent1"/>
+          </a:fillRef>
+          <a:effectRef idx="0">
+            <a:schemeClr val="accent1"/>
+          </a:effectRef>
+          <a:fontRef idx="minor">
+            <a:schemeClr val="lt1"/>
+          </a:fontRef>
+        </p:style>
+        <p:txBody>
+          <a:bodyPr rtlCol="0" anchor="t"/>
+          <a:lstStyle/>
+          <a:p>
+            <a:pPr algn="ctr"/>
+            <a:r>
+              <a:rPr lang="en-US" sz="2800" b="1" dirty="0"/>
+              <a:t>Significance</a:t>
+            </a:r>
+          </a:p>
+          <a:p>
+            <a:endParaRPr lang="en-US" dirty="0"/>
           </a:p>
           <a:p>
             <a:pPr marL="285750" indent="-285750">
@@ -4007,8 +3951,25 @@
             </a:pPr>
             <a:r>
               <a:rPr lang="en-US" dirty="0"/>
-              <a:t>Cultural significance</a:t>
-            </a:r>
+              <a:t>Publicity</a:t>
+            </a:r>
+          </a:p>
+          <a:p>
+            <a:pPr marL="742950" lvl="1" indent="-285750">
+              <a:buFont typeface="Arial" panose="020B0604020202020204" pitchFamily="34" charset="0"/>
+              <a:buChar char="•"/>
+            </a:pPr>
+            <a:r>
+              <a:rPr lang="en-US" dirty="0"/>
+              <a:t>Encourages interaction from the public</a:t>
+            </a:r>
+          </a:p>
+          <a:p>
+            <a:pPr marL="742950" lvl="1" indent="-285750">
+              <a:buFont typeface="Arial" panose="020B0604020202020204" pitchFamily="34" charset="0"/>
+              <a:buChar char="•"/>
+            </a:pPr>
+            <a:endParaRPr lang="en-US" dirty="0"/>
           </a:p>
           <a:p>
             <a:pPr marL="285750" indent="-285750">
@@ -4017,7 +3978,205 @@
             </a:pPr>
             <a:r>
               <a:rPr lang="en-US" dirty="0"/>
-              <a:t>Clear visualization</a:t>
+              <a:t>Business</a:t>
+            </a:r>
+          </a:p>
+          <a:p>
+            <a:pPr marL="742950" lvl="1" indent="-285750">
+              <a:buFont typeface="Arial" panose="020B0604020202020204" pitchFamily="34" charset="0"/>
+              <a:buChar char="•"/>
+            </a:pPr>
+            <a:r>
+              <a:rPr lang="en-US" dirty="0"/>
+              <a:t>Help the NY Phil plan diverse repertoire likely to achieve high concert attendance</a:t>
+            </a:r>
+          </a:p>
+          <a:p>
+            <a:pPr lvl="1"/>
+            <a:endParaRPr lang="en-US" dirty="0"/>
+          </a:p>
+          <a:p>
+            <a:pPr marL="285750" indent="-285750">
+              <a:buFont typeface="Arial" panose="020B0604020202020204" pitchFamily="34" charset="0"/>
+              <a:buChar char="•"/>
+            </a:pPr>
+            <a:r>
+              <a:rPr lang="en-US" dirty="0"/>
+              <a:t>Culture</a:t>
+            </a:r>
+          </a:p>
+          <a:p>
+            <a:pPr marL="742950" lvl="1" indent="-285750">
+              <a:buFont typeface="Arial" panose="020B0604020202020204" pitchFamily="34" charset="0"/>
+              <a:buChar char="•"/>
+            </a:pPr>
+            <a:r>
+              <a:rPr lang="en-US" dirty="0"/>
+              <a:t>Reveals and quantifies underrepresentation of minority composers</a:t>
+            </a:r>
+          </a:p>
+        </p:txBody>
+      </p:sp>
+      <p:sp>
+        <p:nvSpPr>
+          <p:cNvPr id="20" name="Rectangle: Rounded Corners 19">
+            <a:extLst>
+              <a:ext uri="{FF2B5EF4-FFF2-40B4-BE49-F238E27FC236}">
+                <a16:creationId xmlns:a16="http://schemas.microsoft.com/office/drawing/2014/main" id="{4B9BE9AE-7640-424A-A334-71916B148983}"/>
+              </a:ext>
+            </a:extLst>
+          </p:cNvPr>
+          <p:cNvSpPr/>
+          <p:nvPr/>
+        </p:nvSpPr>
+        <p:spPr>
+          <a:xfrm>
+            <a:off x="237744" y="1604682"/>
+            <a:ext cx="5620315" cy="4172174"/>
+          </a:xfrm>
+          <a:prstGeom prst="roundRect">
+            <a:avLst/>
+          </a:prstGeom>
+          <a:noFill/>
+          <a:ln w="38100">
+            <a:solidFill>
+              <a:schemeClr val="tx1"/>
+            </a:solidFill>
+          </a:ln>
+        </p:spPr>
+        <p:style>
+          <a:lnRef idx="2">
+            <a:schemeClr val="accent1">
+              <a:shade val="50000"/>
+            </a:schemeClr>
+          </a:lnRef>
+          <a:fillRef idx="1">
+            <a:schemeClr val="accent1"/>
+          </a:fillRef>
+          <a:effectRef idx="0">
+            <a:schemeClr val="accent1"/>
+          </a:effectRef>
+          <a:fontRef idx="minor">
+            <a:schemeClr val="lt1"/>
+          </a:fontRef>
+        </p:style>
+        <p:txBody>
+          <a:bodyPr rtlCol="0" anchor="t"/>
+          <a:lstStyle/>
+          <a:p>
+            <a:pPr algn="ctr"/>
+            <a:r>
+              <a:rPr lang="en-US" sz="2800" b="1" dirty="0"/>
+              <a:t>Audience</a:t>
+            </a:r>
+            <a:endParaRPr lang="en-US" sz="2400" b="1" dirty="0"/>
+          </a:p>
+          <a:p>
+            <a:endParaRPr lang="en-US" dirty="0"/>
+          </a:p>
+          <a:p>
+            <a:pPr marL="285750" indent="-285750">
+              <a:buFont typeface="Arial" panose="020B0604020202020204" pitchFamily="34" charset="0"/>
+              <a:buChar char="•"/>
+            </a:pPr>
+            <a:r>
+              <a:rPr lang="en-US" dirty="0"/>
+              <a:t>Enthusiasts</a:t>
+            </a:r>
+          </a:p>
+          <a:p>
+            <a:pPr marL="742950" lvl="1" indent="-285750">
+              <a:buFont typeface="Arial" panose="020B0604020202020204" pitchFamily="34" charset="0"/>
+              <a:buChar char="•"/>
+            </a:pPr>
+            <a:r>
+              <a:rPr lang="en-US" dirty="0"/>
+              <a:t>Discover rare works and composers</a:t>
+            </a:r>
+          </a:p>
+          <a:p>
+            <a:pPr marL="285750" indent="-285750">
+              <a:buFont typeface="Arial" panose="020B0604020202020204" pitchFamily="34" charset="0"/>
+              <a:buChar char="•"/>
+            </a:pPr>
+            <a:endParaRPr lang="en-US" dirty="0"/>
+          </a:p>
+          <a:p>
+            <a:pPr marL="285750" indent="-285750">
+              <a:buFont typeface="Arial" panose="020B0604020202020204" pitchFamily="34" charset="0"/>
+              <a:buChar char="•"/>
+            </a:pPr>
+            <a:r>
+              <a:rPr lang="en-US" dirty="0"/>
+              <a:t>Historians &amp; Musicologists</a:t>
+            </a:r>
+          </a:p>
+          <a:p>
+            <a:pPr marL="742950" lvl="1" indent="-285750">
+              <a:buFont typeface="Arial" panose="020B0604020202020204" pitchFamily="34" charset="0"/>
+              <a:buChar char="•"/>
+            </a:pPr>
+            <a:r>
+              <a:rPr lang="en-US" dirty="0"/>
+              <a:t>Identify relationships between pieces of music over time</a:t>
+            </a:r>
+          </a:p>
+          <a:p>
+            <a:endParaRPr lang="en-US" dirty="0"/>
+          </a:p>
+          <a:p>
+            <a:pPr marL="285750" indent="-285750">
+              <a:buFont typeface="Arial" panose="020B0604020202020204" pitchFamily="34" charset="0"/>
+              <a:buChar char="•"/>
+            </a:pPr>
+            <a:r>
+              <a:rPr lang="en-US" dirty="0"/>
+              <a:t>New York Philharmonic</a:t>
+            </a:r>
+          </a:p>
+          <a:p>
+            <a:pPr marL="742950" lvl="1" indent="-285750">
+              <a:buFont typeface="Arial" panose="020B0604020202020204" pitchFamily="34" charset="0"/>
+              <a:buChar char="•"/>
+            </a:pPr>
+            <a:r>
+              <a:rPr lang="en-US" dirty="0"/>
+              <a:t>Current members can better understand their role in the history of the orchestra</a:t>
+            </a:r>
+          </a:p>
+        </p:txBody>
+      </p:sp>
+      <p:sp>
+        <p:nvSpPr>
+          <p:cNvPr id="22" name="TextBox 21">
+            <a:extLst>
+              <a:ext uri="{FF2B5EF4-FFF2-40B4-BE49-F238E27FC236}">
+                <a16:creationId xmlns:a16="http://schemas.microsoft.com/office/drawing/2014/main" id="{43644609-D33C-4C5C-A511-5F0BB79434A0}"/>
+              </a:ext>
+            </a:extLst>
+          </p:cNvPr>
+          <p:cNvSpPr txBox="1"/>
+          <p:nvPr/>
+        </p:nvSpPr>
+        <p:spPr>
+          <a:xfrm>
+            <a:off x="11888712" y="6492876"/>
+            <a:ext cx="303288" cy="369332"/>
+          </a:xfrm>
+          <a:prstGeom prst="rect">
+            <a:avLst/>
+          </a:prstGeom>
+          <a:noFill/>
+        </p:spPr>
+        <p:txBody>
+          <a:bodyPr wrap="none" rtlCol="0">
+            <a:spAutoFit/>
+          </a:bodyPr>
+          <a:lstStyle/>
+          <a:p>
+            <a:r>
+              <a:rPr lang="en-US" dirty="0"/>
+              <a:t>1</a:t>
             </a:r>
           </a:p>
         </p:txBody>
@@ -4076,7 +4235,7 @@
           <a:p>
             <a:pPr algn="ctr"/>
             <a:r>
-              <a:rPr lang="en-US" sz="3600" dirty="0"/>
+              <a:rPr lang="en-US" sz="3200" dirty="0"/>
               <a:t>NY Philharmonic Performance History Archive</a:t>
             </a:r>
           </a:p>
@@ -4788,6 +4947,41 @@
             <a:r>
               <a:rPr lang="en-US" dirty="0"/>
               <a:t>The Data Incubator Finalist Interview – Brian Schaefer</a:t>
+            </a:r>
+          </a:p>
+        </p:txBody>
+      </p:sp>
+      <p:sp>
+        <p:nvSpPr>
+          <p:cNvPr id="3" name="TextBox 2">
+            <a:extLst>
+              <a:ext uri="{FF2B5EF4-FFF2-40B4-BE49-F238E27FC236}">
+                <a16:creationId xmlns:a16="http://schemas.microsoft.com/office/drawing/2014/main" id="{17A10C70-A9D6-4543-839D-7DA4DDAD7B06}"/>
+              </a:ext>
+            </a:extLst>
+          </p:cNvPr>
+          <p:cNvSpPr txBox="1"/>
+          <p:nvPr/>
+        </p:nvSpPr>
+        <p:spPr>
+          <a:xfrm>
+            <a:off x="11888712" y="6492876"/>
+            <a:ext cx="303288" cy="369332"/>
+          </a:xfrm>
+          <a:prstGeom prst="rect">
+            <a:avLst/>
+          </a:prstGeom>
+          <a:noFill/>
+        </p:spPr>
+        <p:txBody>
+          <a:bodyPr wrap="none" rtlCol="0">
+            <a:spAutoFit/>
+          </a:bodyPr>
+          <a:lstStyle/>
+          <a:p>
+            <a:r>
+              <a:rPr lang="en-US" dirty="0"/>
+              <a:t>2</a:t>
             </a:r>
           </a:p>
         </p:txBody>
@@ -5399,8 +5593,8 @@
         </p:nvSpPr>
         <p:spPr>
           <a:xfrm>
-            <a:off x="4989881" y="4385181"/>
-            <a:ext cx="6003695" cy="369332"/>
+            <a:off x="5607229" y="4385181"/>
+            <a:ext cx="4768998" cy="369332"/>
           </a:xfrm>
           <a:prstGeom prst="rect">
             <a:avLst/>
@@ -5415,12 +5609,12 @@
           <a:p>
             <a:pPr algn="ctr"/>
             <a:r>
-              <a:rPr lang="en-US" u="sng" dirty="0"/>
+              <a:rPr lang="en-US" b="1" u="sng" dirty="0"/>
               <a:t>Most</a:t>
             </a:r>
             <a:r>
               <a:rPr lang="en-US" dirty="0"/>
-              <a:t> frequently performed composers from minority groups</a:t>
+              <a:t> frequently performed minority composers</a:t>
             </a:r>
           </a:p>
         </p:txBody>
@@ -5440,7 +5634,7 @@
           <p:nvPr>
             <p:extLst>
               <p:ext uri="{D42A27DB-BD31-4B8C-83A1-F6EECF244321}">
-                <p14:modId xmlns:p14="http://schemas.microsoft.com/office/powerpoint/2010/main" val="1931183728"/>
+                <p14:modId xmlns:p14="http://schemas.microsoft.com/office/powerpoint/2010/main" val="2099017437"/>
               </p:ext>
             </p:extLst>
           </p:nvPr>
@@ -5496,7 +5690,11 @@
                     </a:p>
                   </a:txBody>
                   <a:tcPr>
-                    <a:noFill/>
+                    <a:solidFill>
+                      <a:schemeClr val="bg2">
+                        <a:lumMod val="50000"/>
+                      </a:schemeClr>
+                    </a:solidFill>
                   </a:tcPr>
                 </a:tc>
                 <a:tc>
@@ -5512,7 +5710,11 @@
                     </a:p>
                   </a:txBody>
                   <a:tcPr>
-                    <a:noFill/>
+                    <a:solidFill>
+                      <a:schemeClr val="bg2">
+                        <a:lumMod val="50000"/>
+                      </a:schemeClr>
+                    </a:solidFill>
                   </a:tcPr>
                 </a:tc>
                 <a:tc>
@@ -5523,12 +5725,16 @@
                       <a:pPr algn="ctr"/>
                       <a:r>
                         <a:rPr lang="en-US" sz="1400" dirty="0"/>
-                        <a:t>Overall ranking</a:t>
+                        <a:t>Overall ranking </a:t>
                       </a:r>
                     </a:p>
                   </a:txBody>
                   <a:tcPr>
-                    <a:noFill/>
+                    <a:solidFill>
+                      <a:schemeClr val="bg2">
+                        <a:lumMod val="50000"/>
+                      </a:schemeClr>
+                    </a:solidFill>
                   </a:tcPr>
                 </a:tc>
                 <a:tc>
@@ -5544,7 +5750,11 @@
                     </a:p>
                   </a:txBody>
                   <a:tcPr>
-                    <a:noFill/>
+                    <a:solidFill>
+                      <a:schemeClr val="bg2">
+                        <a:lumMod val="50000"/>
+                      </a:schemeClr>
+                    </a:solidFill>
                   </a:tcPr>
                 </a:tc>
                 <a:extLst>
@@ -5571,7 +5781,11 @@
                     </a:p>
                   </a:txBody>
                   <a:tcPr>
-                    <a:noFill/>
+                    <a:solidFill>
+                      <a:schemeClr val="bg2">
+                        <a:lumMod val="50000"/>
+                      </a:schemeClr>
+                    </a:solidFill>
                   </a:tcPr>
                 </a:tc>
                 <a:tc>
@@ -5604,7 +5818,11 @@
                     </a:p>
                   </a:txBody>
                   <a:tcPr>
-                    <a:noFill/>
+                    <a:solidFill>
+                      <a:schemeClr val="bg2">
+                        <a:lumMod val="50000"/>
+                      </a:schemeClr>
+                    </a:solidFill>
                   </a:tcPr>
                 </a:tc>
                 <a:tc>
@@ -5624,7 +5842,11 @@
                     </a:p>
                   </a:txBody>
                   <a:tcPr>
-                    <a:noFill/>
+                    <a:solidFill>
+                      <a:schemeClr val="bg2">
+                        <a:lumMod val="50000"/>
+                      </a:schemeClr>
+                    </a:solidFill>
                   </a:tcPr>
                 </a:tc>
                 <a:tc>
@@ -5644,7 +5866,11 @@
                     </a:p>
                   </a:txBody>
                   <a:tcPr>
-                    <a:noFill/>
+                    <a:solidFill>
+                      <a:schemeClr val="bg2">
+                        <a:lumMod val="50000"/>
+                      </a:schemeClr>
+                    </a:solidFill>
                   </a:tcPr>
                 </a:tc>
                 <a:extLst>
@@ -5671,7 +5897,11 @@
                     </a:p>
                   </a:txBody>
                   <a:tcPr>
-                    <a:noFill/>
+                    <a:solidFill>
+                      <a:schemeClr val="bg2">
+                        <a:lumMod val="50000"/>
+                      </a:schemeClr>
+                    </a:solidFill>
                   </a:tcPr>
                 </a:tc>
                 <a:tc>
@@ -5691,7 +5921,11 @@
                     </a:p>
                   </a:txBody>
                   <a:tcPr>
-                    <a:noFill/>
+                    <a:solidFill>
+                      <a:schemeClr val="bg2">
+                        <a:lumMod val="50000"/>
+                      </a:schemeClr>
+                    </a:solidFill>
                   </a:tcPr>
                 </a:tc>
                 <a:tc>
@@ -5711,7 +5945,11 @@
                     </a:p>
                   </a:txBody>
                   <a:tcPr>
-                    <a:noFill/>
+                    <a:solidFill>
+                      <a:schemeClr val="bg2">
+                        <a:lumMod val="50000"/>
+                      </a:schemeClr>
+                    </a:solidFill>
                   </a:tcPr>
                 </a:tc>
                 <a:tc>
@@ -5731,7 +5969,11 @@
                     </a:p>
                   </a:txBody>
                   <a:tcPr>
-                    <a:noFill/>
+                    <a:solidFill>
+                      <a:schemeClr val="bg2">
+                        <a:lumMod val="50000"/>
+                      </a:schemeClr>
+                    </a:solidFill>
                   </a:tcPr>
                 </a:tc>
                 <a:extLst>
@@ -5758,7 +6000,11 @@
                     </a:p>
                   </a:txBody>
                   <a:tcPr>
-                    <a:noFill/>
+                    <a:solidFill>
+                      <a:schemeClr val="bg2">
+                        <a:lumMod val="50000"/>
+                      </a:schemeClr>
+                    </a:solidFill>
                   </a:tcPr>
                 </a:tc>
                 <a:tc>
@@ -5791,7 +6037,11 @@
                     </a:p>
                   </a:txBody>
                   <a:tcPr>
-                    <a:noFill/>
+                    <a:solidFill>
+                      <a:schemeClr val="bg2">
+                        <a:lumMod val="50000"/>
+                      </a:schemeClr>
+                    </a:solidFill>
                   </a:tcPr>
                 </a:tc>
                 <a:tc>
@@ -5811,7 +6061,11 @@
                     </a:p>
                   </a:txBody>
                   <a:tcPr>
-                    <a:noFill/>
+                    <a:solidFill>
+                      <a:schemeClr val="bg2">
+                        <a:lumMod val="50000"/>
+                      </a:schemeClr>
+                    </a:solidFill>
                   </a:tcPr>
                 </a:tc>
                 <a:tc>
@@ -5831,7 +6085,11 @@
                     </a:p>
                   </a:txBody>
                   <a:tcPr>
-                    <a:noFill/>
+                    <a:solidFill>
+                      <a:schemeClr val="bg2">
+                        <a:lumMod val="50000"/>
+                      </a:schemeClr>
+                    </a:solidFill>
                   </a:tcPr>
                 </a:tc>
                 <a:extLst>
@@ -5844,6 +6102,41 @@
           </a:graphicData>
         </a:graphic>
       </p:graphicFrame>
+      <p:sp>
+        <p:nvSpPr>
+          <p:cNvPr id="2" name="TextBox 1">
+            <a:extLst>
+              <a:ext uri="{FF2B5EF4-FFF2-40B4-BE49-F238E27FC236}">
+                <a16:creationId xmlns:a16="http://schemas.microsoft.com/office/drawing/2014/main" id="{1F1FBAFA-FC9B-440C-BDB3-99D1248A90E9}"/>
+              </a:ext>
+            </a:extLst>
+          </p:cNvPr>
+          <p:cNvSpPr txBox="1"/>
+          <p:nvPr/>
+        </p:nvSpPr>
+        <p:spPr>
+          <a:xfrm>
+            <a:off x="11888712" y="6492876"/>
+            <a:ext cx="303288" cy="369332"/>
+          </a:xfrm>
+          <a:prstGeom prst="rect">
+            <a:avLst/>
+          </a:prstGeom>
+          <a:noFill/>
+        </p:spPr>
+        <p:txBody>
+          <a:bodyPr wrap="none" rtlCol="0">
+            <a:spAutoFit/>
+          </a:bodyPr>
+          <a:lstStyle/>
+          <a:p>
+            <a:r>
+              <a:rPr lang="en-US" dirty="0"/>
+              <a:t>3</a:t>
+            </a:r>
+          </a:p>
+        </p:txBody>
+      </p:sp>
     </p:spTree>
     <p:extLst>
       <p:ext uri="{BB962C8B-B14F-4D97-AF65-F5344CB8AC3E}">
@@ -6262,6 +6555,41 @@
               <a:t>https://nyphil.org/~/media/pdfs/publications/2018-annual-report-v2.pdf</a:t>
             </a:r>
             <a:endParaRPr lang="en-US" sz="1100" dirty="0"/>
+          </a:p>
+        </p:txBody>
+      </p:sp>
+      <p:sp>
+        <p:nvSpPr>
+          <p:cNvPr id="3" name="TextBox 2">
+            <a:extLst>
+              <a:ext uri="{FF2B5EF4-FFF2-40B4-BE49-F238E27FC236}">
+                <a16:creationId xmlns:a16="http://schemas.microsoft.com/office/drawing/2014/main" id="{BBAD3235-4A76-48DC-BF88-DBBF03BB16F7}"/>
+              </a:ext>
+            </a:extLst>
+          </p:cNvPr>
+          <p:cNvSpPr txBox="1"/>
+          <p:nvPr/>
+        </p:nvSpPr>
+        <p:spPr>
+          <a:xfrm>
+            <a:off x="11888712" y="6492876"/>
+            <a:ext cx="303288" cy="369332"/>
+          </a:xfrm>
+          <a:prstGeom prst="rect">
+            <a:avLst/>
+          </a:prstGeom>
+          <a:noFill/>
+        </p:spPr>
+        <p:txBody>
+          <a:bodyPr wrap="none" rtlCol="0">
+            <a:spAutoFit/>
+          </a:bodyPr>
+          <a:lstStyle/>
+          <a:p>
+            <a:r>
+              <a:rPr lang="en-US" dirty="0"/>
+              <a:t>4</a:t>
+            </a:r>
           </a:p>
         </p:txBody>
       </p:sp>

--- a/interview_pitch.pptx
+++ b/interview_pitch.pptx
@@ -5,16 +5,15 @@
     <p:sldMasterId id="2147483672" r:id="rId1"/>
   </p:sldMasterIdLst>
   <p:notesMasterIdLst>
-    <p:notesMasterId r:id="rId6"/>
+    <p:notesMasterId r:id="rId5"/>
   </p:notesMasterIdLst>
   <p:handoutMasterIdLst>
-    <p:handoutMasterId r:id="rId7"/>
+    <p:handoutMasterId r:id="rId6"/>
   </p:handoutMasterIdLst>
   <p:sldIdLst>
     <p:sldId id="526" r:id="rId2"/>
-    <p:sldId id="521" r:id="rId3"/>
-    <p:sldId id="525" r:id="rId4"/>
-    <p:sldId id="527" r:id="rId5"/>
+    <p:sldId id="528" r:id="rId3"/>
+    <p:sldId id="529" r:id="rId4"/>
   </p:sldIdLst>
   <p:sldSz cx="12192000" cy="6858000"/>
   <p:notesSz cx="7315200" cy="9601200"/>
@@ -658,94 +657,6 @@
     </a:lvl9pPr>
   </p:notesStyle>
 </p:notesMaster>
-</file>
-
-<file path=ppt/notesSlides/notesSlide1.xml><?xml version="1.0" encoding="utf-8"?>
-<p:notes xmlns:a="http://schemas.openxmlformats.org/drawingml/2006/main" xmlns:r="http://schemas.openxmlformats.org/officeDocument/2006/relationships" xmlns:p="http://schemas.openxmlformats.org/presentationml/2006/main">
-  <p:cSld>
-    <p:spTree>
-      <p:nvGrpSpPr>
-        <p:cNvPr id="1" name=""/>
-        <p:cNvGrpSpPr/>
-        <p:nvPr/>
-      </p:nvGrpSpPr>
-      <p:grpSpPr>
-        <a:xfrm>
-          <a:off x="0" y="0"/>
-          <a:ext cx="0" cy="0"/>
-          <a:chOff x="0" y="0"/>
-          <a:chExt cx="0" cy="0"/>
-        </a:xfrm>
-      </p:grpSpPr>
-      <p:sp>
-        <p:nvSpPr>
-          <p:cNvPr id="2" name="Slide Image Placeholder 1"/>
-          <p:cNvSpPr>
-            <a:spLocks noGrp="1" noRot="1" noChangeAspect="1"/>
-          </p:cNvSpPr>
-          <p:nvPr>
-            <p:ph type="sldImg"/>
-          </p:nvPr>
-        </p:nvSpPr>
-        <p:spPr/>
-      </p:sp>
-      <p:sp>
-        <p:nvSpPr>
-          <p:cNvPr id="3" name="Notes Placeholder 2"/>
-          <p:cNvSpPr>
-            <a:spLocks noGrp="1"/>
-          </p:cNvSpPr>
-          <p:nvPr>
-            <p:ph type="body" idx="1"/>
-          </p:nvPr>
-        </p:nvSpPr>
-        <p:spPr/>
-        <p:txBody>
-          <a:bodyPr/>
-          <a:lstStyle/>
-          <a:p>
-            <a:r>
-              <a:rPr lang="en-US" dirty="0"/>
-              <a:t>Depends on what the user is interested in: a certain conductor, composer, or work</a:t>
-            </a:r>
-          </a:p>
-        </p:txBody>
-      </p:sp>
-      <p:sp>
-        <p:nvSpPr>
-          <p:cNvPr id="4" name="Slide Number Placeholder 3"/>
-          <p:cNvSpPr>
-            <a:spLocks noGrp="1"/>
-          </p:cNvSpPr>
-          <p:nvPr>
-            <p:ph type="sldNum" sz="quarter" idx="5"/>
-          </p:nvPr>
-        </p:nvSpPr>
-        <p:spPr/>
-        <p:txBody>
-          <a:bodyPr/>
-          <a:lstStyle/>
-          <a:p>
-            <a:fld id="{CC6A6F32-6C00-6349-AD6B-0863A0316171}" type="slidenum">
-              <a:rPr lang="en-US" smtClean="0"/>
-              <a:pPr/>
-              <a:t>3</a:t>
-            </a:fld>
-            <a:endParaRPr lang="en-US" dirty="0"/>
-          </a:p>
-        </p:txBody>
-      </p:sp>
-    </p:spTree>
-    <p:extLst>
-      <p:ext uri="{BB962C8B-B14F-4D97-AF65-F5344CB8AC3E}">
-        <p14:creationId xmlns:p14="http://schemas.microsoft.com/office/powerpoint/2010/main" val="3012377976"/>
-      </p:ext>
-    </p:extLst>
-  </p:cSld>
-  <p:clrMapOvr>
-    <a:masterClrMapping/>
-  </p:clrMapOvr>
-</p:notes>
 </file>
 
 <file path=ppt/slideLayouts/slideLayout1.xml><?xml version="1.0" encoding="utf-8"?>
@@ -3800,7 +3711,7 @@
             <a:pPr algn="ctr"/>
             <a:r>
               <a:rPr lang="en-US" sz="3200" dirty="0"/>
-              <a:t>Project: New York Philharmonic Performance History Dashboard</a:t>
+              <a:t>New York Philharmonic Performance History Dashboard</a:t>
             </a:r>
           </a:p>
         </p:txBody>
@@ -3903,7 +3814,7 @@
         <p:spPr>
           <a:xfrm>
             <a:off x="6333941" y="1604682"/>
-            <a:ext cx="5620315" cy="4172174"/>
+            <a:ext cx="5620315" cy="4477862"/>
           </a:xfrm>
           <a:prstGeom prst="roundRect">
             <a:avLst/>
@@ -3938,7 +3849,7 @@
             <a:pPr algn="ctr"/>
             <a:r>
               <a:rPr lang="en-US" sz="2800" b="1" dirty="0"/>
-              <a:t>Significance</a:t>
+              <a:t>Significance &amp; Audience</a:t>
             </a:r>
           </a:p>
           <a:p>
@@ -3988,7 +3899,15 @@
             </a:pPr>
             <a:r>
               <a:rPr lang="en-US" dirty="0"/>
-              <a:t>Help the NY Phil plan diverse repertoire likely to achieve high concert attendance</a:t>
+              <a:t>Help the NY Phil plan diverse repertoire while </a:t>
+            </a:r>
+            <a:r>
+              <a:rPr lang="en-US" dirty="0" err="1"/>
+              <a:t>maintining</a:t>
+            </a:r>
+            <a:r>
+              <a:rPr lang="en-US" dirty="0"/>
+              <a:t> high concert attendance</a:t>
             </a:r>
           </a:p>
           <a:p>
@@ -4012,76 +3931,7 @@
             </a:pPr>
             <a:r>
               <a:rPr lang="en-US" dirty="0"/>
-              <a:t>Reveals and quantifies underrepresentation of minority composers</a:t>
-            </a:r>
-          </a:p>
-        </p:txBody>
-      </p:sp>
-      <p:sp>
-        <p:nvSpPr>
-          <p:cNvPr id="20" name="Rectangle: Rounded Corners 19">
-            <a:extLst>
-              <a:ext uri="{FF2B5EF4-FFF2-40B4-BE49-F238E27FC236}">
-                <a16:creationId xmlns:a16="http://schemas.microsoft.com/office/drawing/2014/main" id="{4B9BE9AE-7640-424A-A334-71916B148983}"/>
-              </a:ext>
-            </a:extLst>
-          </p:cNvPr>
-          <p:cNvSpPr/>
-          <p:nvPr/>
-        </p:nvSpPr>
-        <p:spPr>
-          <a:xfrm>
-            <a:off x="237744" y="1604682"/>
-            <a:ext cx="5620315" cy="4172174"/>
-          </a:xfrm>
-          <a:prstGeom prst="roundRect">
-            <a:avLst/>
-          </a:prstGeom>
-          <a:noFill/>
-          <a:ln w="38100">
-            <a:solidFill>
-              <a:schemeClr val="tx1"/>
-            </a:solidFill>
-          </a:ln>
-        </p:spPr>
-        <p:style>
-          <a:lnRef idx="2">
-            <a:schemeClr val="accent1">
-              <a:shade val="50000"/>
-            </a:schemeClr>
-          </a:lnRef>
-          <a:fillRef idx="1">
-            <a:schemeClr val="accent1"/>
-          </a:fillRef>
-          <a:effectRef idx="0">
-            <a:schemeClr val="accent1"/>
-          </a:effectRef>
-          <a:fontRef idx="minor">
-            <a:schemeClr val="lt1"/>
-          </a:fontRef>
-        </p:style>
-        <p:txBody>
-          <a:bodyPr rtlCol="0" anchor="t"/>
-          <a:lstStyle/>
-          <a:p>
-            <a:pPr algn="ctr"/>
-            <a:r>
-              <a:rPr lang="en-US" sz="2800" b="1" dirty="0"/>
-              <a:t>Audience</a:t>
-            </a:r>
-            <a:endParaRPr lang="en-US" sz="2400" b="1" dirty="0"/>
-          </a:p>
-          <a:p>
-            <a:endParaRPr lang="en-US" dirty="0"/>
-          </a:p>
-          <a:p>
-            <a:pPr marL="285750" indent="-285750">
-              <a:buFont typeface="Arial" panose="020B0604020202020204" pitchFamily="34" charset="0"/>
-              <a:buChar char="•"/>
-            </a:pPr>
-            <a:r>
-              <a:rPr lang="en-US" dirty="0"/>
-              <a:t>Enthusiasts</a:t>
+              <a:t>Helps musicologists and historians identify relationships between works over time</a:t>
             </a:r>
           </a:p>
           <a:p>
@@ -4091,57 +3941,7 @@
             </a:pPr>
             <a:r>
               <a:rPr lang="en-US" dirty="0"/>
-              <a:t>Discover rare works and composers</a:t>
-            </a:r>
-          </a:p>
-          <a:p>
-            <a:pPr marL="285750" indent="-285750">
-              <a:buFont typeface="Arial" panose="020B0604020202020204" pitchFamily="34" charset="0"/>
-              <a:buChar char="•"/>
-            </a:pPr>
-            <a:endParaRPr lang="en-US" dirty="0"/>
-          </a:p>
-          <a:p>
-            <a:pPr marL="285750" indent="-285750">
-              <a:buFont typeface="Arial" panose="020B0604020202020204" pitchFamily="34" charset="0"/>
-              <a:buChar char="•"/>
-            </a:pPr>
-            <a:r>
-              <a:rPr lang="en-US" dirty="0"/>
-              <a:t>Historians &amp; Musicologists</a:t>
-            </a:r>
-          </a:p>
-          <a:p>
-            <a:pPr marL="742950" lvl="1" indent="-285750">
-              <a:buFont typeface="Arial" panose="020B0604020202020204" pitchFamily="34" charset="0"/>
-              <a:buChar char="•"/>
-            </a:pPr>
-            <a:r>
-              <a:rPr lang="en-US" dirty="0"/>
-              <a:t>Identify relationships between pieces of music over time</a:t>
-            </a:r>
-          </a:p>
-          <a:p>
-            <a:endParaRPr lang="en-US" dirty="0"/>
-          </a:p>
-          <a:p>
-            <a:pPr marL="285750" indent="-285750">
-              <a:buFont typeface="Arial" panose="020B0604020202020204" pitchFamily="34" charset="0"/>
-              <a:buChar char="•"/>
-            </a:pPr>
-            <a:r>
-              <a:rPr lang="en-US" dirty="0"/>
-              <a:t>New York Philharmonic</a:t>
-            </a:r>
-          </a:p>
-          <a:p>
-            <a:pPr marL="742950" lvl="1" indent="-285750">
-              <a:buFont typeface="Arial" panose="020B0604020202020204" pitchFamily="34" charset="0"/>
-              <a:buChar char="•"/>
-            </a:pPr>
-            <a:r>
-              <a:rPr lang="en-US" dirty="0"/>
-              <a:t>Current members can better understand their role in the history of the orchestra</a:t>
+              <a:t>Reveals and quantifies representation of composers over time</a:t>
             </a:r>
           </a:p>
         </p:txBody>
@@ -4181,6 +3981,410 @@
           </a:p>
         </p:txBody>
       </p:sp>
+      <p:sp>
+        <p:nvSpPr>
+          <p:cNvPr id="24" name="Rectangle 23">
+            <a:extLst>
+              <a:ext uri="{FF2B5EF4-FFF2-40B4-BE49-F238E27FC236}">
+                <a16:creationId xmlns:a16="http://schemas.microsoft.com/office/drawing/2014/main" id="{C08EA123-08A9-407E-8575-8F6F7A0524C4}"/>
+              </a:ext>
+            </a:extLst>
+          </p:cNvPr>
+          <p:cNvSpPr/>
+          <p:nvPr/>
+        </p:nvSpPr>
+        <p:spPr>
+          <a:xfrm>
+            <a:off x="1084385" y="5822651"/>
+            <a:ext cx="4056880" cy="646331"/>
+          </a:xfrm>
+          <a:prstGeom prst="rect">
+            <a:avLst/>
+          </a:prstGeom>
+        </p:spPr>
+        <p:txBody>
+          <a:bodyPr wrap="none">
+            <a:spAutoFit/>
+          </a:bodyPr>
+          <a:lstStyle/>
+          <a:p>
+            <a:pPr algn="ctr"/>
+            <a:r>
+              <a:rPr lang="en-US" sz="1200" dirty="0">
+                <a:hlinkClick r:id="rId2">
+                  <a:extLst>
+                    <a:ext uri="{A12FA001-AC4F-418D-AE19-62706E023703}">
+                      <ahyp:hlinkClr xmlns:ahyp="http://schemas.microsoft.com/office/drawing/2018/hyperlinkcolor" val="tx"/>
+                    </a:ext>
+                  </a:extLst>
+                </a:hlinkClick>
+              </a:rPr>
+              <a:t>https://github.com/nyphilarchive/PerformanceHistory</a:t>
+            </a:r>
+            <a:endParaRPr lang="en-US" sz="1200" dirty="0"/>
+          </a:p>
+          <a:p>
+            <a:pPr algn="ctr"/>
+            <a:r>
+              <a:rPr lang="en-US" sz="1200" dirty="0">
+                <a:hlinkClick r:id="rId3">
+                  <a:extLst>
+                    <a:ext uri="{A12FA001-AC4F-418D-AE19-62706E023703}">
+                      <ahyp:hlinkClr xmlns:ahyp="http://schemas.microsoft.com/office/drawing/2018/hyperlinkcolor" val="tx"/>
+                    </a:ext>
+                  </a:extLst>
+                </a:hlinkClick>
+              </a:rPr>
+              <a:t>https://archives.nyphil.org/performancehistory/</a:t>
+            </a:r>
+            <a:endParaRPr lang="en-US" sz="1200" dirty="0"/>
+          </a:p>
+          <a:p>
+            <a:pPr algn="ctr"/>
+            <a:r>
+              <a:rPr lang="en-US" sz="1200" dirty="0"/>
+              <a:t>(Season) attendance manually extracted from annual reports</a:t>
+            </a:r>
+          </a:p>
+        </p:txBody>
+      </p:sp>
+      <p:grpSp>
+        <p:nvGrpSpPr>
+          <p:cNvPr id="43" name="Group 42">
+            <a:extLst>
+              <a:ext uri="{FF2B5EF4-FFF2-40B4-BE49-F238E27FC236}">
+                <a16:creationId xmlns:a16="http://schemas.microsoft.com/office/drawing/2014/main" id="{2C385682-05EF-49EE-804B-0851928E0D8A}"/>
+              </a:ext>
+            </a:extLst>
+          </p:cNvPr>
+          <p:cNvGrpSpPr/>
+          <p:nvPr/>
+        </p:nvGrpSpPr>
+        <p:grpSpPr>
+          <a:xfrm>
+            <a:off x="316228" y="1545678"/>
+            <a:ext cx="5778495" cy="4126887"/>
+            <a:chOff x="316228" y="1683928"/>
+            <a:chExt cx="5778495" cy="4126887"/>
+          </a:xfrm>
+        </p:grpSpPr>
+        <p:pic>
+          <p:nvPicPr>
+            <p:cNvPr id="26" name="Picture 25">
+              <a:extLst>
+                <a:ext uri="{FF2B5EF4-FFF2-40B4-BE49-F238E27FC236}">
+                  <a16:creationId xmlns:a16="http://schemas.microsoft.com/office/drawing/2014/main" id="{837B540E-6C8B-4535-B33D-B41E629464E1}"/>
+                </a:ext>
+              </a:extLst>
+            </p:cNvPr>
+            <p:cNvPicPr>
+              <a:picLocks noChangeAspect="1"/>
+            </p:cNvPicPr>
+            <p:nvPr/>
+          </p:nvPicPr>
+          <p:blipFill>
+            <a:blip r:embed="rId4"/>
+            <a:stretch>
+              <a:fillRect/>
+            </a:stretch>
+          </p:blipFill>
+          <p:spPr>
+            <a:xfrm>
+              <a:off x="1485895" y="2465212"/>
+              <a:ext cx="3485691" cy="2606488"/>
+            </a:xfrm>
+            <a:prstGeom prst="rect">
+              <a:avLst/>
+            </a:prstGeom>
+            <a:ln w="38100">
+              <a:solidFill>
+                <a:srgbClr val="D2252F"/>
+              </a:solidFill>
+            </a:ln>
+          </p:spPr>
+        </p:pic>
+        <p:pic>
+          <p:nvPicPr>
+            <p:cNvPr id="28" name="Picture 27">
+              <a:extLst>
+                <a:ext uri="{FF2B5EF4-FFF2-40B4-BE49-F238E27FC236}">
+                  <a16:creationId xmlns:a16="http://schemas.microsoft.com/office/drawing/2014/main" id="{ECEC8D3D-FD91-4094-9062-B5F570F337DA}"/>
+                </a:ext>
+              </a:extLst>
+            </p:cNvPr>
+            <p:cNvPicPr>
+              <a:picLocks noChangeAspect="1"/>
+            </p:cNvPicPr>
+            <p:nvPr/>
+          </p:nvPicPr>
+          <p:blipFill>
+            <a:blip r:embed="rId5"/>
+            <a:stretch>
+              <a:fillRect/>
+            </a:stretch>
+          </p:blipFill>
+          <p:spPr>
+            <a:xfrm>
+              <a:off x="316228" y="2131263"/>
+              <a:ext cx="2601650" cy="411772"/>
+            </a:xfrm>
+            <a:prstGeom prst="rect">
+              <a:avLst/>
+            </a:prstGeom>
+            <a:ln w="28575">
+              <a:solidFill>
+                <a:srgbClr val="D2252F"/>
+              </a:solidFill>
+            </a:ln>
+          </p:spPr>
+        </p:pic>
+        <p:pic>
+          <p:nvPicPr>
+            <p:cNvPr id="29" name="Picture 28">
+              <a:extLst>
+                <a:ext uri="{FF2B5EF4-FFF2-40B4-BE49-F238E27FC236}">
+                  <a16:creationId xmlns:a16="http://schemas.microsoft.com/office/drawing/2014/main" id="{26F0EFFD-6DF4-4BF9-9F1B-E4DF785C19F7}"/>
+                </a:ext>
+              </a:extLst>
+            </p:cNvPr>
+            <p:cNvPicPr>
+              <a:picLocks noChangeAspect="1"/>
+            </p:cNvPicPr>
+            <p:nvPr/>
+          </p:nvPicPr>
+          <p:blipFill>
+            <a:blip r:embed="rId6"/>
+            <a:stretch>
+              <a:fillRect/>
+            </a:stretch>
+          </p:blipFill>
+          <p:spPr>
+            <a:xfrm>
+              <a:off x="3455767" y="2131263"/>
+              <a:ext cx="2638956" cy="387878"/>
+            </a:xfrm>
+            <a:prstGeom prst="rect">
+              <a:avLst/>
+            </a:prstGeom>
+            <a:ln w="28575">
+              <a:solidFill>
+                <a:srgbClr val="D2252F"/>
+              </a:solidFill>
+            </a:ln>
+          </p:spPr>
+        </p:pic>
+        <p:pic>
+          <p:nvPicPr>
+            <p:cNvPr id="30" name="Picture 29">
+              <a:extLst>
+                <a:ext uri="{FF2B5EF4-FFF2-40B4-BE49-F238E27FC236}">
+                  <a16:creationId xmlns:a16="http://schemas.microsoft.com/office/drawing/2014/main" id="{D06D488F-AEB1-4F37-AF72-627459C6B13E}"/>
+                </a:ext>
+              </a:extLst>
+            </p:cNvPr>
+            <p:cNvPicPr>
+              <a:picLocks noChangeAspect="1"/>
+            </p:cNvPicPr>
+            <p:nvPr/>
+          </p:nvPicPr>
+          <p:blipFill>
+            <a:blip r:embed="rId7"/>
+            <a:stretch>
+              <a:fillRect/>
+            </a:stretch>
+          </p:blipFill>
+          <p:spPr>
+            <a:xfrm>
+              <a:off x="3415740" y="4291270"/>
+              <a:ext cx="2603786" cy="1109213"/>
+            </a:xfrm>
+            <a:prstGeom prst="rect">
+              <a:avLst/>
+            </a:prstGeom>
+            <a:ln w="28575">
+              <a:solidFill>
+                <a:srgbClr val="D2252F"/>
+              </a:solidFill>
+            </a:ln>
+          </p:spPr>
+        </p:pic>
+        <p:pic>
+          <p:nvPicPr>
+            <p:cNvPr id="31" name="Picture 30">
+              <a:extLst>
+                <a:ext uri="{FF2B5EF4-FFF2-40B4-BE49-F238E27FC236}">
+                  <a16:creationId xmlns:a16="http://schemas.microsoft.com/office/drawing/2014/main" id="{9F2C5756-4F44-49D2-BB2B-B31344ED4582}"/>
+                </a:ext>
+              </a:extLst>
+            </p:cNvPr>
+            <p:cNvPicPr>
+              <a:picLocks noChangeAspect="1"/>
+            </p:cNvPicPr>
+            <p:nvPr/>
+          </p:nvPicPr>
+          <p:blipFill rotWithShape="1">
+            <a:blip r:embed="rId4"/>
+            <a:srcRect l="53797" t="32334" r="30074" b="62900"/>
+            <a:stretch/>
+          </p:blipFill>
+          <p:spPr>
+            <a:xfrm>
+              <a:off x="351397" y="4629961"/>
+              <a:ext cx="2566481" cy="567009"/>
+            </a:xfrm>
+            <a:prstGeom prst="rect">
+              <a:avLst/>
+            </a:prstGeom>
+            <a:ln w="28575">
+              <a:solidFill>
+                <a:srgbClr val="D2252F"/>
+              </a:solidFill>
+            </a:ln>
+          </p:spPr>
+        </p:pic>
+        <p:sp>
+          <p:nvSpPr>
+            <p:cNvPr id="32" name="TextBox 31">
+              <a:extLst>
+                <a:ext uri="{FF2B5EF4-FFF2-40B4-BE49-F238E27FC236}">
+                  <a16:creationId xmlns:a16="http://schemas.microsoft.com/office/drawing/2014/main" id="{53247EF9-8BD1-4F7F-815B-8D6334208AB9}"/>
+                </a:ext>
+              </a:extLst>
+            </p:cNvPr>
+            <p:cNvSpPr txBox="1"/>
+            <p:nvPr/>
+          </p:nvSpPr>
+          <p:spPr>
+            <a:xfrm>
+              <a:off x="809395" y="1683928"/>
+              <a:ext cx="1352999" cy="369332"/>
+            </a:xfrm>
+            <a:prstGeom prst="rect">
+              <a:avLst/>
+            </a:prstGeom>
+            <a:noFill/>
+          </p:spPr>
+          <p:txBody>
+            <a:bodyPr wrap="none" rtlCol="0">
+              <a:spAutoFit/>
+            </a:bodyPr>
+            <a:lstStyle/>
+            <a:p>
+              <a:r>
+                <a:rPr lang="en-US" dirty="0"/>
+                <a:t>Time &amp; Date</a:t>
+              </a:r>
+            </a:p>
+          </p:txBody>
+        </p:sp>
+        <p:sp>
+          <p:nvSpPr>
+            <p:cNvPr id="33" name="TextBox 32">
+              <a:extLst>
+                <a:ext uri="{FF2B5EF4-FFF2-40B4-BE49-F238E27FC236}">
+                  <a16:creationId xmlns:a16="http://schemas.microsoft.com/office/drawing/2014/main" id="{951828E6-6482-455A-8BF7-A7459D5C11F7}"/>
+                </a:ext>
+              </a:extLst>
+            </p:cNvPr>
+            <p:cNvSpPr txBox="1"/>
+            <p:nvPr/>
+          </p:nvSpPr>
+          <p:spPr>
+            <a:xfrm>
+              <a:off x="4379752" y="1684774"/>
+              <a:ext cx="790986" cy="369332"/>
+            </a:xfrm>
+            <a:prstGeom prst="rect">
+              <a:avLst/>
+            </a:prstGeom>
+            <a:noFill/>
+          </p:spPr>
+          <p:txBody>
+            <a:bodyPr wrap="none" rtlCol="0">
+              <a:spAutoFit/>
+            </a:bodyPr>
+            <a:lstStyle/>
+            <a:p>
+              <a:r>
+                <a:rPr lang="en-US" dirty="0"/>
+                <a:t>Venue</a:t>
+              </a:r>
+            </a:p>
+          </p:txBody>
+        </p:sp>
+        <p:sp>
+          <p:nvSpPr>
+            <p:cNvPr id="34" name="TextBox 33">
+              <a:extLst>
+                <a:ext uri="{FF2B5EF4-FFF2-40B4-BE49-F238E27FC236}">
+                  <a16:creationId xmlns:a16="http://schemas.microsoft.com/office/drawing/2014/main" id="{3B189295-F405-4A9E-9831-879DAE5EBF05}"/>
+                </a:ext>
+              </a:extLst>
+            </p:cNvPr>
+            <p:cNvSpPr txBox="1"/>
+            <p:nvPr/>
+          </p:nvSpPr>
+          <p:spPr>
+            <a:xfrm>
+              <a:off x="3466757" y="5441483"/>
+              <a:ext cx="2394266" cy="369332"/>
+            </a:xfrm>
+            <a:prstGeom prst="rect">
+              <a:avLst/>
+            </a:prstGeom>
+            <a:noFill/>
+          </p:spPr>
+          <p:txBody>
+            <a:bodyPr wrap="square" rtlCol="0">
+              <a:spAutoFit/>
+            </a:bodyPr>
+            <a:lstStyle/>
+            <a:p>
+              <a:pPr algn="ctr"/>
+              <a:r>
+                <a:rPr lang="en-US" dirty="0"/>
+                <a:t>Conductor &amp; Soloists</a:t>
+              </a:r>
+            </a:p>
+          </p:txBody>
+        </p:sp>
+        <p:sp>
+          <p:nvSpPr>
+            <p:cNvPr id="35" name="TextBox 34">
+              <a:extLst>
+                <a:ext uri="{FF2B5EF4-FFF2-40B4-BE49-F238E27FC236}">
+                  <a16:creationId xmlns:a16="http://schemas.microsoft.com/office/drawing/2014/main" id="{5B3BE94C-3A6A-4A01-88E3-2CCA7B91BD88}"/>
+                </a:ext>
+              </a:extLst>
+            </p:cNvPr>
+            <p:cNvSpPr txBox="1"/>
+            <p:nvPr/>
+          </p:nvSpPr>
+          <p:spPr>
+            <a:xfrm>
+              <a:off x="680754" y="5431264"/>
+              <a:ext cx="1907766" cy="369332"/>
+            </a:xfrm>
+            <a:prstGeom prst="rect">
+              <a:avLst/>
+            </a:prstGeom>
+            <a:noFill/>
+          </p:spPr>
+          <p:txBody>
+            <a:bodyPr wrap="none" rtlCol="0">
+              <a:spAutoFit/>
+            </a:bodyPr>
+            <a:lstStyle/>
+            <a:p>
+              <a:pPr algn="ctr"/>
+              <a:r>
+                <a:rPr lang="en-US" dirty="0"/>
+                <a:t>Works/composers</a:t>
+              </a:r>
+            </a:p>
+          </p:txBody>
+        </p:sp>
+      </p:grpSp>
     </p:spTree>
     <p:extLst>
       <p:ext uri="{BB962C8B-B14F-4D97-AF65-F5344CB8AC3E}">
@@ -4213,7 +4417,13 @@
       </p:grpSpPr>
       <p:sp>
         <p:nvSpPr>
-          <p:cNvPr id="2" name="Title 1"/>
+          <p:cNvPr id="2" name="Title 1">
+            <a:extLst>
+              <a:ext uri="{FF2B5EF4-FFF2-40B4-BE49-F238E27FC236}">
+                <a16:creationId xmlns:a16="http://schemas.microsoft.com/office/drawing/2014/main" id="{80FCB541-139B-4FEC-9CC1-2454E81092A2}"/>
+              </a:ext>
+            </a:extLst>
+          </p:cNvPr>
           <p:cNvSpPr>
             <a:spLocks noGrp="1"/>
           </p:cNvSpPr>
@@ -4221,12 +4431,7 @@
             <p:ph type="title"/>
           </p:nvPr>
         </p:nvSpPr>
-        <p:spPr>
-          <a:xfrm>
-            <a:off x="0" y="0"/>
-            <a:ext cx="12192000" cy="870438"/>
-          </a:xfrm>
-        </p:spPr>
+        <p:spPr/>
         <p:txBody>
           <a:bodyPr>
             <a:normAutofit/>
@@ -4235,18 +4440,47 @@
           <a:p>
             <a:pPr algn="ctr"/>
             <a:r>
-              <a:rPr lang="en-US" sz="3200" dirty="0"/>
-              <a:t>NY Philharmonic Performance History Archive</a:t>
-            </a:r>
-          </a:p>
-        </p:txBody>
-      </p:sp>
-      <p:sp>
-        <p:nvSpPr>
-          <p:cNvPr id="7" name="TextBox 6">
+              <a:rPr lang="en-US" dirty="0"/>
+              <a:t>What kind of information can we obtain?</a:t>
+            </a:r>
+          </a:p>
+        </p:txBody>
+      </p:sp>
+      <p:sp>
+        <p:nvSpPr>
+          <p:cNvPr id="3" name="Footer Placeholder 2">
             <a:extLst>
               <a:ext uri="{FF2B5EF4-FFF2-40B4-BE49-F238E27FC236}">
-                <a16:creationId xmlns:a16="http://schemas.microsoft.com/office/drawing/2014/main" id="{20920AF5-BC87-46F3-971C-26518F297EE9}"/>
+                <a16:creationId xmlns:a16="http://schemas.microsoft.com/office/drawing/2014/main" id="{8127801A-1755-41C7-BDFF-62A32DD0C2D2}"/>
+              </a:ext>
+            </a:extLst>
+          </p:cNvPr>
+          <p:cNvSpPr>
+            <a:spLocks noGrp="1"/>
+          </p:cNvSpPr>
+          <p:nvPr>
+            <p:ph type="ftr" sz="quarter" idx="11"/>
+          </p:nvPr>
+        </p:nvSpPr>
+        <p:spPr/>
+        <p:txBody>
+          <a:bodyPr/>
+          <a:lstStyle/>
+          <a:p>
+            <a:r>
+              <a:rPr lang="en-US"/>
+              <a:t>The Data Incubator Finalist Interview – Brian Schaefer</a:t>
+            </a:r>
+            <a:endParaRPr lang="en-US" dirty="0"/>
+          </a:p>
+        </p:txBody>
+      </p:sp>
+      <p:sp>
+        <p:nvSpPr>
+          <p:cNvPr id="12" name="TextBox 11">
+            <a:extLst>
+              <a:ext uri="{FF2B5EF4-FFF2-40B4-BE49-F238E27FC236}">
+                <a16:creationId xmlns:a16="http://schemas.microsoft.com/office/drawing/2014/main" id="{A6D7B1E4-3549-4AEB-8546-B031B6FC68FB}"/>
               </a:ext>
             </a:extLst>
           </p:cNvPr>
@@ -4255,8 +4489,8 @@
         </p:nvSpPr>
         <p:spPr>
           <a:xfrm>
-            <a:off x="1045711" y="1832148"/>
-            <a:ext cx="4323941" cy="369332"/>
+            <a:off x="1527170" y="955545"/>
+            <a:ext cx="1872071" cy="646331"/>
           </a:xfrm>
           <a:prstGeom prst="rect">
             <a:avLst/>
@@ -4264,7 +4498,7 @@
           <a:noFill/>
         </p:spPr>
         <p:txBody>
-          <a:bodyPr wrap="none" rtlCol="0">
+          <a:bodyPr wrap="square" rtlCol="0">
             <a:spAutoFit/>
           </a:bodyPr>
           <a:lstStyle/>
@@ -4272,17 +4506,214 @@
             <a:pPr algn="ctr"/>
             <a:r>
               <a:rPr lang="en-US" dirty="0"/>
-              <a:t>Sample program from a concert I attended:</a:t>
-            </a:r>
-          </a:p>
-        </p:txBody>
-      </p:sp>
+              <a:t>Most performed composers</a:t>
+            </a:r>
+          </a:p>
+        </p:txBody>
+      </p:sp>
+      <p:grpSp>
+        <p:nvGrpSpPr>
+          <p:cNvPr id="20" name="Group 19">
+            <a:extLst>
+              <a:ext uri="{FF2B5EF4-FFF2-40B4-BE49-F238E27FC236}">
+                <a16:creationId xmlns:a16="http://schemas.microsoft.com/office/drawing/2014/main" id="{EC4D36F6-6F19-46C9-A54A-F5DEF6E0B2D9}"/>
+              </a:ext>
+            </a:extLst>
+          </p:cNvPr>
+          <p:cNvGrpSpPr/>
+          <p:nvPr/>
+        </p:nvGrpSpPr>
+        <p:grpSpPr>
+          <a:xfrm>
+            <a:off x="6736579" y="1155611"/>
+            <a:ext cx="4697465" cy="4449066"/>
+            <a:chOff x="6260403" y="278806"/>
+            <a:chExt cx="4697465" cy="4449066"/>
+          </a:xfrm>
+        </p:grpSpPr>
+        <p:pic>
+          <p:nvPicPr>
+            <p:cNvPr id="13" name="Picture 12" descr="A screenshot of a cell phone&#10;&#10;Description automatically generated">
+              <a:extLst>
+                <a:ext uri="{FF2B5EF4-FFF2-40B4-BE49-F238E27FC236}">
+                  <a16:creationId xmlns:a16="http://schemas.microsoft.com/office/drawing/2014/main" id="{50C60185-F37F-41A1-8A28-B53700B2EDF3}"/>
+                </a:ext>
+              </a:extLst>
+            </p:cNvPr>
+            <p:cNvPicPr>
+              <a:picLocks noChangeAspect="1"/>
+            </p:cNvPicPr>
+            <p:nvPr/>
+          </p:nvPicPr>
+          <p:blipFill>
+            <a:blip r:embed="rId2"/>
+            <a:stretch>
+              <a:fillRect/>
+            </a:stretch>
+          </p:blipFill>
+          <p:spPr>
+            <a:xfrm>
+              <a:off x="6260403" y="1324674"/>
+              <a:ext cx="4697465" cy="3403198"/>
+            </a:xfrm>
+            <a:prstGeom prst="rect">
+              <a:avLst/>
+            </a:prstGeom>
+          </p:spPr>
+        </p:pic>
+        <p:grpSp>
+          <p:nvGrpSpPr>
+            <p:cNvPr id="14" name="Group 13">
+              <a:extLst>
+                <a:ext uri="{FF2B5EF4-FFF2-40B4-BE49-F238E27FC236}">
+                  <a16:creationId xmlns:a16="http://schemas.microsoft.com/office/drawing/2014/main" id="{82C5FD0E-5242-4C31-BC20-9585D82319AB}"/>
+                </a:ext>
+              </a:extLst>
+            </p:cNvPr>
+            <p:cNvGrpSpPr/>
+            <p:nvPr/>
+          </p:nvGrpSpPr>
+          <p:grpSpPr>
+            <a:xfrm>
+              <a:off x="6456800" y="278806"/>
+              <a:ext cx="4497240" cy="3894914"/>
+              <a:chOff x="6927716" y="-114938"/>
+              <a:chExt cx="4497240" cy="3894914"/>
+            </a:xfrm>
+          </p:grpSpPr>
+          <p:sp>
+            <p:nvSpPr>
+              <p:cNvPr id="15" name="TextBox 14">
+                <a:extLst>
+                  <a:ext uri="{FF2B5EF4-FFF2-40B4-BE49-F238E27FC236}">
+                    <a16:creationId xmlns:a16="http://schemas.microsoft.com/office/drawing/2014/main" id="{7B93478C-8A5A-4B4B-9B1A-E5B381B92D79}"/>
+                  </a:ext>
+                </a:extLst>
+              </p:cNvPr>
+              <p:cNvSpPr txBox="1"/>
+              <p:nvPr/>
+            </p:nvSpPr>
+            <p:spPr>
+              <a:xfrm>
+                <a:off x="6927716" y="-114938"/>
+                <a:ext cx="4497240" cy="646331"/>
+              </a:xfrm>
+              <a:prstGeom prst="rect">
+                <a:avLst/>
+              </a:prstGeom>
+              <a:noFill/>
+            </p:spPr>
+            <p:txBody>
+              <a:bodyPr wrap="square" rtlCol="0">
+                <a:spAutoFit/>
+              </a:bodyPr>
+              <a:lstStyle/>
+              <a:p>
+                <a:pPr algn="ctr"/>
+                <a:r>
+                  <a:rPr lang="en-US" dirty="0"/>
+                  <a:t>As conductor, Leonard Bernstein popularized the works of Mahler… alongside his own</a:t>
+                </a:r>
+              </a:p>
+            </p:txBody>
+          </p:sp>
+          <p:sp>
+            <p:nvSpPr>
+              <p:cNvPr id="16" name="TextBox 15">
+                <a:extLst>
+                  <a:ext uri="{FF2B5EF4-FFF2-40B4-BE49-F238E27FC236}">
+                    <a16:creationId xmlns:a16="http://schemas.microsoft.com/office/drawing/2014/main" id="{EC37A101-D025-4821-94BA-D5756B06DE1A}"/>
+                  </a:ext>
+                </a:extLst>
+              </p:cNvPr>
+              <p:cNvSpPr txBox="1"/>
+              <p:nvPr/>
+            </p:nvSpPr>
+            <p:spPr>
+              <a:xfrm>
+                <a:off x="9176336" y="3349089"/>
+                <a:ext cx="1663215" cy="430887"/>
+              </a:xfrm>
+              <a:prstGeom prst="rect">
+                <a:avLst/>
+              </a:prstGeom>
+              <a:solidFill>
+                <a:srgbClr val="EAEAF2">
+                  <a:alpha val="50000"/>
+                </a:srgbClr>
+              </a:solidFill>
+            </p:spPr>
+            <p:txBody>
+              <a:bodyPr wrap="square" rtlCol="0">
+                <a:spAutoFit/>
+              </a:bodyPr>
+              <a:lstStyle/>
+              <a:p>
+                <a:pPr algn="ctr"/>
+                <a:r>
+                  <a:rPr lang="en-US" sz="1100" dirty="0">
+                    <a:solidFill>
+                      <a:schemeClr val="bg1"/>
+                    </a:solidFill>
+                  </a:rPr>
+                  <a:t>1958: Leonard Bernstein becomes Music Director</a:t>
+                </a:r>
+              </a:p>
+            </p:txBody>
+          </p:sp>
+          <p:cxnSp>
+            <p:nvCxnSpPr>
+              <p:cNvPr id="17" name="Straight Arrow Connector 16">
+                <a:extLst>
+                  <a:ext uri="{FF2B5EF4-FFF2-40B4-BE49-F238E27FC236}">
+                    <a16:creationId xmlns:a16="http://schemas.microsoft.com/office/drawing/2014/main" id="{C50AD7F9-DFE4-4361-8E67-A5A86F87C5A1}"/>
+                  </a:ext>
+                </a:extLst>
+              </p:cNvPr>
+              <p:cNvCxnSpPr>
+                <a:cxnSpLocks/>
+              </p:cNvCxnSpPr>
+              <p:nvPr/>
+            </p:nvCxnSpPr>
+            <p:spPr>
+              <a:xfrm flipH="1" flipV="1">
+                <a:off x="8801542" y="3349089"/>
+                <a:ext cx="442891" cy="204775"/>
+              </a:xfrm>
+              <a:prstGeom prst="straightConnector1">
+                <a:avLst/>
+              </a:prstGeom>
+              <a:ln w="19050">
+                <a:solidFill>
+                  <a:schemeClr val="bg1"/>
+                </a:solidFill>
+                <a:headEnd type="none" w="med" len="med"/>
+                <a:tailEnd type="triangle"/>
+              </a:ln>
+            </p:spPr>
+            <p:style>
+              <a:lnRef idx="1">
+                <a:schemeClr val="accent1"/>
+              </a:lnRef>
+              <a:fillRef idx="0">
+                <a:schemeClr val="accent1"/>
+              </a:fillRef>
+              <a:effectRef idx="0">
+                <a:schemeClr val="accent1"/>
+              </a:effectRef>
+              <a:fontRef idx="minor">
+                <a:schemeClr val="tx1"/>
+              </a:fontRef>
+            </p:style>
+          </p:cxnSp>
+        </p:grpSp>
+      </p:grpSp>
       <p:pic>
         <p:nvPicPr>
-          <p:cNvPr id="14" name="Picture 13">
+          <p:cNvPr id="19" name="Picture 18" descr="A screenshot of a cell phone&#10;&#10;Description automatically generated">
             <a:extLst>
               <a:ext uri="{FF2B5EF4-FFF2-40B4-BE49-F238E27FC236}">
-                <a16:creationId xmlns:a16="http://schemas.microsoft.com/office/drawing/2014/main" id="{1B47D4BD-7C0A-41D2-98AC-6FFFB3984452}"/>
+                <a16:creationId xmlns:a16="http://schemas.microsoft.com/office/drawing/2014/main" id="{0171EC80-73DB-4FFB-B019-17AD9A00B641}"/>
               </a:ext>
             </a:extLst>
           </p:cNvPr>
@@ -4292,444 +4723,27 @@
           <p:nvPr/>
         </p:nvPicPr>
         <p:blipFill>
-          <a:blip r:embed="rId2"/>
+          <a:blip r:embed="rId3"/>
           <a:stretch>
             <a:fillRect/>
           </a:stretch>
         </p:blipFill>
         <p:spPr>
           <a:xfrm>
-            <a:off x="1073769" y="2332668"/>
-            <a:ext cx="4267795" cy="3191320"/>
-          </a:xfrm>
-          <a:prstGeom prst="rect">
-            <a:avLst/>
-          </a:prstGeom>
-          <a:ln w="38100">
-            <a:solidFill>
-              <a:srgbClr val="D2252F"/>
-            </a:solidFill>
-          </a:ln>
-        </p:spPr>
-      </p:pic>
-      <p:sp>
-        <p:nvSpPr>
-          <p:cNvPr id="17" name="Rectangle 16">
-            <a:extLst>
-              <a:ext uri="{FF2B5EF4-FFF2-40B4-BE49-F238E27FC236}">
-                <a16:creationId xmlns:a16="http://schemas.microsoft.com/office/drawing/2014/main" id="{9B930C47-E42F-4C1C-B9F7-6B2C00AFDD62}"/>
-              </a:ext>
-            </a:extLst>
-          </p:cNvPr>
-          <p:cNvSpPr/>
-          <p:nvPr/>
-        </p:nvSpPr>
-        <p:spPr>
-          <a:xfrm>
-            <a:off x="404836" y="5655176"/>
-            <a:ext cx="5942652" cy="200055"/>
+            <a:off x="722313" y="2217966"/>
+            <a:ext cx="4387516" cy="3324357"/>
           </a:xfrm>
           <a:prstGeom prst="rect">
             <a:avLst/>
           </a:prstGeom>
         </p:spPr>
-        <p:txBody>
-          <a:bodyPr wrap="none">
-            <a:spAutoFit/>
-          </a:bodyPr>
-          <a:lstStyle/>
-          <a:p>
-            <a:r>
-              <a:rPr lang="en-US" sz="700" dirty="0">
-                <a:hlinkClick r:id="rId3">
-                  <a:extLst>
-                    <a:ext uri="{A12FA001-AC4F-418D-AE19-62706E023703}">
-                      <ahyp:hlinkClr xmlns:ahyp="http://schemas.microsoft.com/office/drawing/2018/hyperlinkcolor" val="tx"/>
-                    </a:ext>
-                  </a:extLst>
-                </a:hlinkClick>
-              </a:rPr>
-              <a:t>https://archives.nyphil.org/index.php/artifact/ff781c1c-6bce-461f-915b-0499603fbaff-0.1?search-type=singleFilter&amp;search-text=13932&amp;doctype=program</a:t>
-            </a:r>
-            <a:endParaRPr lang="en-US" sz="700" dirty="0"/>
-          </a:p>
-        </p:txBody>
-      </p:sp>
-      <p:sp>
-        <p:nvSpPr>
-          <p:cNvPr id="18" name="Rectangle 17">
+      </p:pic>
+      <p:cxnSp>
+        <p:nvCxnSpPr>
+          <p:cNvPr id="24" name="Straight Connector 23">
             <a:extLst>
               <a:ext uri="{FF2B5EF4-FFF2-40B4-BE49-F238E27FC236}">
-                <a16:creationId xmlns:a16="http://schemas.microsoft.com/office/drawing/2014/main" id="{265B1819-4BAA-46EA-BD5C-6CED9CED0278}"/>
-              </a:ext>
-            </a:extLst>
-          </p:cNvPr>
-          <p:cNvSpPr/>
-          <p:nvPr/>
-        </p:nvSpPr>
-        <p:spPr>
-          <a:xfrm>
-            <a:off x="3529303" y="743526"/>
-            <a:ext cx="5475024" cy="646331"/>
-          </a:xfrm>
-          <a:prstGeom prst="rect">
-            <a:avLst/>
-          </a:prstGeom>
-        </p:spPr>
-        <p:txBody>
-          <a:bodyPr wrap="none">
-            <a:spAutoFit/>
-          </a:bodyPr>
-          <a:lstStyle/>
-          <a:p>
-            <a:pPr algn="ctr"/>
-            <a:r>
-              <a:rPr lang="en-US" dirty="0">
-                <a:hlinkClick r:id="rId4">
-                  <a:extLst>
-                    <a:ext uri="{A12FA001-AC4F-418D-AE19-62706E023703}">
-                      <ahyp:hlinkClr xmlns:ahyp="http://schemas.microsoft.com/office/drawing/2018/hyperlinkcolor" val="tx"/>
-                    </a:ext>
-                  </a:extLst>
-                </a:hlinkClick>
-              </a:rPr>
-              <a:t>https://github.com/nyphilarchive/PerformanceHistory</a:t>
-            </a:r>
-            <a:endParaRPr lang="en-US" dirty="0"/>
-          </a:p>
-          <a:p>
-            <a:pPr algn="ctr"/>
-            <a:r>
-              <a:rPr lang="en-US" dirty="0">
-                <a:hlinkClick r:id="rId5">
-                  <a:extLst>
-                    <a:ext uri="{A12FA001-AC4F-418D-AE19-62706E023703}">
-                      <ahyp:hlinkClr xmlns:ahyp="http://schemas.microsoft.com/office/drawing/2018/hyperlinkcolor" val="tx"/>
-                    </a:ext>
-                  </a:extLst>
-                </a:hlinkClick>
-              </a:rPr>
-              <a:t>https://archives.nyphil.org/performancehistory/</a:t>
-            </a:r>
-            <a:endParaRPr lang="en-US" dirty="0"/>
-          </a:p>
-        </p:txBody>
-      </p:sp>
-      <p:pic>
-        <p:nvPicPr>
-          <p:cNvPr id="27" name="Picture 26">
-            <a:extLst>
-              <a:ext uri="{FF2B5EF4-FFF2-40B4-BE49-F238E27FC236}">
-                <a16:creationId xmlns:a16="http://schemas.microsoft.com/office/drawing/2014/main" id="{56B7D2C9-0B6E-43F1-9D98-9A8D5777F296}"/>
-              </a:ext>
-            </a:extLst>
-          </p:cNvPr>
-          <p:cNvPicPr>
-            <a:picLocks noChangeAspect="1"/>
-          </p:cNvPicPr>
-          <p:nvPr/>
-        </p:nvPicPr>
-        <p:blipFill>
-          <a:blip r:embed="rId6"/>
-          <a:stretch>
-            <a:fillRect/>
-          </a:stretch>
-        </p:blipFill>
-        <p:spPr>
-          <a:xfrm>
-            <a:off x="7226844" y="1983718"/>
-            <a:ext cx="2601650" cy="411772"/>
-          </a:xfrm>
-          <a:prstGeom prst="rect">
-            <a:avLst/>
-          </a:prstGeom>
-          <a:ln w="28575">
-            <a:solidFill>
-              <a:srgbClr val="D2252F"/>
-            </a:solidFill>
-          </a:ln>
-        </p:spPr>
-      </p:pic>
-      <p:pic>
-        <p:nvPicPr>
-          <p:cNvPr id="28" name="Picture 27">
-            <a:extLst>
-              <a:ext uri="{FF2B5EF4-FFF2-40B4-BE49-F238E27FC236}">
-                <a16:creationId xmlns:a16="http://schemas.microsoft.com/office/drawing/2014/main" id="{63BD8166-3BDB-4035-9181-3B86D3F0C581}"/>
-              </a:ext>
-            </a:extLst>
-          </p:cNvPr>
-          <p:cNvPicPr>
-            <a:picLocks noChangeAspect="1"/>
-          </p:cNvPicPr>
-          <p:nvPr/>
-        </p:nvPicPr>
-        <p:blipFill>
-          <a:blip r:embed="rId7"/>
-          <a:stretch>
-            <a:fillRect/>
-          </a:stretch>
-        </p:blipFill>
-        <p:spPr>
-          <a:xfrm>
-            <a:off x="7226844" y="2892296"/>
-            <a:ext cx="2638956" cy="387878"/>
-          </a:xfrm>
-          <a:prstGeom prst="rect">
-            <a:avLst/>
-          </a:prstGeom>
-          <a:ln w="28575">
-            <a:solidFill>
-              <a:srgbClr val="D2252F"/>
-            </a:solidFill>
-          </a:ln>
-        </p:spPr>
-      </p:pic>
-      <p:pic>
-        <p:nvPicPr>
-          <p:cNvPr id="29" name="Picture 28">
-            <a:extLst>
-              <a:ext uri="{FF2B5EF4-FFF2-40B4-BE49-F238E27FC236}">
-                <a16:creationId xmlns:a16="http://schemas.microsoft.com/office/drawing/2014/main" id="{5D656F4C-7FA0-47CB-A949-C8036D55EF91}"/>
-              </a:ext>
-            </a:extLst>
-          </p:cNvPr>
-          <p:cNvPicPr>
-            <a:picLocks noChangeAspect="1"/>
-          </p:cNvPicPr>
-          <p:nvPr/>
-        </p:nvPicPr>
-        <p:blipFill>
-          <a:blip r:embed="rId8"/>
-          <a:stretch>
-            <a:fillRect/>
-          </a:stretch>
-        </p:blipFill>
-        <p:spPr>
-          <a:xfrm>
-            <a:off x="7262013" y="3747848"/>
-            <a:ext cx="2603786" cy="1109213"/>
-          </a:xfrm>
-          <a:prstGeom prst="rect">
-            <a:avLst/>
-          </a:prstGeom>
-          <a:ln w="28575">
-            <a:solidFill>
-              <a:srgbClr val="D2252F"/>
-            </a:solidFill>
-          </a:ln>
-        </p:spPr>
-      </p:pic>
-      <p:pic>
-        <p:nvPicPr>
-          <p:cNvPr id="32" name="Picture 31">
-            <a:extLst>
-              <a:ext uri="{FF2B5EF4-FFF2-40B4-BE49-F238E27FC236}">
-                <a16:creationId xmlns:a16="http://schemas.microsoft.com/office/drawing/2014/main" id="{6B79EC0F-D848-4ED7-982A-DA2A3671CD25}"/>
-              </a:ext>
-            </a:extLst>
-          </p:cNvPr>
-          <p:cNvPicPr>
-            <a:picLocks noChangeAspect="1"/>
-          </p:cNvPicPr>
-          <p:nvPr/>
-        </p:nvPicPr>
-        <p:blipFill rotWithShape="1">
-          <a:blip r:embed="rId2"/>
-          <a:srcRect l="53797" t="32334" r="30074" b="62900"/>
-          <a:stretch/>
-        </p:blipFill>
-        <p:spPr>
-          <a:xfrm>
-            <a:off x="7262013" y="5299352"/>
-            <a:ext cx="2566481" cy="567009"/>
-          </a:xfrm>
-          <a:prstGeom prst="rect">
-            <a:avLst/>
-          </a:prstGeom>
-          <a:ln w="28575">
-            <a:solidFill>
-              <a:srgbClr val="D2252F"/>
-            </a:solidFill>
-          </a:ln>
-        </p:spPr>
-      </p:pic>
-      <p:sp>
-        <p:nvSpPr>
-          <p:cNvPr id="34" name="TextBox 33">
-            <a:extLst>
-              <a:ext uri="{FF2B5EF4-FFF2-40B4-BE49-F238E27FC236}">
-                <a16:creationId xmlns:a16="http://schemas.microsoft.com/office/drawing/2014/main" id="{B0FD114F-0D8D-4E25-B0DF-51570C40D23E}"/>
-              </a:ext>
-            </a:extLst>
-          </p:cNvPr>
-          <p:cNvSpPr txBox="1"/>
-          <p:nvPr/>
-        </p:nvSpPr>
-        <p:spPr>
-          <a:xfrm>
-            <a:off x="10347240" y="1999782"/>
-            <a:ext cx="1352999" cy="369332"/>
-          </a:xfrm>
-          <a:prstGeom prst="rect">
-            <a:avLst/>
-          </a:prstGeom>
-          <a:noFill/>
-        </p:spPr>
-        <p:txBody>
-          <a:bodyPr wrap="none" rtlCol="0">
-            <a:spAutoFit/>
-          </a:bodyPr>
-          <a:lstStyle/>
-          <a:p>
-            <a:r>
-              <a:rPr lang="en-US" dirty="0"/>
-              <a:t>Time &amp; Date</a:t>
-            </a:r>
-          </a:p>
-        </p:txBody>
-      </p:sp>
-      <p:sp>
-        <p:nvSpPr>
-          <p:cNvPr id="35" name="TextBox 34">
-            <a:extLst>
-              <a:ext uri="{FF2B5EF4-FFF2-40B4-BE49-F238E27FC236}">
-                <a16:creationId xmlns:a16="http://schemas.microsoft.com/office/drawing/2014/main" id="{84894CBA-1B4A-4404-BFBF-89E7A14A06AE}"/>
-              </a:ext>
-            </a:extLst>
-          </p:cNvPr>
-          <p:cNvSpPr txBox="1"/>
-          <p:nvPr/>
-        </p:nvSpPr>
-        <p:spPr>
-          <a:xfrm>
-            <a:off x="10536073" y="2863164"/>
-            <a:ext cx="790986" cy="369332"/>
-          </a:xfrm>
-          <a:prstGeom prst="rect">
-            <a:avLst/>
-          </a:prstGeom>
-          <a:noFill/>
-        </p:spPr>
-        <p:txBody>
-          <a:bodyPr wrap="none" rtlCol="0">
-            <a:spAutoFit/>
-          </a:bodyPr>
-          <a:lstStyle/>
-          <a:p>
-            <a:r>
-              <a:rPr lang="en-US" dirty="0"/>
-              <a:t>Venue</a:t>
-            </a:r>
-          </a:p>
-        </p:txBody>
-      </p:sp>
-      <p:sp>
-        <p:nvSpPr>
-          <p:cNvPr id="37" name="TextBox 36">
-            <a:extLst>
-              <a:ext uri="{FF2B5EF4-FFF2-40B4-BE49-F238E27FC236}">
-                <a16:creationId xmlns:a16="http://schemas.microsoft.com/office/drawing/2014/main" id="{3A392902-73EF-483F-92AA-22782AFE713A}"/>
-              </a:ext>
-            </a:extLst>
-          </p:cNvPr>
-          <p:cNvSpPr txBox="1"/>
-          <p:nvPr/>
-        </p:nvSpPr>
-        <p:spPr>
-          <a:xfrm>
-            <a:off x="10347240" y="3840789"/>
-            <a:ext cx="1212833" cy="923330"/>
-          </a:xfrm>
-          <a:prstGeom prst="rect">
-            <a:avLst/>
-          </a:prstGeom>
-          <a:noFill/>
-        </p:spPr>
-        <p:txBody>
-          <a:bodyPr wrap="none" rtlCol="0">
-            <a:spAutoFit/>
-          </a:bodyPr>
-          <a:lstStyle/>
-          <a:p>
-            <a:pPr algn="ctr"/>
-            <a:r>
-              <a:rPr lang="en-US" dirty="0"/>
-              <a:t>Conductor</a:t>
-            </a:r>
-          </a:p>
-          <a:p>
-            <a:pPr algn="ctr"/>
-            <a:r>
-              <a:rPr lang="en-US" dirty="0"/>
-              <a:t>&amp;</a:t>
-            </a:r>
-          </a:p>
-          <a:p>
-            <a:pPr algn="ctr"/>
-            <a:r>
-              <a:rPr lang="en-US" dirty="0"/>
-              <a:t>Soloists</a:t>
-            </a:r>
-          </a:p>
-        </p:txBody>
-      </p:sp>
-      <p:sp>
-        <p:nvSpPr>
-          <p:cNvPr id="39" name="TextBox 38">
-            <a:extLst>
-              <a:ext uri="{FF2B5EF4-FFF2-40B4-BE49-F238E27FC236}">
-                <a16:creationId xmlns:a16="http://schemas.microsoft.com/office/drawing/2014/main" id="{CDD9DFFE-E23A-4E6A-97C0-E7C986E9FF75}"/>
-              </a:ext>
-            </a:extLst>
-          </p:cNvPr>
-          <p:cNvSpPr txBox="1"/>
-          <p:nvPr/>
-        </p:nvSpPr>
-        <p:spPr>
-          <a:xfrm>
-            <a:off x="10093997" y="5173504"/>
-            <a:ext cx="1859483" cy="923330"/>
-          </a:xfrm>
-          <a:prstGeom prst="rect">
-            <a:avLst/>
-          </a:prstGeom>
-          <a:noFill/>
-        </p:spPr>
-        <p:txBody>
-          <a:bodyPr wrap="none" rtlCol="0">
-            <a:spAutoFit/>
-          </a:bodyPr>
-          <a:lstStyle/>
-          <a:p>
-            <a:pPr algn="ctr"/>
-            <a:r>
-              <a:rPr lang="en-US" dirty="0"/>
-              <a:t>Works performed</a:t>
-            </a:r>
-          </a:p>
-          <a:p>
-            <a:pPr algn="ctr"/>
-            <a:r>
-              <a:rPr lang="en-US" dirty="0"/>
-              <a:t>(+ composer </a:t>
-            </a:r>
-          </a:p>
-          <a:p>
-            <a:pPr algn="ctr"/>
-            <a:r>
-              <a:rPr lang="en-US" dirty="0"/>
-              <a:t>+ movements)</a:t>
-            </a:r>
-          </a:p>
-        </p:txBody>
-      </p:sp>
-      <p:cxnSp>
-        <p:nvCxnSpPr>
-          <p:cNvPr id="42" name="Straight Connector 41">
-            <a:extLst>
-              <a:ext uri="{FF2B5EF4-FFF2-40B4-BE49-F238E27FC236}">
-                <a16:creationId xmlns:a16="http://schemas.microsoft.com/office/drawing/2014/main" id="{7C437DBE-DCB5-4034-88D2-83AFF2986C61}"/>
+                <a16:creationId xmlns:a16="http://schemas.microsoft.com/office/drawing/2014/main" id="{A0E6F66D-6606-4A71-A529-0CCF50A2B9B5}"/>
               </a:ext>
             </a:extLst>
           </p:cNvPr>
@@ -4739,16 +4753,16 @@
           <p:nvPr/>
         </p:nvCxnSpPr>
         <p:spPr>
-          <a:xfrm flipV="1">
-            <a:off x="5495192" y="2271758"/>
-            <a:ext cx="1626577" cy="591406"/>
+          <a:xfrm>
+            <a:off x="6095362" y="912545"/>
+            <a:ext cx="1276" cy="5427869"/>
           </a:xfrm>
           <a:prstGeom prst="line">
             <a:avLst/>
           </a:prstGeom>
-          <a:ln w="38100">
+          <a:ln w="57150">
             <a:solidFill>
-              <a:srgbClr val="D2252F"/>
+              <a:schemeClr val="bg1"/>
             </a:solidFill>
             <a:headEnd type="none" w="med" len="med"/>
             <a:tailEnd type="none" w="med" len="med"/>
@@ -4771,10 +4785,10 @@
       </p:cxnSp>
       <p:cxnSp>
         <p:nvCxnSpPr>
-          <p:cNvPr id="45" name="Straight Connector 44">
+          <p:cNvPr id="28" name="Straight Arrow Connector 27">
             <a:extLst>
               <a:ext uri="{FF2B5EF4-FFF2-40B4-BE49-F238E27FC236}">
-                <a16:creationId xmlns:a16="http://schemas.microsoft.com/office/drawing/2014/main" id="{0A99AEB9-1C67-47C6-9220-342330D1E906}"/>
+                <a16:creationId xmlns:a16="http://schemas.microsoft.com/office/drawing/2014/main" id="{B949DCF9-88AA-4953-9736-2F208D67B352}"/>
               </a:ext>
             </a:extLst>
           </p:cNvPr>
@@ -4784,14 +4798,303 @@
           <p:nvPr/>
         </p:nvCxnSpPr>
         <p:spPr>
-          <a:xfrm flipV="1">
-            <a:off x="5495192" y="3077512"/>
-            <a:ext cx="1619885" cy="154984"/>
+          <a:xfrm>
+            <a:off x="3696277" y="3262206"/>
+            <a:ext cx="128336" cy="1164993"/>
           </a:xfrm>
-          <a:prstGeom prst="line">
+          <a:prstGeom prst="straightConnector1">
             <a:avLst/>
           </a:prstGeom>
-          <a:ln w="38100">
+          <a:ln w="19050">
+            <a:solidFill>
+              <a:schemeClr val="bg1"/>
+            </a:solidFill>
+            <a:headEnd type="none" w="med" len="med"/>
+            <a:tailEnd type="triangle"/>
+          </a:ln>
+        </p:spPr>
+        <p:style>
+          <a:lnRef idx="1">
+            <a:schemeClr val="accent1"/>
+          </a:lnRef>
+          <a:fillRef idx="0">
+            <a:schemeClr val="accent1"/>
+          </a:fillRef>
+          <a:effectRef idx="0">
+            <a:schemeClr val="accent1"/>
+          </a:effectRef>
+          <a:fontRef idx="minor">
+            <a:schemeClr val="tx1"/>
+          </a:fontRef>
+        </p:style>
+      </p:cxnSp>
+      <p:cxnSp>
+        <p:nvCxnSpPr>
+          <p:cNvPr id="31" name="Straight Arrow Connector 30">
+            <a:extLst>
+              <a:ext uri="{FF2B5EF4-FFF2-40B4-BE49-F238E27FC236}">
+                <a16:creationId xmlns:a16="http://schemas.microsoft.com/office/drawing/2014/main" id="{1D9CB319-CB07-42D3-AE8E-55720C2C060C}"/>
+              </a:ext>
+            </a:extLst>
+          </p:cNvPr>
+          <p:cNvCxnSpPr>
+            <a:cxnSpLocks/>
+          </p:cNvCxnSpPr>
+          <p:nvPr/>
+        </p:nvCxnSpPr>
+        <p:spPr>
+          <a:xfrm>
+            <a:off x="4292240" y="3970352"/>
+            <a:ext cx="18613" cy="592544"/>
+          </a:xfrm>
+          <a:prstGeom prst="straightConnector1">
+            <a:avLst/>
+          </a:prstGeom>
+          <a:ln w="19050">
+            <a:solidFill>
+              <a:schemeClr val="bg1"/>
+            </a:solidFill>
+            <a:headEnd type="none" w="med" len="med"/>
+            <a:tailEnd type="triangle"/>
+          </a:ln>
+        </p:spPr>
+        <p:style>
+          <a:lnRef idx="1">
+            <a:schemeClr val="accent1"/>
+          </a:lnRef>
+          <a:fillRef idx="0">
+            <a:schemeClr val="accent1"/>
+          </a:fillRef>
+          <a:effectRef idx="0">
+            <a:schemeClr val="accent1"/>
+          </a:effectRef>
+          <a:fontRef idx="minor">
+            <a:schemeClr val="tx1"/>
+          </a:fontRef>
+        </p:style>
+      </p:cxnSp>
+      <p:cxnSp>
+        <p:nvCxnSpPr>
+          <p:cNvPr id="34" name="Straight Arrow Connector 33">
+            <a:extLst>
+              <a:ext uri="{FF2B5EF4-FFF2-40B4-BE49-F238E27FC236}">
+                <a16:creationId xmlns:a16="http://schemas.microsoft.com/office/drawing/2014/main" id="{4E19B28D-71A4-4E73-99F3-A9122523481C}"/>
+              </a:ext>
+            </a:extLst>
+          </p:cNvPr>
+          <p:cNvCxnSpPr>
+            <a:cxnSpLocks/>
+          </p:cNvCxnSpPr>
+          <p:nvPr/>
+        </p:nvCxnSpPr>
+        <p:spPr>
+          <a:xfrm>
+            <a:off x="4697796" y="3334952"/>
+            <a:ext cx="57892" cy="1244647"/>
+          </a:xfrm>
+          <a:prstGeom prst="straightConnector1">
+            <a:avLst/>
+          </a:prstGeom>
+          <a:ln w="19050">
+            <a:solidFill>
+              <a:schemeClr val="bg1"/>
+            </a:solidFill>
+            <a:headEnd type="none" w="med" len="med"/>
+            <a:tailEnd type="triangle"/>
+          </a:ln>
+        </p:spPr>
+        <p:style>
+          <a:lnRef idx="1">
+            <a:schemeClr val="accent1"/>
+          </a:lnRef>
+          <a:fillRef idx="0">
+            <a:schemeClr val="accent1"/>
+          </a:fillRef>
+          <a:effectRef idx="0">
+            <a:schemeClr val="accent1"/>
+          </a:effectRef>
+          <a:fontRef idx="minor">
+            <a:schemeClr val="tx1"/>
+          </a:fontRef>
+        </p:style>
+      </p:cxnSp>
+      <p:sp>
+        <p:nvSpPr>
+          <p:cNvPr id="36" name="TextBox 35">
+            <a:extLst>
+              <a:ext uri="{FF2B5EF4-FFF2-40B4-BE49-F238E27FC236}">
+                <a16:creationId xmlns:a16="http://schemas.microsoft.com/office/drawing/2014/main" id="{D46FD6B7-34BA-47BF-A94A-89E680823ACE}"/>
+              </a:ext>
+            </a:extLst>
+          </p:cNvPr>
+          <p:cNvSpPr txBox="1"/>
+          <p:nvPr/>
+        </p:nvSpPr>
+        <p:spPr>
+          <a:xfrm>
+            <a:off x="3186718" y="955545"/>
+            <a:ext cx="2330793" cy="646331"/>
+          </a:xfrm>
+          <a:prstGeom prst="rect">
+            <a:avLst/>
+          </a:prstGeom>
+          <a:noFill/>
+        </p:spPr>
+        <p:txBody>
+          <a:bodyPr wrap="square" rtlCol="0">
+            <a:spAutoFit/>
+          </a:bodyPr>
+          <a:lstStyle/>
+          <a:p>
+            <a:pPr algn="ctr"/>
+            <a:r>
+              <a:rPr lang="en-US" dirty="0"/>
+              <a:t>Most performed minority composers</a:t>
+            </a:r>
+          </a:p>
+        </p:txBody>
+      </p:sp>
+      <p:sp>
+        <p:nvSpPr>
+          <p:cNvPr id="38" name="TextBox 37">
+            <a:extLst>
+              <a:ext uri="{FF2B5EF4-FFF2-40B4-BE49-F238E27FC236}">
+                <a16:creationId xmlns:a16="http://schemas.microsoft.com/office/drawing/2014/main" id="{D71F8BB8-4C76-4857-81A1-E66920DAB228}"/>
+              </a:ext>
+            </a:extLst>
+          </p:cNvPr>
+          <p:cNvSpPr txBox="1"/>
+          <p:nvPr/>
+        </p:nvSpPr>
+        <p:spPr>
+          <a:xfrm>
+            <a:off x="2916071" y="2856969"/>
+            <a:ext cx="1214194" cy="369332"/>
+          </a:xfrm>
+          <a:prstGeom prst="rect">
+            <a:avLst/>
+          </a:prstGeom>
+          <a:noFill/>
+        </p:spPr>
+        <p:txBody>
+          <a:bodyPr wrap="square" rtlCol="0">
+            <a:spAutoFit/>
+          </a:bodyPr>
+          <a:lstStyle/>
+          <a:p>
+            <a:pPr algn="ctr"/>
+            <a:r>
+              <a:rPr lang="en-US" dirty="0">
+                <a:solidFill>
+                  <a:schemeClr val="bg1"/>
+                </a:solidFill>
+              </a:rPr>
+              <a:t>Hispanic</a:t>
+            </a:r>
+          </a:p>
+        </p:txBody>
+      </p:sp>
+      <p:sp>
+        <p:nvSpPr>
+          <p:cNvPr id="40" name="TextBox 39">
+            <a:extLst>
+              <a:ext uri="{FF2B5EF4-FFF2-40B4-BE49-F238E27FC236}">
+                <a16:creationId xmlns:a16="http://schemas.microsoft.com/office/drawing/2014/main" id="{4677F843-B269-444E-A690-8E174BC25631}"/>
+              </a:ext>
+            </a:extLst>
+          </p:cNvPr>
+          <p:cNvSpPr txBox="1"/>
+          <p:nvPr/>
+        </p:nvSpPr>
+        <p:spPr>
+          <a:xfrm>
+            <a:off x="3744524" y="3579283"/>
+            <a:ext cx="962918" cy="369332"/>
+          </a:xfrm>
+          <a:prstGeom prst="rect">
+            <a:avLst/>
+          </a:prstGeom>
+          <a:noFill/>
+        </p:spPr>
+        <p:txBody>
+          <a:bodyPr wrap="square" rtlCol="0">
+            <a:spAutoFit/>
+          </a:bodyPr>
+          <a:lstStyle/>
+          <a:p>
+            <a:pPr algn="ctr"/>
+            <a:r>
+              <a:rPr lang="en-US" dirty="0">
+                <a:solidFill>
+                  <a:schemeClr val="bg1"/>
+                </a:solidFill>
+              </a:rPr>
+              <a:t>Black</a:t>
+            </a:r>
+          </a:p>
+        </p:txBody>
+      </p:sp>
+      <p:sp>
+        <p:nvSpPr>
+          <p:cNvPr id="42" name="TextBox 41">
+            <a:extLst>
+              <a:ext uri="{FF2B5EF4-FFF2-40B4-BE49-F238E27FC236}">
+                <a16:creationId xmlns:a16="http://schemas.microsoft.com/office/drawing/2014/main" id="{FA5D4311-90AE-445B-8812-C23DEABB1101}"/>
+              </a:ext>
+            </a:extLst>
+          </p:cNvPr>
+          <p:cNvSpPr txBox="1"/>
+          <p:nvPr/>
+        </p:nvSpPr>
+        <p:spPr>
+          <a:xfrm>
+            <a:off x="4216337" y="2889389"/>
+            <a:ext cx="962918" cy="369332"/>
+          </a:xfrm>
+          <a:prstGeom prst="rect">
+            <a:avLst/>
+          </a:prstGeom>
+          <a:noFill/>
+        </p:spPr>
+        <p:txBody>
+          <a:bodyPr wrap="square" rtlCol="0">
+            <a:spAutoFit/>
+          </a:bodyPr>
+          <a:lstStyle/>
+          <a:p>
+            <a:pPr algn="ctr"/>
+            <a:r>
+              <a:rPr lang="en-US" dirty="0">
+                <a:solidFill>
+                  <a:schemeClr val="bg1"/>
+                </a:solidFill>
+              </a:rPr>
+              <a:t>Female</a:t>
+            </a:r>
+          </a:p>
+        </p:txBody>
+      </p:sp>
+      <p:sp>
+        <p:nvSpPr>
+          <p:cNvPr id="45" name="Right Brace 44">
+            <a:extLst>
+              <a:ext uri="{FF2B5EF4-FFF2-40B4-BE49-F238E27FC236}">
+                <a16:creationId xmlns:a16="http://schemas.microsoft.com/office/drawing/2014/main" id="{B0888DA2-9949-476A-897F-454B40B16FC4}"/>
+              </a:ext>
+            </a:extLst>
+          </p:cNvPr>
+          <p:cNvSpPr/>
+          <p:nvPr/>
+        </p:nvSpPr>
+        <p:spPr>
+          <a:xfrm rot="5400000" flipH="1">
+            <a:off x="4217691" y="1242767"/>
+            <a:ext cx="268848" cy="1311677"/>
+          </a:xfrm>
+          <a:prstGeom prst="rightBrace">
+            <a:avLst/>
+          </a:prstGeom>
+          <a:ln w="19050">
             <a:solidFill>
               <a:srgbClr val="D2252F"/>
             </a:solidFill>
@@ -4813,30 +5116,36 @@
             <a:schemeClr val="tx1"/>
           </a:fontRef>
         </p:style>
-      </p:cxnSp>
-      <p:cxnSp>
-        <p:nvCxnSpPr>
-          <p:cNvPr id="47" name="Straight Connector 46">
+        <p:txBody>
+          <a:bodyPr rtlCol="0" anchor="ctr"/>
+          <a:lstStyle/>
+          <a:p>
+            <a:pPr algn="ctr"/>
+            <a:endParaRPr lang="en-US" dirty="0"/>
+          </a:p>
+        </p:txBody>
+      </p:sp>
+      <p:sp>
+        <p:nvSpPr>
+          <p:cNvPr id="47" name="Right Brace 46">
             <a:extLst>
               <a:ext uri="{FF2B5EF4-FFF2-40B4-BE49-F238E27FC236}">
-                <a16:creationId xmlns:a16="http://schemas.microsoft.com/office/drawing/2014/main" id="{49C7FF87-EE1C-49D4-A2DB-266EC44CA862}"/>
+                <a16:creationId xmlns:a16="http://schemas.microsoft.com/office/drawing/2014/main" id="{4A91963E-3F8E-4F64-ADC5-37D7F11E9941}"/>
               </a:ext>
             </a:extLst>
           </p:cNvPr>
-          <p:cNvCxnSpPr>
-            <a:cxnSpLocks/>
-          </p:cNvCxnSpPr>
+          <p:cNvSpPr/>
           <p:nvPr/>
-        </p:nvCxnSpPr>
+        </p:nvSpPr>
         <p:spPr>
-          <a:xfrm>
-            <a:off x="5495192" y="3888333"/>
-            <a:ext cx="1619885" cy="414121"/>
+          <a:xfrm rot="5400000" flipH="1">
+            <a:off x="2328782" y="796406"/>
+            <a:ext cx="268848" cy="2187836"/>
           </a:xfrm>
-          <a:prstGeom prst="line">
+          <a:prstGeom prst="rightBrace">
             <a:avLst/>
           </a:prstGeom>
-          <a:ln w="38100">
+          <a:ln w="19050">
             <a:solidFill>
               <a:srgbClr val="D2252F"/>
             </a:solidFill>
@@ -4858,138 +5167,19 @@
             <a:schemeClr val="tx1"/>
           </a:fontRef>
         </p:style>
-      </p:cxnSp>
-      <p:cxnSp>
-        <p:nvCxnSpPr>
-          <p:cNvPr id="49" name="Straight Connector 48">
-            <a:extLst>
-              <a:ext uri="{FF2B5EF4-FFF2-40B4-BE49-F238E27FC236}">
-                <a16:creationId xmlns:a16="http://schemas.microsoft.com/office/drawing/2014/main" id="{8AE86D19-1217-45DB-B370-32D71D7C83B0}"/>
-              </a:ext>
-            </a:extLst>
-          </p:cNvPr>
-          <p:cNvCxnSpPr>
-            <a:cxnSpLocks/>
-          </p:cNvCxnSpPr>
-          <p:nvPr/>
-        </p:nvCxnSpPr>
-        <p:spPr>
-          <a:xfrm>
-            <a:off x="5491846" y="4965017"/>
-            <a:ext cx="1619885" cy="624565"/>
-          </a:xfrm>
-          <a:prstGeom prst="line">
-            <a:avLst/>
-          </a:prstGeom>
-          <a:ln w="38100">
-            <a:solidFill>
-              <a:srgbClr val="D2252F"/>
-            </a:solidFill>
-            <a:headEnd type="none" w="med" len="med"/>
-            <a:tailEnd type="none" w="med" len="med"/>
-          </a:ln>
-        </p:spPr>
-        <p:style>
-          <a:lnRef idx="1">
-            <a:schemeClr val="accent1"/>
-          </a:lnRef>
-          <a:fillRef idx="0">
-            <a:schemeClr val="accent1"/>
-          </a:fillRef>
-          <a:effectRef idx="0">
-            <a:schemeClr val="accent1"/>
-          </a:effectRef>
-          <a:fontRef idx="minor">
-            <a:schemeClr val="tx1"/>
-          </a:fontRef>
-        </p:style>
-      </p:cxnSp>
-      <p:sp>
-        <p:nvSpPr>
-          <p:cNvPr id="19" name="Footer Placeholder 4">
-            <a:extLst>
-              <a:ext uri="{FF2B5EF4-FFF2-40B4-BE49-F238E27FC236}">
-                <a16:creationId xmlns:a16="http://schemas.microsoft.com/office/drawing/2014/main" id="{9AEA623C-105C-4A11-ADD1-091454DA8A2B}"/>
-              </a:ext>
-            </a:extLst>
-          </p:cNvPr>
-          <p:cNvSpPr>
-            <a:spLocks noGrp="1"/>
-          </p:cNvSpPr>
-          <p:nvPr>
-            <p:ph type="ftr" sz="quarter" idx="11"/>
-          </p:nvPr>
-        </p:nvSpPr>
-        <p:spPr>
-          <a:xfrm>
-            <a:off x="0" y="6492876"/>
-            <a:ext cx="12192000" cy="365125"/>
-          </a:xfrm>
-          <a:prstGeom prst="rect">
-            <a:avLst/>
-          </a:prstGeom>
-        </p:spPr>
-        <p:txBody>
-          <a:bodyPr anchor="b"/>
-          <a:lstStyle>
-            <a:lvl1pPr algn="l">
-              <a:defRPr>
-                <a:solidFill>
-                  <a:schemeClr val="tx1"/>
-                </a:solidFill>
-                <a:latin typeface="Myriad Pro" charset="0"/>
-                <a:ea typeface="Myriad Pro" charset="0"/>
-                <a:cs typeface="Myriad Pro" charset="0"/>
-              </a:defRPr>
-            </a:lvl1pPr>
-          </a:lstStyle>
-          <a:p>
-            <a:r>
-              <a:rPr lang="en-US" dirty="0"/>
-              <a:t>The Data Incubator Finalist Interview – Brian Schaefer</a:t>
-            </a:r>
-          </a:p>
-        </p:txBody>
-      </p:sp>
-      <p:sp>
-        <p:nvSpPr>
-          <p:cNvPr id="3" name="TextBox 2">
-            <a:extLst>
-              <a:ext uri="{FF2B5EF4-FFF2-40B4-BE49-F238E27FC236}">
-                <a16:creationId xmlns:a16="http://schemas.microsoft.com/office/drawing/2014/main" id="{17A10C70-A9D6-4543-839D-7DA4DDAD7B06}"/>
-              </a:ext>
-            </a:extLst>
-          </p:cNvPr>
-          <p:cNvSpPr txBox="1"/>
-          <p:nvPr/>
-        </p:nvSpPr>
-        <p:spPr>
-          <a:xfrm>
-            <a:off x="11888712" y="6492876"/>
-            <a:ext cx="303288" cy="369332"/>
-          </a:xfrm>
-          <a:prstGeom prst="rect">
-            <a:avLst/>
-          </a:prstGeom>
-          <a:noFill/>
-        </p:spPr>
-        <p:txBody>
-          <a:bodyPr wrap="none" rtlCol="0">
-            <a:spAutoFit/>
-          </a:bodyPr>
-          <a:lstStyle/>
-          <a:p>
-            <a:r>
-              <a:rPr lang="en-US" dirty="0"/>
-              <a:t>2</a:t>
-            </a:r>
+        <p:txBody>
+          <a:bodyPr rtlCol="0" anchor="ctr"/>
+          <a:lstStyle/>
+          <a:p>
+            <a:pPr algn="ctr"/>
+            <a:endParaRPr lang="en-US" dirty="0"/>
           </a:p>
         </p:txBody>
       </p:sp>
     </p:spTree>
     <p:extLst>
       <p:ext uri="{BB962C8B-B14F-4D97-AF65-F5344CB8AC3E}">
-        <p14:creationId xmlns:p14="http://schemas.microsoft.com/office/powerpoint/2010/main" val="1325028314"/>
+        <p14:creationId xmlns:p14="http://schemas.microsoft.com/office/powerpoint/2010/main" val="3630516987"/>
       </p:ext>
     </p:extLst>
   </p:cSld>
@@ -5016,12 +5206,373 @@
           <a:chExt cx="0" cy="0"/>
         </a:xfrm>
       </p:grpSpPr>
+      <p:sp>
+        <p:nvSpPr>
+          <p:cNvPr id="2" name="Title 1">
+            <a:extLst>
+              <a:ext uri="{FF2B5EF4-FFF2-40B4-BE49-F238E27FC236}">
+                <a16:creationId xmlns:a16="http://schemas.microsoft.com/office/drawing/2014/main" id="{55B13A2A-8884-4593-B81C-3E2E7659BAFE}"/>
+              </a:ext>
+            </a:extLst>
+          </p:cNvPr>
+          <p:cNvSpPr>
+            <a:spLocks noGrp="1"/>
+          </p:cNvSpPr>
+          <p:nvPr>
+            <p:ph type="title"/>
+          </p:nvPr>
+        </p:nvSpPr>
+        <p:spPr/>
+        <p:txBody>
+          <a:bodyPr>
+            <a:normAutofit fontScale="90000"/>
+          </a:bodyPr>
+          <a:lstStyle/>
+          <a:p>
+            <a:pPr algn="ctr"/>
+            <a:r>
+              <a:rPr lang="en-US" dirty="0"/>
+              <a:t>Does the orchestra need to program “safe” repertoire?</a:t>
+            </a:r>
+          </a:p>
+        </p:txBody>
+      </p:sp>
+      <p:sp>
+        <p:nvSpPr>
+          <p:cNvPr id="3" name="Footer Placeholder 2">
+            <a:extLst>
+              <a:ext uri="{FF2B5EF4-FFF2-40B4-BE49-F238E27FC236}">
+                <a16:creationId xmlns:a16="http://schemas.microsoft.com/office/drawing/2014/main" id="{B9657305-D957-4667-9B91-12F0803498B4}"/>
+              </a:ext>
+            </a:extLst>
+          </p:cNvPr>
+          <p:cNvSpPr>
+            <a:spLocks noGrp="1"/>
+          </p:cNvSpPr>
+          <p:nvPr>
+            <p:ph type="ftr" sz="quarter" idx="11"/>
+          </p:nvPr>
+        </p:nvSpPr>
+        <p:spPr/>
+        <p:txBody>
+          <a:bodyPr/>
+          <a:lstStyle/>
+          <a:p>
+            <a:r>
+              <a:rPr lang="en-US" dirty="0"/>
+              <a:t>The Data Incubator Finalist Interview – Brian Schaefer</a:t>
+            </a:r>
+          </a:p>
+        </p:txBody>
+      </p:sp>
+      <p:sp>
+        <p:nvSpPr>
+          <p:cNvPr id="5" name="TextBox 4">
+            <a:extLst>
+              <a:ext uri="{FF2B5EF4-FFF2-40B4-BE49-F238E27FC236}">
+                <a16:creationId xmlns:a16="http://schemas.microsoft.com/office/drawing/2014/main" id="{6AF2E457-1174-4277-AF9D-33006DBA8857}"/>
+              </a:ext>
+            </a:extLst>
+          </p:cNvPr>
+          <p:cNvSpPr txBox="1"/>
+          <p:nvPr/>
+        </p:nvSpPr>
+        <p:spPr>
+          <a:xfrm>
+            <a:off x="569298" y="2209633"/>
+            <a:ext cx="5377819" cy="369332"/>
+          </a:xfrm>
+          <a:prstGeom prst="rect">
+            <a:avLst/>
+          </a:prstGeom>
+          <a:noFill/>
+        </p:spPr>
+        <p:txBody>
+          <a:bodyPr wrap="none" rtlCol="0">
+            <a:spAutoFit/>
+          </a:bodyPr>
+          <a:lstStyle/>
+          <a:p>
+            <a:pPr algn="ctr"/>
+            <a:r>
+              <a:rPr lang="en-US" dirty="0"/>
+              <a:t>Subscription concerts are more uniformly “traditional”</a:t>
+            </a:r>
+          </a:p>
+        </p:txBody>
+      </p:sp>
       <p:pic>
         <p:nvPicPr>
-          <p:cNvPr id="50" name="Picture 49" descr="A screenshot of a cell phone&#10;&#10;Description automatically generated">
+          <p:cNvPr id="7" name="Picture 6" descr="A screenshot of a cell phone&#10;&#10;Description automatically generated">
             <a:extLst>
               <a:ext uri="{FF2B5EF4-FFF2-40B4-BE49-F238E27FC236}">
-                <a16:creationId xmlns:a16="http://schemas.microsoft.com/office/drawing/2014/main" id="{983267AE-2BC4-4864-8B26-9E6052B1BD1F}"/>
+                <a16:creationId xmlns:a16="http://schemas.microsoft.com/office/drawing/2014/main" id="{20D4FDF2-2CF0-40DB-8BA8-B6B01D488D68}"/>
+              </a:ext>
+            </a:extLst>
+          </p:cNvPr>
+          <p:cNvPicPr>
+            <a:picLocks noChangeAspect="1"/>
+          </p:cNvPicPr>
+          <p:nvPr/>
+        </p:nvPicPr>
+        <p:blipFill>
+          <a:blip r:embed="rId2"/>
+          <a:stretch>
+            <a:fillRect/>
+          </a:stretch>
+        </p:blipFill>
+        <p:spPr>
+          <a:xfrm>
+            <a:off x="749317" y="2720479"/>
+            <a:ext cx="5017780" cy="3385573"/>
+          </a:xfrm>
+          <a:prstGeom prst="rect">
+            <a:avLst/>
+          </a:prstGeom>
+        </p:spPr>
+      </p:pic>
+      <p:sp>
+        <p:nvSpPr>
+          <p:cNvPr id="9" name="Rectangle 8">
+            <a:extLst>
+              <a:ext uri="{FF2B5EF4-FFF2-40B4-BE49-F238E27FC236}">
+                <a16:creationId xmlns:a16="http://schemas.microsoft.com/office/drawing/2014/main" id="{84278DAA-770D-4C8F-8BF0-FB99E958EE7B}"/>
+              </a:ext>
+            </a:extLst>
+          </p:cNvPr>
+          <p:cNvSpPr/>
+          <p:nvPr/>
+        </p:nvSpPr>
+        <p:spPr>
+          <a:xfrm>
+            <a:off x="486558" y="919128"/>
+            <a:ext cx="11253497" cy="830997"/>
+          </a:xfrm>
+          <a:prstGeom prst="rect">
+            <a:avLst/>
+          </a:prstGeom>
+        </p:spPr>
+        <p:txBody>
+          <a:bodyPr wrap="square">
+            <a:spAutoFit/>
+          </a:bodyPr>
+          <a:lstStyle/>
+          <a:p>
+            <a:r>
+              <a:rPr lang="en-US" sz="1600" dirty="0"/>
+              <a:t>Define “traditionalism” metric:</a:t>
+            </a:r>
+          </a:p>
+          <a:p>
+            <a:pPr marL="285750" indent="-285750">
+              <a:buFont typeface="Arial" panose="020B0604020202020204" pitchFamily="34" charset="0"/>
+              <a:buChar char="•"/>
+            </a:pPr>
+            <a:r>
+              <a:rPr lang="en-US" sz="1600" dirty="0"/>
+              <a:t>Average “popularity” of composers represented on a program</a:t>
+            </a:r>
+          </a:p>
+          <a:p>
+            <a:pPr marL="285750" indent="-285750">
+              <a:buFont typeface="Arial" panose="020B0604020202020204" pitchFamily="34" charset="0"/>
+              <a:buChar char="•"/>
+            </a:pPr>
+            <a:r>
+              <a:rPr lang="en-US" sz="1600" dirty="0"/>
+              <a:t>“Popularity” = log(total number of performances)</a:t>
+            </a:r>
+          </a:p>
+        </p:txBody>
+      </p:sp>
+      <p:sp>
+        <p:nvSpPr>
+          <p:cNvPr id="10" name="TextBox 9">
+            <a:extLst>
+              <a:ext uri="{FF2B5EF4-FFF2-40B4-BE49-F238E27FC236}">
+                <a16:creationId xmlns:a16="http://schemas.microsoft.com/office/drawing/2014/main" id="{2216994B-4042-4129-AD6B-CE50F8A2A073}"/>
+              </a:ext>
+            </a:extLst>
+          </p:cNvPr>
+          <p:cNvSpPr txBox="1"/>
+          <p:nvPr/>
+        </p:nvSpPr>
+        <p:spPr>
+          <a:xfrm>
+            <a:off x="6439847" y="933621"/>
+            <a:ext cx="2919307" cy="830997"/>
+          </a:xfrm>
+          <a:prstGeom prst="rect">
+            <a:avLst/>
+          </a:prstGeom>
+          <a:noFill/>
+        </p:spPr>
+        <p:txBody>
+          <a:bodyPr wrap="square" rtlCol="0">
+            <a:spAutoFit/>
+          </a:bodyPr>
+          <a:lstStyle/>
+          <a:p>
+            <a:pPr algn="ctr"/>
+            <a:r>
+              <a:rPr lang="en-US" sz="1200" u="sng" dirty="0"/>
+              <a:t>“Traditional” program</a:t>
+            </a:r>
+          </a:p>
+          <a:p>
+            <a:pPr marL="285750" indent="-285750">
+              <a:buFont typeface="Arial" panose="020B0604020202020204" pitchFamily="34" charset="0"/>
+              <a:buChar char="•"/>
+            </a:pPr>
+            <a:r>
+              <a:rPr lang="en-US" sz="1200" dirty="0"/>
+              <a:t>Beethoven – Piano Concerto No. 4</a:t>
+            </a:r>
+          </a:p>
+          <a:p>
+            <a:pPr marL="285750" indent="-285750">
+              <a:buFont typeface="Arial" panose="020B0604020202020204" pitchFamily="34" charset="0"/>
+              <a:buChar char="•"/>
+            </a:pPr>
+            <a:r>
+              <a:rPr lang="en-US" sz="1200" dirty="0"/>
+              <a:t>Brahms – Symphony No. 1</a:t>
+            </a:r>
+          </a:p>
+          <a:p>
+            <a:pPr marL="285750" indent="-285750">
+              <a:buFont typeface="Arial" panose="020B0604020202020204" pitchFamily="34" charset="0"/>
+              <a:buChar char="•"/>
+            </a:pPr>
+            <a:r>
+              <a:rPr lang="en-US" sz="1200" dirty="0"/>
+              <a:t>…</a:t>
+            </a:r>
+          </a:p>
+        </p:txBody>
+      </p:sp>
+      <p:sp>
+        <p:nvSpPr>
+          <p:cNvPr id="11" name="Rectangle 10">
+            <a:extLst>
+              <a:ext uri="{FF2B5EF4-FFF2-40B4-BE49-F238E27FC236}">
+                <a16:creationId xmlns:a16="http://schemas.microsoft.com/office/drawing/2014/main" id="{6BB8AFD4-E7C6-4F2E-8717-2FFC6ACA367F}"/>
+              </a:ext>
+            </a:extLst>
+          </p:cNvPr>
+          <p:cNvSpPr/>
+          <p:nvPr/>
+        </p:nvSpPr>
+        <p:spPr>
+          <a:xfrm>
+            <a:off x="9120231" y="731376"/>
+            <a:ext cx="3174783" cy="1015663"/>
+          </a:xfrm>
+          <a:prstGeom prst="rect">
+            <a:avLst/>
+          </a:prstGeom>
+        </p:spPr>
+        <p:txBody>
+          <a:bodyPr wrap="square">
+            <a:spAutoFit/>
+          </a:bodyPr>
+          <a:lstStyle/>
+          <a:p>
+            <a:pPr marL="285750" indent="-285750">
+              <a:buFont typeface="Arial" panose="020B0604020202020204" pitchFamily="34" charset="0"/>
+              <a:buChar char="•"/>
+            </a:pPr>
+            <a:endParaRPr lang="en-US" sz="1200" dirty="0"/>
+          </a:p>
+          <a:p>
+            <a:pPr algn="ctr"/>
+            <a:r>
+              <a:rPr lang="en-US" sz="1200" u="sng" dirty="0"/>
+              <a:t>“Non-traditional” program</a:t>
+            </a:r>
+          </a:p>
+          <a:p>
+            <a:pPr marL="285750" indent="-285750">
+              <a:buFont typeface="Arial" panose="020B0604020202020204" pitchFamily="34" charset="0"/>
+              <a:buChar char="•"/>
+            </a:pPr>
+            <a:r>
+              <a:rPr lang="en-US" sz="1200" dirty="0"/>
+              <a:t>Ellington – Black, Brown, &amp; Beige Suite</a:t>
+            </a:r>
+          </a:p>
+          <a:p>
+            <a:pPr marL="285750" indent="-285750">
+              <a:buFont typeface="Arial" panose="020B0604020202020204" pitchFamily="34" charset="0"/>
+              <a:buChar char="•"/>
+            </a:pPr>
+            <a:r>
+              <a:rPr lang="en-US" sz="1200" dirty="0"/>
+              <a:t>de </a:t>
+            </a:r>
+            <a:r>
+              <a:rPr lang="en-US" sz="1200" dirty="0" err="1"/>
+              <a:t>Falla</a:t>
+            </a:r>
+            <a:r>
+              <a:rPr lang="en-US" sz="1200" dirty="0"/>
+              <a:t> – El Amor Brujo</a:t>
+            </a:r>
+          </a:p>
+          <a:p>
+            <a:pPr marL="285750" indent="-285750">
+              <a:buFont typeface="Arial" panose="020B0604020202020204" pitchFamily="34" charset="0"/>
+              <a:buChar char="•"/>
+            </a:pPr>
+            <a:r>
+              <a:rPr lang="en-US" sz="1200" dirty="0"/>
+              <a:t>…</a:t>
+            </a:r>
+          </a:p>
+        </p:txBody>
+      </p:sp>
+      <p:sp>
+        <p:nvSpPr>
+          <p:cNvPr id="15" name="TextBox 14">
+            <a:extLst>
+              <a:ext uri="{FF2B5EF4-FFF2-40B4-BE49-F238E27FC236}">
+                <a16:creationId xmlns:a16="http://schemas.microsoft.com/office/drawing/2014/main" id="{2F9EA715-744C-466D-A2ED-A5376DF39CAB}"/>
+              </a:ext>
+            </a:extLst>
+          </p:cNvPr>
+          <p:cNvSpPr txBox="1"/>
+          <p:nvPr/>
+        </p:nvSpPr>
+        <p:spPr>
+          <a:xfrm>
+            <a:off x="6691383" y="2085034"/>
+            <a:ext cx="4833868" cy="646331"/>
+          </a:xfrm>
+          <a:prstGeom prst="rect">
+            <a:avLst/>
+          </a:prstGeom>
+          <a:noFill/>
+        </p:spPr>
+        <p:txBody>
+          <a:bodyPr wrap="square" rtlCol="0">
+            <a:spAutoFit/>
+          </a:bodyPr>
+          <a:lstStyle/>
+          <a:p>
+            <a:pPr algn="ctr"/>
+            <a:r>
+              <a:rPr lang="en-US" dirty="0"/>
+              <a:t>No correlation between “traditionalism” and attendance for each season</a:t>
+            </a:r>
+          </a:p>
+        </p:txBody>
+      </p:sp>
+      <p:pic>
+        <p:nvPicPr>
+          <p:cNvPr id="17" name="Picture 16" descr="A screenshot of a cell phone&#10;&#10;Description automatically generated">
+            <a:extLst>
+              <a:ext uri="{FF2B5EF4-FFF2-40B4-BE49-F238E27FC236}">
+                <a16:creationId xmlns:a16="http://schemas.microsoft.com/office/drawing/2014/main" id="{0C97D171-1304-4C9B-8CDD-8C148EBA9B46}"/>
               </a:ext>
             </a:extLst>
           </p:cNvPr>
@@ -5038,1361 +5589,6 @@
         </p:blipFill>
         <p:spPr>
           <a:xfrm>
-            <a:off x="8128566" y="1155931"/>
-            <a:ext cx="3915819" cy="2836914"/>
-          </a:xfrm>
-          <a:prstGeom prst="rect">
-            <a:avLst/>
-          </a:prstGeom>
-        </p:spPr>
-      </p:pic>
-      <p:pic>
-        <p:nvPicPr>
-          <p:cNvPr id="48" name="Picture 47" descr="A screenshot of a cell phone&#10;&#10;Description automatically generated">
-            <a:extLst>
-              <a:ext uri="{FF2B5EF4-FFF2-40B4-BE49-F238E27FC236}">
-                <a16:creationId xmlns:a16="http://schemas.microsoft.com/office/drawing/2014/main" id="{0FEC81A6-7463-468A-8251-218A09F339F1}"/>
-              </a:ext>
-            </a:extLst>
-          </p:cNvPr>
-          <p:cNvPicPr>
-            <a:picLocks noChangeAspect="1"/>
-          </p:cNvPicPr>
-          <p:nvPr/>
-        </p:nvPicPr>
-        <p:blipFill>
-          <a:blip r:embed="rId4"/>
-          <a:stretch>
-            <a:fillRect/>
-          </a:stretch>
-        </p:blipFill>
-        <p:spPr>
-          <a:xfrm>
-            <a:off x="3994714" y="1168626"/>
-            <a:ext cx="3869971" cy="2803699"/>
-          </a:xfrm>
-          <a:prstGeom prst="rect">
-            <a:avLst/>
-          </a:prstGeom>
-        </p:spPr>
-      </p:pic>
-      <p:sp>
-        <p:nvSpPr>
-          <p:cNvPr id="13" name="Footer Placeholder 4">
-            <a:extLst>
-              <a:ext uri="{FF2B5EF4-FFF2-40B4-BE49-F238E27FC236}">
-                <a16:creationId xmlns:a16="http://schemas.microsoft.com/office/drawing/2014/main" id="{F33627A3-BCB3-48BD-ACC0-983A1B77FF25}"/>
-              </a:ext>
-            </a:extLst>
-          </p:cNvPr>
-          <p:cNvSpPr>
-            <a:spLocks noGrp="1"/>
-          </p:cNvSpPr>
-          <p:nvPr>
-            <p:ph type="ftr" sz="quarter" idx="11"/>
-          </p:nvPr>
-        </p:nvSpPr>
-        <p:spPr>
-          <a:xfrm>
-            <a:off x="0" y="6492876"/>
-            <a:ext cx="12192000" cy="365125"/>
-          </a:xfrm>
-          <a:prstGeom prst="rect">
-            <a:avLst/>
-          </a:prstGeom>
-        </p:spPr>
-        <p:txBody>
-          <a:bodyPr anchor="b"/>
-          <a:lstStyle>
-            <a:lvl1pPr algn="l">
-              <a:defRPr>
-                <a:solidFill>
-                  <a:schemeClr val="tx1"/>
-                </a:solidFill>
-                <a:latin typeface="Myriad Pro" charset="0"/>
-                <a:ea typeface="Myriad Pro" charset="0"/>
-                <a:cs typeface="Myriad Pro" charset="0"/>
-              </a:defRPr>
-            </a:lvl1pPr>
-          </a:lstStyle>
-          <a:p>
-            <a:r>
-              <a:rPr lang="en-US" dirty="0"/>
-              <a:t>The Data Incubator Finalist Interview – Brian Schaefer</a:t>
-            </a:r>
-          </a:p>
-        </p:txBody>
-      </p:sp>
-      <p:grpSp>
-        <p:nvGrpSpPr>
-          <p:cNvPr id="26" name="Group 25">
-            <a:extLst>
-              <a:ext uri="{FF2B5EF4-FFF2-40B4-BE49-F238E27FC236}">
-                <a16:creationId xmlns:a16="http://schemas.microsoft.com/office/drawing/2014/main" id="{D41ECC6A-B156-4163-B7CA-2AB7191ACCD0}"/>
-              </a:ext>
-            </a:extLst>
-          </p:cNvPr>
-          <p:cNvGrpSpPr/>
-          <p:nvPr/>
-        </p:nvGrpSpPr>
-        <p:grpSpPr>
-          <a:xfrm>
-            <a:off x="4351345" y="432180"/>
-            <a:ext cx="3392424" cy="3088458"/>
-            <a:chOff x="7447127" y="691518"/>
-            <a:chExt cx="3392424" cy="3088458"/>
-          </a:xfrm>
-        </p:grpSpPr>
-        <p:sp>
-          <p:nvSpPr>
-            <p:cNvPr id="15" name="TextBox 14">
-              <a:extLst>
-                <a:ext uri="{FF2B5EF4-FFF2-40B4-BE49-F238E27FC236}">
-                  <a16:creationId xmlns:a16="http://schemas.microsoft.com/office/drawing/2014/main" id="{F1B28CC6-DF85-46CF-BD29-2494ECA52AD5}"/>
-                </a:ext>
-              </a:extLst>
-            </p:cNvPr>
-            <p:cNvSpPr txBox="1"/>
-            <p:nvPr/>
-          </p:nvSpPr>
-          <p:spPr>
-            <a:xfrm>
-              <a:off x="7447127" y="691518"/>
-              <a:ext cx="3279166" cy="646331"/>
-            </a:xfrm>
-            <a:prstGeom prst="rect">
-              <a:avLst/>
-            </a:prstGeom>
-            <a:noFill/>
-          </p:spPr>
-          <p:txBody>
-            <a:bodyPr wrap="square" rtlCol="0">
-              <a:spAutoFit/>
-            </a:bodyPr>
-            <a:lstStyle/>
-            <a:p>
-              <a:pPr algn="ctr"/>
-              <a:r>
-                <a:rPr lang="en-US" dirty="0"/>
-                <a:t>Bernstein popularized the works of Mahler… alongside his own</a:t>
-              </a:r>
-            </a:p>
-          </p:txBody>
-        </p:sp>
-        <p:sp>
-          <p:nvSpPr>
-            <p:cNvPr id="23" name="TextBox 22">
-              <a:extLst>
-                <a:ext uri="{FF2B5EF4-FFF2-40B4-BE49-F238E27FC236}">
-                  <a16:creationId xmlns:a16="http://schemas.microsoft.com/office/drawing/2014/main" id="{B9A3DF3A-5A3C-4724-83BF-FB36D74770EB}"/>
-                </a:ext>
-              </a:extLst>
-            </p:cNvPr>
-            <p:cNvSpPr txBox="1"/>
-            <p:nvPr/>
-          </p:nvSpPr>
-          <p:spPr>
-            <a:xfrm>
-              <a:off x="9176336" y="3349089"/>
-              <a:ext cx="1663215" cy="430887"/>
-            </a:xfrm>
-            <a:prstGeom prst="rect">
-              <a:avLst/>
-            </a:prstGeom>
-            <a:solidFill>
-              <a:srgbClr val="EAEAF2">
-                <a:alpha val="50000"/>
-              </a:srgbClr>
-            </a:solidFill>
-          </p:spPr>
-          <p:txBody>
-            <a:bodyPr wrap="square" rtlCol="0">
-              <a:spAutoFit/>
-            </a:bodyPr>
-            <a:lstStyle/>
-            <a:p>
-              <a:pPr algn="ctr"/>
-              <a:r>
-                <a:rPr lang="en-US" sz="1100" dirty="0">
-                  <a:solidFill>
-                    <a:schemeClr val="bg1"/>
-                  </a:solidFill>
-                </a:rPr>
-                <a:t>1958: Leonard Bernstein becomes Music Director</a:t>
-              </a:r>
-            </a:p>
-          </p:txBody>
-        </p:sp>
-        <p:cxnSp>
-          <p:nvCxnSpPr>
-            <p:cNvPr id="25" name="Straight Arrow Connector 24">
-              <a:extLst>
-                <a:ext uri="{FF2B5EF4-FFF2-40B4-BE49-F238E27FC236}">
-                  <a16:creationId xmlns:a16="http://schemas.microsoft.com/office/drawing/2014/main" id="{CA001569-A235-4530-8454-D5D6E5800186}"/>
-                </a:ext>
-              </a:extLst>
-            </p:cNvPr>
-            <p:cNvCxnSpPr>
-              <a:cxnSpLocks/>
-            </p:cNvCxnSpPr>
-            <p:nvPr/>
-          </p:nvCxnSpPr>
-          <p:spPr>
-            <a:xfrm flipH="1" flipV="1">
-              <a:off x="8801542" y="3349089"/>
-              <a:ext cx="442891" cy="204775"/>
-            </a:xfrm>
-            <a:prstGeom prst="straightConnector1">
-              <a:avLst/>
-            </a:prstGeom>
-            <a:ln w="19050">
-              <a:solidFill>
-                <a:schemeClr val="bg1"/>
-              </a:solidFill>
-              <a:headEnd type="none" w="med" len="med"/>
-              <a:tailEnd type="triangle"/>
-            </a:ln>
-          </p:spPr>
-          <p:style>
-            <a:lnRef idx="1">
-              <a:schemeClr val="accent1"/>
-            </a:lnRef>
-            <a:fillRef idx="0">
-              <a:schemeClr val="accent1"/>
-            </a:fillRef>
-            <a:effectRef idx="0">
-              <a:schemeClr val="accent1"/>
-            </a:effectRef>
-            <a:fontRef idx="minor">
-              <a:schemeClr val="tx1"/>
-            </a:fontRef>
-          </p:style>
-        </p:cxnSp>
-      </p:grpSp>
-      <p:pic>
-        <p:nvPicPr>
-          <p:cNvPr id="39" name="Picture 38" descr="A screenshot of a cell phone&#10;&#10;Description automatically generated">
-            <a:extLst>
-              <a:ext uri="{FF2B5EF4-FFF2-40B4-BE49-F238E27FC236}">
-                <a16:creationId xmlns:a16="http://schemas.microsoft.com/office/drawing/2014/main" id="{E009636B-5062-4F9C-99DB-F117DCE69E3F}"/>
-              </a:ext>
-            </a:extLst>
-          </p:cNvPr>
-          <p:cNvPicPr>
-            <a:picLocks noChangeAspect="1"/>
-          </p:cNvPicPr>
-          <p:nvPr/>
-        </p:nvPicPr>
-        <p:blipFill>
-          <a:blip r:embed="rId5"/>
-          <a:stretch>
-            <a:fillRect/>
-          </a:stretch>
-        </p:blipFill>
-        <p:spPr>
-          <a:xfrm>
-            <a:off x="123099" y="1233618"/>
-            <a:ext cx="3547433" cy="2687839"/>
-          </a:xfrm>
-          <a:prstGeom prst="rect">
-            <a:avLst/>
-          </a:prstGeom>
-        </p:spPr>
-      </p:pic>
-      <p:sp>
-        <p:nvSpPr>
-          <p:cNvPr id="42" name="Rectangle 41">
-            <a:extLst>
-              <a:ext uri="{FF2B5EF4-FFF2-40B4-BE49-F238E27FC236}">
-                <a16:creationId xmlns:a16="http://schemas.microsoft.com/office/drawing/2014/main" id="{A76F0B00-6C03-49BC-A2B0-D7771ADCC4F7}"/>
-              </a:ext>
-            </a:extLst>
-          </p:cNvPr>
-          <p:cNvSpPr/>
-          <p:nvPr/>
-        </p:nvSpPr>
-        <p:spPr>
-          <a:xfrm>
-            <a:off x="163231" y="555662"/>
-            <a:ext cx="3467168" cy="369332"/>
-          </a:xfrm>
-          <a:prstGeom prst="rect">
-            <a:avLst/>
-          </a:prstGeom>
-        </p:spPr>
-        <p:txBody>
-          <a:bodyPr wrap="none">
-            <a:spAutoFit/>
-          </a:bodyPr>
-          <a:lstStyle/>
-          <a:p>
-            <a:pPr algn="ctr"/>
-            <a:r>
-              <a:rPr lang="en-US" dirty="0"/>
-              <a:t>Most often performed composers:</a:t>
-            </a:r>
-          </a:p>
-        </p:txBody>
-      </p:sp>
-      <p:sp>
-        <p:nvSpPr>
-          <p:cNvPr id="51" name="TextBox 50">
-            <a:extLst>
-              <a:ext uri="{FF2B5EF4-FFF2-40B4-BE49-F238E27FC236}">
-                <a16:creationId xmlns:a16="http://schemas.microsoft.com/office/drawing/2014/main" id="{02EF0CCE-45B6-4BE9-8BCE-D62C536FB6AF}"/>
-              </a:ext>
-            </a:extLst>
-          </p:cNvPr>
-          <p:cNvSpPr txBox="1"/>
-          <p:nvPr/>
-        </p:nvSpPr>
-        <p:spPr>
-          <a:xfrm>
-            <a:off x="9246180" y="1371079"/>
-            <a:ext cx="840295" cy="261610"/>
-          </a:xfrm>
-          <a:prstGeom prst="rect">
-            <a:avLst/>
-          </a:prstGeom>
-          <a:noFill/>
-        </p:spPr>
-        <p:txBody>
-          <a:bodyPr wrap="none" rtlCol="0">
-            <a:spAutoFit/>
-          </a:bodyPr>
-          <a:lstStyle/>
-          <a:p>
-            <a:r>
-              <a:rPr lang="en-US" sz="1100" dirty="0">
-                <a:solidFill>
-                  <a:schemeClr val="bg1"/>
-                </a:solidFill>
-              </a:rPr>
-              <a:t>Conductor:</a:t>
-            </a:r>
-          </a:p>
-        </p:txBody>
-      </p:sp>
-      <p:sp>
-        <p:nvSpPr>
-          <p:cNvPr id="55" name="TextBox 54">
-            <a:extLst>
-              <a:ext uri="{FF2B5EF4-FFF2-40B4-BE49-F238E27FC236}">
-                <a16:creationId xmlns:a16="http://schemas.microsoft.com/office/drawing/2014/main" id="{0F71FA05-82A0-4648-93A3-F2556081F20C}"/>
-              </a:ext>
-            </a:extLst>
-          </p:cNvPr>
-          <p:cNvSpPr txBox="1"/>
-          <p:nvPr/>
-        </p:nvSpPr>
-        <p:spPr>
-          <a:xfrm>
-            <a:off x="10043238" y="1371079"/>
-            <a:ext cx="662117" cy="261610"/>
-          </a:xfrm>
-          <a:prstGeom prst="rect">
-            <a:avLst/>
-          </a:prstGeom>
-          <a:solidFill>
-            <a:srgbClr val="EAEAF2"/>
-          </a:solidFill>
-        </p:spPr>
-        <p:txBody>
-          <a:bodyPr wrap="square" rtlCol="0">
-            <a:spAutoFit/>
-          </a:bodyPr>
-          <a:lstStyle/>
-          <a:p>
-            <a:pPr algn="ctr"/>
-            <a:r>
-              <a:rPr lang="en-US" sz="1100" dirty="0">
-                <a:solidFill>
-                  <a:schemeClr val="bg1"/>
-                </a:solidFill>
-              </a:rPr>
-              <a:t>Boulez</a:t>
-            </a:r>
-          </a:p>
-        </p:txBody>
-      </p:sp>
-      <p:sp>
-        <p:nvSpPr>
-          <p:cNvPr id="57" name="TextBox 56">
-            <a:extLst>
-              <a:ext uri="{FF2B5EF4-FFF2-40B4-BE49-F238E27FC236}">
-                <a16:creationId xmlns:a16="http://schemas.microsoft.com/office/drawing/2014/main" id="{0692E0D7-E331-4782-AECA-9FAF514780F3}"/>
-              </a:ext>
-            </a:extLst>
-          </p:cNvPr>
-          <p:cNvSpPr txBox="1"/>
-          <p:nvPr/>
-        </p:nvSpPr>
-        <p:spPr>
-          <a:xfrm>
-            <a:off x="11172681" y="1370338"/>
-            <a:ext cx="662117" cy="261610"/>
-          </a:xfrm>
-          <a:prstGeom prst="rect">
-            <a:avLst/>
-          </a:prstGeom>
-          <a:solidFill>
-            <a:srgbClr val="EAEAF2"/>
-          </a:solidFill>
-        </p:spPr>
-        <p:txBody>
-          <a:bodyPr wrap="square" rtlCol="0">
-            <a:spAutoFit/>
-          </a:bodyPr>
-          <a:lstStyle/>
-          <a:p>
-            <a:pPr algn="ctr"/>
-            <a:r>
-              <a:rPr lang="en-US" sz="1100" dirty="0">
-                <a:solidFill>
-                  <a:srgbClr val="D2252F"/>
-                </a:solidFill>
-              </a:rPr>
-              <a:t>Maazel</a:t>
-            </a:r>
-          </a:p>
-        </p:txBody>
-      </p:sp>
-      <p:sp>
-        <p:nvSpPr>
-          <p:cNvPr id="59" name="TextBox 58">
-            <a:extLst>
-              <a:ext uri="{FF2B5EF4-FFF2-40B4-BE49-F238E27FC236}">
-                <a16:creationId xmlns:a16="http://schemas.microsoft.com/office/drawing/2014/main" id="{F51BFEA2-5EB1-4AD2-91A7-B00FB28177FA}"/>
-              </a:ext>
-            </a:extLst>
-          </p:cNvPr>
-          <p:cNvSpPr txBox="1"/>
-          <p:nvPr/>
-        </p:nvSpPr>
-        <p:spPr>
-          <a:xfrm>
-            <a:off x="8338178" y="434175"/>
-            <a:ext cx="3496620" cy="646331"/>
-          </a:xfrm>
-          <a:prstGeom prst="rect">
-            <a:avLst/>
-          </a:prstGeom>
-          <a:noFill/>
-        </p:spPr>
-        <p:txBody>
-          <a:bodyPr wrap="square" rtlCol="0">
-            <a:spAutoFit/>
-          </a:bodyPr>
-          <a:lstStyle/>
-          <a:p>
-            <a:pPr algn="ctr"/>
-            <a:r>
-              <a:rPr lang="en-US" dirty="0"/>
-              <a:t>Relationships between conductors and repertoire choices </a:t>
-            </a:r>
-          </a:p>
-        </p:txBody>
-      </p:sp>
-      <p:sp>
-        <p:nvSpPr>
-          <p:cNvPr id="61" name="Right Brace 60">
-            <a:extLst>
-              <a:ext uri="{FF2B5EF4-FFF2-40B4-BE49-F238E27FC236}">
-                <a16:creationId xmlns:a16="http://schemas.microsoft.com/office/drawing/2014/main" id="{5AE563A3-E46F-43D6-80E9-98DD9D417E38}"/>
-              </a:ext>
-            </a:extLst>
-          </p:cNvPr>
-          <p:cNvSpPr/>
-          <p:nvPr/>
-        </p:nvSpPr>
-        <p:spPr>
-          <a:xfrm rot="5400000">
-            <a:off x="1936482" y="2861156"/>
-            <a:ext cx="365125" cy="3102974"/>
-          </a:xfrm>
-          <a:prstGeom prst="rightBrace">
-            <a:avLst/>
-          </a:prstGeom>
-          <a:ln w="19050">
-            <a:solidFill>
-              <a:schemeClr val="tx1"/>
-            </a:solidFill>
-            <a:headEnd type="none" w="med" len="med"/>
-            <a:tailEnd type="none" w="med" len="med"/>
-          </a:ln>
-        </p:spPr>
-        <p:style>
-          <a:lnRef idx="1">
-            <a:schemeClr val="accent1"/>
-          </a:lnRef>
-          <a:fillRef idx="0">
-            <a:schemeClr val="accent1"/>
-          </a:fillRef>
-          <a:effectRef idx="0">
-            <a:schemeClr val="accent1"/>
-          </a:effectRef>
-          <a:fontRef idx="minor">
-            <a:schemeClr val="tx1"/>
-          </a:fontRef>
-        </p:style>
-        <p:txBody>
-          <a:bodyPr rtlCol="0" anchor="ctr"/>
-          <a:lstStyle/>
-          <a:p>
-            <a:pPr algn="ctr"/>
-            <a:endParaRPr lang="en-US"/>
-          </a:p>
-        </p:txBody>
-      </p:sp>
-      <p:sp>
-        <p:nvSpPr>
-          <p:cNvPr id="62" name="TextBox 61">
-            <a:extLst>
-              <a:ext uri="{FF2B5EF4-FFF2-40B4-BE49-F238E27FC236}">
-                <a16:creationId xmlns:a16="http://schemas.microsoft.com/office/drawing/2014/main" id="{A6F1F875-D93B-4B65-894D-6A52DC401C56}"/>
-              </a:ext>
-            </a:extLst>
-          </p:cNvPr>
-          <p:cNvSpPr txBox="1"/>
-          <p:nvPr/>
-        </p:nvSpPr>
-        <p:spPr>
-          <a:xfrm>
-            <a:off x="1019504" y="4796908"/>
-            <a:ext cx="2199320" cy="369332"/>
-          </a:xfrm>
-          <a:prstGeom prst="rect">
-            <a:avLst/>
-          </a:prstGeom>
-          <a:noFill/>
-        </p:spPr>
-        <p:txBody>
-          <a:bodyPr wrap="none" rtlCol="0">
-            <a:spAutoFit/>
-          </a:bodyPr>
-          <a:lstStyle/>
-          <a:p>
-            <a:r>
-              <a:rPr lang="en-US" dirty="0"/>
-              <a:t>Deceased white men</a:t>
-            </a:r>
-          </a:p>
-        </p:txBody>
-      </p:sp>
-      <p:sp>
-        <p:nvSpPr>
-          <p:cNvPr id="1025" name="TextBox 1024">
-            <a:extLst>
-              <a:ext uri="{FF2B5EF4-FFF2-40B4-BE49-F238E27FC236}">
-                <a16:creationId xmlns:a16="http://schemas.microsoft.com/office/drawing/2014/main" id="{2E7F6AEE-7F39-44BB-B4D5-9A532311F2EF}"/>
-              </a:ext>
-            </a:extLst>
-          </p:cNvPr>
-          <p:cNvSpPr txBox="1"/>
-          <p:nvPr/>
-        </p:nvSpPr>
-        <p:spPr>
-          <a:xfrm>
-            <a:off x="5607229" y="4385181"/>
-            <a:ext cx="4768998" cy="369332"/>
-          </a:xfrm>
-          <a:prstGeom prst="rect">
-            <a:avLst/>
-          </a:prstGeom>
-          <a:noFill/>
-        </p:spPr>
-        <p:txBody>
-          <a:bodyPr wrap="none" rtlCol="0">
-            <a:spAutoFit/>
-          </a:bodyPr>
-          <a:lstStyle/>
-          <a:p>
-            <a:pPr algn="ctr"/>
-            <a:r>
-              <a:rPr lang="en-US" b="1" u="sng" dirty="0"/>
-              <a:t>Most</a:t>
-            </a:r>
-            <a:r>
-              <a:rPr lang="en-US" dirty="0"/>
-              <a:t> frequently performed minority composers</a:t>
-            </a:r>
-          </a:p>
-        </p:txBody>
-      </p:sp>
-      <p:graphicFrame>
-        <p:nvGraphicFramePr>
-          <p:cNvPr id="1027" name="Table 1027">
-            <a:extLst>
-              <a:ext uri="{FF2B5EF4-FFF2-40B4-BE49-F238E27FC236}">
-                <a16:creationId xmlns:a16="http://schemas.microsoft.com/office/drawing/2014/main" id="{D3EA8F88-F5A3-454B-9773-3ABFD77D1317}"/>
-              </a:ext>
-            </a:extLst>
-          </p:cNvPr>
-          <p:cNvGraphicFramePr>
-            <a:graphicFrameLocks noGrp="1"/>
-          </p:cNvGraphicFramePr>
-          <p:nvPr>
-            <p:extLst>
-              <p:ext uri="{D42A27DB-BD31-4B8C-83A1-F6EECF244321}">
-                <p14:modId xmlns:p14="http://schemas.microsoft.com/office/powerpoint/2010/main" val="2099017437"/>
-              </p:ext>
-            </p:extLst>
-          </p:nvPr>
-        </p:nvGraphicFramePr>
-        <p:xfrm>
-          <a:off x="4642373" y="4855045"/>
-          <a:ext cx="6698712" cy="1432560"/>
-        </p:xfrm>
-        <a:graphic>
-          <a:graphicData uri="http://schemas.openxmlformats.org/drawingml/2006/table">
-            <a:tbl>
-              <a:tblPr firstRow="1">
-                <a:tableStyleId>{5C22544A-7EE6-4342-B048-85BDC9FD1C3A}</a:tableStyleId>
-              </a:tblPr>
-              <a:tblGrid>
-                <a:gridCol w="1674678">
-                  <a:extLst>
-                    <a:ext uri="{9D8B030D-6E8A-4147-A177-3AD203B41FA5}">
-                      <a16:colId xmlns:a16="http://schemas.microsoft.com/office/drawing/2014/main" val="1041729631"/>
-                    </a:ext>
-                  </a:extLst>
-                </a:gridCol>
-                <a:gridCol w="1674678">
-                  <a:extLst>
-                    <a:ext uri="{9D8B030D-6E8A-4147-A177-3AD203B41FA5}">
-                      <a16:colId xmlns:a16="http://schemas.microsoft.com/office/drawing/2014/main" val="380840730"/>
-                    </a:ext>
-                  </a:extLst>
-                </a:gridCol>
-                <a:gridCol w="1674678">
-                  <a:extLst>
-                    <a:ext uri="{9D8B030D-6E8A-4147-A177-3AD203B41FA5}">
-                      <a16:colId xmlns:a16="http://schemas.microsoft.com/office/drawing/2014/main" val="2056326900"/>
-                    </a:ext>
-                  </a:extLst>
-                </a:gridCol>
-                <a:gridCol w="1674678">
-                  <a:extLst>
-                    <a:ext uri="{9D8B030D-6E8A-4147-A177-3AD203B41FA5}">
-                      <a16:colId xmlns:a16="http://schemas.microsoft.com/office/drawing/2014/main" val="3827903574"/>
-                    </a:ext>
-                  </a:extLst>
-                </a:gridCol>
-              </a:tblGrid>
-              <a:tr h="440738">
-                <a:tc>
-                  <a:txBody>
-                    <a:bodyPr/>
-                    <a:lstStyle/>
-                    <a:p>
-                      <a:pPr algn="ctr"/>
-                      <a:endParaRPr lang="en-US" sz="1400" dirty="0"/>
-                    </a:p>
-                  </a:txBody>
-                  <a:tcPr>
-                    <a:solidFill>
-                      <a:schemeClr val="bg2">
-                        <a:lumMod val="50000"/>
-                      </a:schemeClr>
-                    </a:solidFill>
-                  </a:tcPr>
-                </a:tc>
-                <a:tc>
-                  <a:txBody>
-                    <a:bodyPr/>
-                    <a:lstStyle/>
-                    <a:p>
-                      <a:pPr algn="ctr"/>
-                      <a:r>
-                        <a:rPr lang="en-US" sz="1400" dirty="0"/>
-                        <a:t>Composer</a:t>
-                      </a:r>
-                    </a:p>
-                  </a:txBody>
-                  <a:tcPr>
-                    <a:solidFill>
-                      <a:schemeClr val="bg2">
-                        <a:lumMod val="50000"/>
-                      </a:schemeClr>
-                    </a:solidFill>
-                  </a:tcPr>
-                </a:tc>
-                <a:tc>
-                  <a:txBody>
-                    <a:bodyPr/>
-                    <a:lstStyle/>
-                    <a:p>
-                      <a:pPr algn="ctr"/>
-                      <a:r>
-                        <a:rPr lang="en-US" sz="1400" dirty="0"/>
-                        <a:t>Overall ranking </a:t>
-                      </a:r>
-                    </a:p>
-                  </a:txBody>
-                  <a:tcPr>
-                    <a:solidFill>
-                      <a:schemeClr val="bg2">
-                        <a:lumMod val="50000"/>
-                      </a:schemeClr>
-                    </a:solidFill>
-                  </a:tcPr>
-                </a:tc>
-                <a:tc>
-                  <a:txBody>
-                    <a:bodyPr/>
-                    <a:lstStyle/>
-                    <a:p>
-                      <a:pPr algn="ctr"/>
-                      <a:r>
-                        <a:rPr lang="en-US" sz="1400" dirty="0"/>
-                        <a:t>Number of performances</a:t>
-                      </a:r>
-                    </a:p>
-                  </a:txBody>
-                  <a:tcPr>
-                    <a:solidFill>
-                      <a:schemeClr val="bg2">
-                        <a:lumMod val="50000"/>
-                      </a:schemeClr>
-                    </a:solidFill>
-                  </a:tcPr>
-                </a:tc>
-                <a:extLst>
-                  <a:ext uri="{0D108BD9-81ED-4DB2-BD59-A6C34878D82A}">
-                    <a16:rowId xmlns:a16="http://schemas.microsoft.com/office/drawing/2014/main" val="3284225454"/>
-                  </a:ext>
-                </a:extLst>
-              </a:tr>
-              <a:tr h="293722">
-                <a:tc>
-                  <a:txBody>
-                    <a:bodyPr/>
-                    <a:lstStyle/>
-                    <a:p>
-                      <a:pPr algn="ctr"/>
-                      <a:r>
-                        <a:rPr lang="en-US" sz="1400" dirty="0">
-                          <a:solidFill>
-                            <a:schemeClr val="tx1"/>
-                          </a:solidFill>
-                        </a:rPr>
-                        <a:t>Hispanic</a:t>
-                      </a:r>
-                    </a:p>
-                  </a:txBody>
-                  <a:tcPr>
-                    <a:solidFill>
-                      <a:schemeClr val="bg2">
-                        <a:lumMod val="50000"/>
-                      </a:schemeClr>
-                    </a:solidFill>
-                  </a:tcPr>
-                </a:tc>
-                <a:tc>
-                  <a:txBody>
-                    <a:bodyPr/>
-                    <a:lstStyle/>
-                    <a:p>
-                      <a:pPr algn="ctr"/>
-                      <a:r>
-                        <a:rPr lang="en-US" sz="1400" dirty="0">
-                          <a:solidFill>
-                            <a:schemeClr val="tx1"/>
-                          </a:solidFill>
-                        </a:rPr>
-                        <a:t>Manuel de </a:t>
-                      </a:r>
-                      <a:r>
-                        <a:rPr lang="en-US" sz="1400" dirty="0" err="1">
-                          <a:solidFill>
-                            <a:schemeClr val="tx1"/>
-                          </a:solidFill>
-                        </a:rPr>
-                        <a:t>Falla</a:t>
-                      </a:r>
-                      <a:endParaRPr lang="en-US" sz="1400" dirty="0">
-                        <a:solidFill>
-                          <a:schemeClr val="tx1"/>
-                        </a:solidFill>
-                      </a:endParaRPr>
-                    </a:p>
-                  </a:txBody>
-                  <a:tcPr>
-                    <a:solidFill>
-                      <a:schemeClr val="bg2">
-                        <a:lumMod val="50000"/>
-                      </a:schemeClr>
-                    </a:solidFill>
-                  </a:tcPr>
-                </a:tc>
-                <a:tc>
-                  <a:txBody>
-                    <a:bodyPr/>
-                    <a:lstStyle/>
-                    <a:p>
-                      <a:pPr algn="ctr"/>
-                      <a:r>
-                        <a:rPr lang="en-US" sz="1400" dirty="0">
-                          <a:solidFill>
-                            <a:schemeClr val="tx1"/>
-                          </a:solidFill>
-                        </a:rPr>
-                        <a:t>40</a:t>
-                      </a:r>
-                    </a:p>
-                  </a:txBody>
-                  <a:tcPr>
-                    <a:solidFill>
-                      <a:schemeClr val="bg2">
-                        <a:lumMod val="50000"/>
-                      </a:schemeClr>
-                    </a:solidFill>
-                  </a:tcPr>
-                </a:tc>
-                <a:tc>
-                  <a:txBody>
-                    <a:bodyPr/>
-                    <a:lstStyle/>
-                    <a:p>
-                      <a:pPr algn="ctr"/>
-                      <a:r>
-                        <a:rPr lang="en-US" sz="1400" dirty="0">
-                          <a:solidFill>
-                            <a:schemeClr val="tx1"/>
-                          </a:solidFill>
-                        </a:rPr>
-                        <a:t>395</a:t>
-                      </a:r>
-                    </a:p>
-                  </a:txBody>
-                  <a:tcPr>
-                    <a:solidFill>
-                      <a:schemeClr val="bg2">
-                        <a:lumMod val="50000"/>
-                      </a:schemeClr>
-                    </a:solidFill>
-                  </a:tcPr>
-                </a:tc>
-                <a:extLst>
-                  <a:ext uri="{0D108BD9-81ED-4DB2-BD59-A6C34878D82A}">
-                    <a16:rowId xmlns:a16="http://schemas.microsoft.com/office/drawing/2014/main" val="2908014864"/>
-                  </a:ext>
-                </a:extLst>
-              </a:tr>
-              <a:tr h="293722">
-                <a:tc>
-                  <a:txBody>
-                    <a:bodyPr/>
-                    <a:lstStyle/>
-                    <a:p>
-                      <a:pPr algn="ctr"/>
-                      <a:r>
-                        <a:rPr lang="en-US" sz="1400" dirty="0">
-                          <a:solidFill>
-                            <a:schemeClr val="tx1"/>
-                          </a:solidFill>
-                        </a:rPr>
-                        <a:t>Black</a:t>
-                      </a:r>
-                    </a:p>
-                  </a:txBody>
-                  <a:tcPr>
-                    <a:solidFill>
-                      <a:schemeClr val="bg2">
-                        <a:lumMod val="50000"/>
-                      </a:schemeClr>
-                    </a:solidFill>
-                  </a:tcPr>
-                </a:tc>
-                <a:tc>
-                  <a:txBody>
-                    <a:bodyPr/>
-                    <a:lstStyle/>
-                    <a:p>
-                      <a:pPr algn="ctr"/>
-                      <a:r>
-                        <a:rPr lang="en-US" sz="1400" dirty="0">
-                          <a:solidFill>
-                            <a:schemeClr val="tx1"/>
-                          </a:solidFill>
-                        </a:rPr>
-                        <a:t>Duke Ellington</a:t>
-                      </a:r>
-                    </a:p>
-                  </a:txBody>
-                  <a:tcPr>
-                    <a:solidFill>
-                      <a:schemeClr val="bg2">
-                        <a:lumMod val="50000"/>
-                      </a:schemeClr>
-                    </a:solidFill>
-                  </a:tcPr>
-                </a:tc>
-                <a:tc>
-                  <a:txBody>
-                    <a:bodyPr/>
-                    <a:lstStyle/>
-                    <a:p>
-                      <a:pPr algn="ctr"/>
-                      <a:r>
-                        <a:rPr lang="en-US" sz="1400" dirty="0">
-                          <a:solidFill>
-                            <a:schemeClr val="tx1"/>
-                          </a:solidFill>
-                        </a:rPr>
-                        <a:t>83</a:t>
-                      </a:r>
-                    </a:p>
-                  </a:txBody>
-                  <a:tcPr>
-                    <a:solidFill>
-                      <a:schemeClr val="bg2">
-                        <a:lumMod val="50000"/>
-                      </a:schemeClr>
-                    </a:solidFill>
-                  </a:tcPr>
-                </a:tc>
-                <a:tc>
-                  <a:txBody>
-                    <a:bodyPr/>
-                    <a:lstStyle/>
-                    <a:p>
-                      <a:pPr algn="ctr"/>
-                      <a:r>
-                        <a:rPr lang="en-US" sz="1400" dirty="0">
-                          <a:solidFill>
-                            <a:schemeClr val="tx1"/>
-                          </a:solidFill>
-                        </a:rPr>
-                        <a:t>103</a:t>
-                      </a:r>
-                    </a:p>
-                  </a:txBody>
-                  <a:tcPr>
-                    <a:solidFill>
-                      <a:schemeClr val="bg2">
-                        <a:lumMod val="50000"/>
-                      </a:schemeClr>
-                    </a:solidFill>
-                  </a:tcPr>
-                </a:tc>
-                <a:extLst>
-                  <a:ext uri="{0D108BD9-81ED-4DB2-BD59-A6C34878D82A}">
-                    <a16:rowId xmlns:a16="http://schemas.microsoft.com/office/drawing/2014/main" val="757332057"/>
-                  </a:ext>
-                </a:extLst>
-              </a:tr>
-              <a:tr h="293722">
-                <a:tc>
-                  <a:txBody>
-                    <a:bodyPr/>
-                    <a:lstStyle/>
-                    <a:p>
-                      <a:pPr algn="ctr"/>
-                      <a:r>
-                        <a:rPr lang="en-US" sz="1400" dirty="0">
-                          <a:solidFill>
-                            <a:schemeClr val="tx1"/>
-                          </a:solidFill>
-                        </a:rPr>
-                        <a:t>Female</a:t>
-                      </a:r>
-                    </a:p>
-                  </a:txBody>
-                  <a:tcPr>
-                    <a:solidFill>
-                      <a:schemeClr val="bg2">
-                        <a:lumMod val="50000"/>
-                      </a:schemeClr>
-                    </a:solidFill>
-                  </a:tcPr>
-                </a:tc>
-                <a:tc>
-                  <a:txBody>
-                    <a:bodyPr/>
-                    <a:lstStyle/>
-                    <a:p>
-                      <a:pPr algn="ctr"/>
-                      <a:r>
-                        <a:rPr lang="en-US" sz="1400" dirty="0">
-                          <a:solidFill>
-                            <a:schemeClr val="tx1"/>
-                          </a:solidFill>
-                        </a:rPr>
-                        <a:t>Sofia </a:t>
-                      </a:r>
-                      <a:r>
-                        <a:rPr lang="en-US" sz="1400" dirty="0" err="1">
-                          <a:solidFill>
-                            <a:schemeClr val="tx1"/>
-                          </a:solidFill>
-                        </a:rPr>
-                        <a:t>Gubaidulina</a:t>
-                      </a:r>
-                      <a:endParaRPr lang="en-US" sz="1400" dirty="0">
-                        <a:solidFill>
-                          <a:schemeClr val="tx1"/>
-                        </a:solidFill>
-                      </a:endParaRPr>
-                    </a:p>
-                  </a:txBody>
-                  <a:tcPr>
-                    <a:solidFill>
-                      <a:schemeClr val="bg2">
-                        <a:lumMod val="50000"/>
-                      </a:schemeClr>
-                    </a:solidFill>
-                  </a:tcPr>
-                </a:tc>
-                <a:tc>
-                  <a:txBody>
-                    <a:bodyPr/>
-                    <a:lstStyle/>
-                    <a:p>
-                      <a:pPr algn="ctr"/>
-                      <a:r>
-                        <a:rPr lang="en-US" sz="1400" dirty="0">
-                          <a:solidFill>
-                            <a:schemeClr val="tx1"/>
-                          </a:solidFill>
-                        </a:rPr>
-                        <a:t>183</a:t>
-                      </a:r>
-                    </a:p>
-                  </a:txBody>
-                  <a:tcPr>
-                    <a:solidFill>
-                      <a:schemeClr val="bg2">
-                        <a:lumMod val="50000"/>
-                      </a:schemeClr>
-                    </a:solidFill>
-                  </a:tcPr>
-                </a:tc>
-                <a:tc>
-                  <a:txBody>
-                    <a:bodyPr/>
-                    <a:lstStyle/>
-                    <a:p>
-                      <a:pPr algn="ctr"/>
-                      <a:r>
-                        <a:rPr lang="en-US" sz="1400" dirty="0">
-                          <a:solidFill>
-                            <a:schemeClr val="tx1"/>
-                          </a:solidFill>
-                        </a:rPr>
-                        <a:t>35</a:t>
-                      </a:r>
-                    </a:p>
-                  </a:txBody>
-                  <a:tcPr>
-                    <a:solidFill>
-                      <a:schemeClr val="bg2">
-                        <a:lumMod val="50000"/>
-                      </a:schemeClr>
-                    </a:solidFill>
-                  </a:tcPr>
-                </a:tc>
-                <a:extLst>
-                  <a:ext uri="{0D108BD9-81ED-4DB2-BD59-A6C34878D82A}">
-                    <a16:rowId xmlns:a16="http://schemas.microsoft.com/office/drawing/2014/main" val="1746248744"/>
-                  </a:ext>
-                </a:extLst>
-              </a:tr>
-            </a:tbl>
-          </a:graphicData>
-        </a:graphic>
-      </p:graphicFrame>
-      <p:sp>
-        <p:nvSpPr>
-          <p:cNvPr id="2" name="TextBox 1">
-            <a:extLst>
-              <a:ext uri="{FF2B5EF4-FFF2-40B4-BE49-F238E27FC236}">
-                <a16:creationId xmlns:a16="http://schemas.microsoft.com/office/drawing/2014/main" id="{1F1FBAFA-FC9B-440C-BDB3-99D1248A90E9}"/>
-              </a:ext>
-            </a:extLst>
-          </p:cNvPr>
-          <p:cNvSpPr txBox="1"/>
-          <p:nvPr/>
-        </p:nvSpPr>
-        <p:spPr>
-          <a:xfrm>
-            <a:off x="11888712" y="6492876"/>
-            <a:ext cx="303288" cy="369332"/>
-          </a:xfrm>
-          <a:prstGeom prst="rect">
-            <a:avLst/>
-          </a:prstGeom>
-          <a:noFill/>
-        </p:spPr>
-        <p:txBody>
-          <a:bodyPr wrap="none" rtlCol="0">
-            <a:spAutoFit/>
-          </a:bodyPr>
-          <a:lstStyle/>
-          <a:p>
-            <a:r>
-              <a:rPr lang="en-US" dirty="0"/>
-              <a:t>3</a:t>
-            </a:r>
-          </a:p>
-        </p:txBody>
-      </p:sp>
-    </p:spTree>
-    <p:extLst>
-      <p:ext uri="{BB962C8B-B14F-4D97-AF65-F5344CB8AC3E}">
-        <p14:creationId xmlns:p14="http://schemas.microsoft.com/office/powerpoint/2010/main" val="195087686"/>
-      </p:ext>
-    </p:extLst>
-  </p:cSld>
-  <p:clrMapOvr>
-    <a:masterClrMapping/>
-  </p:clrMapOvr>
-</p:sld>
-</file>
-
-<file path=ppt/slides/slide4.xml><?xml version="1.0" encoding="utf-8"?>
-<p:sld xmlns:a="http://schemas.openxmlformats.org/drawingml/2006/main" xmlns:r="http://schemas.openxmlformats.org/officeDocument/2006/relationships" xmlns:p="http://schemas.openxmlformats.org/presentationml/2006/main">
-  <p:cSld>
-    <p:spTree>
-      <p:nvGrpSpPr>
-        <p:cNvPr id="1" name=""/>
-        <p:cNvGrpSpPr/>
-        <p:nvPr/>
-      </p:nvGrpSpPr>
-      <p:grpSpPr>
-        <a:xfrm>
-          <a:off x="0" y="0"/>
-          <a:ext cx="0" cy="0"/>
-          <a:chOff x="0" y="0"/>
-          <a:chExt cx="0" cy="0"/>
-        </a:xfrm>
-      </p:grpSpPr>
-      <p:sp>
-        <p:nvSpPr>
-          <p:cNvPr id="2" name="Title 1">
-            <a:extLst>
-              <a:ext uri="{FF2B5EF4-FFF2-40B4-BE49-F238E27FC236}">
-                <a16:creationId xmlns:a16="http://schemas.microsoft.com/office/drawing/2014/main" id="{A3503EF7-81F3-4A61-9534-47923E689F02}"/>
-              </a:ext>
-            </a:extLst>
-          </p:cNvPr>
-          <p:cNvSpPr>
-            <a:spLocks noGrp="1"/>
-          </p:cNvSpPr>
-          <p:nvPr>
-            <p:ph type="title"/>
-          </p:nvPr>
-        </p:nvSpPr>
-        <p:spPr/>
-        <p:txBody>
-          <a:bodyPr>
-            <a:normAutofit/>
-          </a:bodyPr>
-          <a:lstStyle/>
-          <a:p>
-            <a:pPr algn="ctr"/>
-            <a:r>
-              <a:rPr lang="en-US" sz="3600" dirty="0"/>
-              <a:t>Can the orchestra program more adventurous repertoire?</a:t>
-            </a:r>
-          </a:p>
-        </p:txBody>
-      </p:sp>
-      <p:sp>
-        <p:nvSpPr>
-          <p:cNvPr id="10" name="Rectangle 9">
-            <a:extLst>
-              <a:ext uri="{FF2B5EF4-FFF2-40B4-BE49-F238E27FC236}">
-                <a16:creationId xmlns:a16="http://schemas.microsoft.com/office/drawing/2014/main" id="{588B9612-C0B9-4ACE-8C61-66684D431BFD}"/>
-              </a:ext>
-            </a:extLst>
-          </p:cNvPr>
-          <p:cNvSpPr/>
-          <p:nvPr/>
-        </p:nvSpPr>
-        <p:spPr>
-          <a:xfrm>
-            <a:off x="486558" y="919128"/>
-            <a:ext cx="11253497" cy="830997"/>
-          </a:xfrm>
-          <a:prstGeom prst="rect">
-            <a:avLst/>
-          </a:prstGeom>
-        </p:spPr>
-        <p:txBody>
-          <a:bodyPr wrap="square">
-            <a:spAutoFit/>
-          </a:bodyPr>
-          <a:lstStyle/>
-          <a:p>
-            <a:r>
-              <a:rPr lang="en-US" sz="1600" dirty="0"/>
-              <a:t>Repertoire “traditionalism”: the average “popularity” of composers represented on a program</a:t>
-            </a:r>
-          </a:p>
-          <a:p>
-            <a:pPr marL="285750" indent="-285750">
-              <a:buFont typeface="Arial" panose="020B0604020202020204" pitchFamily="34" charset="0"/>
-              <a:buChar char="•"/>
-            </a:pPr>
-            <a:r>
-              <a:rPr lang="en-US" sz="1600" dirty="0"/>
-              <a:t>“Popularity” of a composer defined as log(total number of performances)</a:t>
-            </a:r>
-          </a:p>
-          <a:p>
-            <a:pPr marL="285750" indent="-285750">
-              <a:buFont typeface="Arial" panose="020B0604020202020204" pitchFamily="34" charset="0"/>
-              <a:buChar char="•"/>
-            </a:pPr>
-            <a:r>
-              <a:rPr lang="en-US" sz="1600" dirty="0"/>
-              <a:t>“Highly traditional” programs more likely to contain works by Beethoven, less likely to contain works by Duke Ellington</a:t>
-            </a:r>
-          </a:p>
-        </p:txBody>
-      </p:sp>
-      <p:sp>
-        <p:nvSpPr>
-          <p:cNvPr id="13" name="Footer Placeholder 4">
-            <a:extLst>
-              <a:ext uri="{FF2B5EF4-FFF2-40B4-BE49-F238E27FC236}">
-                <a16:creationId xmlns:a16="http://schemas.microsoft.com/office/drawing/2014/main" id="{F33627A3-BCB3-48BD-ACC0-983A1B77FF25}"/>
-              </a:ext>
-            </a:extLst>
-          </p:cNvPr>
-          <p:cNvSpPr>
-            <a:spLocks noGrp="1"/>
-          </p:cNvSpPr>
-          <p:nvPr>
-            <p:ph type="ftr" sz="quarter" idx="11"/>
-          </p:nvPr>
-        </p:nvSpPr>
-        <p:spPr>
-          <a:xfrm>
-            <a:off x="0" y="6492876"/>
-            <a:ext cx="12192000" cy="365125"/>
-          </a:xfrm>
-          <a:prstGeom prst="rect">
-            <a:avLst/>
-          </a:prstGeom>
-        </p:spPr>
-        <p:txBody>
-          <a:bodyPr anchor="b"/>
-          <a:lstStyle>
-            <a:lvl1pPr algn="l">
-              <a:defRPr>
-                <a:solidFill>
-                  <a:schemeClr val="tx1"/>
-                </a:solidFill>
-                <a:latin typeface="Myriad Pro" charset="0"/>
-                <a:ea typeface="Myriad Pro" charset="0"/>
-                <a:cs typeface="Myriad Pro" charset="0"/>
-              </a:defRPr>
-            </a:lvl1pPr>
-          </a:lstStyle>
-          <a:p>
-            <a:r>
-              <a:rPr lang="en-US" dirty="0"/>
-              <a:t>The Data Incubator Finalist Interview – Brian Schaefer</a:t>
-            </a:r>
-          </a:p>
-        </p:txBody>
-      </p:sp>
-      <p:sp>
-        <p:nvSpPr>
-          <p:cNvPr id="5" name="TextBox 4">
-            <a:extLst>
-              <a:ext uri="{FF2B5EF4-FFF2-40B4-BE49-F238E27FC236}">
-                <a16:creationId xmlns:a16="http://schemas.microsoft.com/office/drawing/2014/main" id="{F719F9FB-FE4D-4CAC-90B5-B0EE408C8AA7}"/>
-              </a:ext>
-            </a:extLst>
-          </p:cNvPr>
-          <p:cNvSpPr txBox="1"/>
-          <p:nvPr/>
-        </p:nvSpPr>
-        <p:spPr>
-          <a:xfrm>
-            <a:off x="569298" y="2209633"/>
-            <a:ext cx="5377819" cy="369332"/>
-          </a:xfrm>
-          <a:prstGeom prst="rect">
-            <a:avLst/>
-          </a:prstGeom>
-          <a:noFill/>
-        </p:spPr>
-        <p:txBody>
-          <a:bodyPr wrap="none" rtlCol="0">
-            <a:spAutoFit/>
-          </a:bodyPr>
-          <a:lstStyle/>
-          <a:p>
-            <a:pPr algn="ctr"/>
-            <a:r>
-              <a:rPr lang="en-US" dirty="0"/>
-              <a:t>Subscription concerts are more uniformly “traditional”</a:t>
-            </a:r>
-          </a:p>
-        </p:txBody>
-      </p:sp>
-      <p:sp>
-        <p:nvSpPr>
-          <p:cNvPr id="6" name="TextBox 5">
-            <a:extLst>
-              <a:ext uri="{FF2B5EF4-FFF2-40B4-BE49-F238E27FC236}">
-                <a16:creationId xmlns:a16="http://schemas.microsoft.com/office/drawing/2014/main" id="{21106D6C-A6B1-476E-80E1-FA82DA5A09B2}"/>
-              </a:ext>
-            </a:extLst>
-          </p:cNvPr>
-          <p:cNvSpPr txBox="1"/>
-          <p:nvPr/>
-        </p:nvSpPr>
-        <p:spPr>
-          <a:xfrm>
-            <a:off x="6691383" y="2085034"/>
-            <a:ext cx="4833868" cy="646331"/>
-          </a:xfrm>
-          <a:prstGeom prst="rect">
-            <a:avLst/>
-          </a:prstGeom>
-          <a:noFill/>
-        </p:spPr>
-        <p:txBody>
-          <a:bodyPr wrap="square" rtlCol="0">
-            <a:spAutoFit/>
-          </a:bodyPr>
-          <a:lstStyle/>
-          <a:p>
-            <a:pPr algn="ctr"/>
-            <a:r>
-              <a:rPr lang="en-US" dirty="0"/>
-              <a:t>Across entire seasons, “traditionalism” is not correlated with high attendance</a:t>
-            </a:r>
-          </a:p>
-        </p:txBody>
-      </p:sp>
-      <p:pic>
-        <p:nvPicPr>
-          <p:cNvPr id="26" name="Picture 25" descr="A screenshot of a cell phone&#10;&#10;Description automatically generated">
-            <a:extLst>
-              <a:ext uri="{FF2B5EF4-FFF2-40B4-BE49-F238E27FC236}">
-                <a16:creationId xmlns:a16="http://schemas.microsoft.com/office/drawing/2014/main" id="{E5F1B1BB-6C52-45E4-A8CE-BC6F9AE89F86}"/>
-              </a:ext>
-            </a:extLst>
-          </p:cNvPr>
-          <p:cNvPicPr>
-            <a:picLocks noChangeAspect="1"/>
-          </p:cNvPicPr>
-          <p:nvPr/>
-        </p:nvPicPr>
-        <p:blipFill>
-          <a:blip r:embed="rId2"/>
-          <a:stretch>
-            <a:fillRect/>
-          </a:stretch>
-        </p:blipFill>
-        <p:spPr>
-          <a:xfrm>
             <a:off x="6691383" y="2731365"/>
             <a:ext cx="4942342" cy="3387859"/>
           </a:xfrm>
@@ -6403,10 +5599,10 @@
       </p:pic>
       <p:sp>
         <p:nvSpPr>
-          <p:cNvPr id="27" name="TextBox 26">
+          <p:cNvPr id="19" name="TextBox 18">
             <a:extLst>
               <a:ext uri="{FF2B5EF4-FFF2-40B4-BE49-F238E27FC236}">
-                <a16:creationId xmlns:a16="http://schemas.microsoft.com/office/drawing/2014/main" id="{788F741D-C195-4C79-80DB-B25DADDDE532}"/>
+                <a16:creationId xmlns:a16="http://schemas.microsoft.com/office/drawing/2014/main" id="{AF186281-7C5A-4B74-A554-1361596255DD}"/>
               </a:ext>
             </a:extLst>
           </p:cNvPr>
@@ -6479,124 +5675,10 @@
           </a:p>
         </p:txBody>
       </p:sp>
-      <p:pic>
-        <p:nvPicPr>
-          <p:cNvPr id="29" name="Picture 28" descr="A screenshot of a cell phone&#10;&#10;Description automatically generated">
-            <a:extLst>
-              <a:ext uri="{FF2B5EF4-FFF2-40B4-BE49-F238E27FC236}">
-                <a16:creationId xmlns:a16="http://schemas.microsoft.com/office/drawing/2014/main" id="{1F194A66-EC6E-4F21-A2DC-EB97B330E762}"/>
-              </a:ext>
-            </a:extLst>
-          </p:cNvPr>
-          <p:cNvPicPr>
-            <a:picLocks noChangeAspect="1"/>
-          </p:cNvPicPr>
-          <p:nvPr/>
-        </p:nvPicPr>
-        <p:blipFill>
-          <a:blip r:embed="rId3"/>
-          <a:stretch>
-            <a:fillRect/>
-          </a:stretch>
-        </p:blipFill>
-        <p:spPr>
-          <a:xfrm>
-            <a:off x="855317" y="2731365"/>
-            <a:ext cx="5017780" cy="3385573"/>
-          </a:xfrm>
-          <a:prstGeom prst="rect">
-            <a:avLst/>
-          </a:prstGeom>
-        </p:spPr>
-      </p:pic>
-      <p:sp>
-        <p:nvSpPr>
-          <p:cNvPr id="30" name="TextBox 29">
-            <a:extLst>
-              <a:ext uri="{FF2B5EF4-FFF2-40B4-BE49-F238E27FC236}">
-                <a16:creationId xmlns:a16="http://schemas.microsoft.com/office/drawing/2014/main" id="{8B029715-C871-46A8-BEDC-C20A85C3848A}"/>
-              </a:ext>
-            </a:extLst>
-          </p:cNvPr>
-          <p:cNvSpPr txBox="1"/>
-          <p:nvPr/>
-        </p:nvSpPr>
-        <p:spPr>
-          <a:xfrm>
-            <a:off x="6260157" y="6205354"/>
-            <a:ext cx="5804794" cy="261610"/>
-          </a:xfrm>
-          <a:prstGeom prst="rect">
-            <a:avLst/>
-          </a:prstGeom>
-          <a:noFill/>
-        </p:spPr>
-        <p:txBody>
-          <a:bodyPr wrap="none" rtlCol="0">
-            <a:spAutoFit/>
-          </a:bodyPr>
-          <a:lstStyle/>
-          <a:p>
-            <a:pPr algn="ctr"/>
-            <a:r>
-              <a:rPr lang="en-US" sz="1100" dirty="0"/>
-              <a:t>Attendance data from: </a:t>
-            </a:r>
-            <a:r>
-              <a:rPr lang="en-US" sz="1100" dirty="0">
-                <a:hlinkClick r:id="rId4">
-                  <a:extLst>
-                    <a:ext uri="{A12FA001-AC4F-418D-AE19-62706E023703}">
-                      <ahyp:hlinkClr xmlns:ahyp="http://schemas.microsoft.com/office/drawing/2018/hyperlinkcolor" val="tx"/>
-                    </a:ext>
-                  </a:extLst>
-                </a:hlinkClick>
-              </a:rPr>
-              <a:t>https://nyphil.org/~/media/pdfs/publications/2018-annual-report-v2.pdf</a:t>
-            </a:r>
-            <a:endParaRPr lang="en-US" sz="1100" dirty="0"/>
-          </a:p>
-        </p:txBody>
-      </p:sp>
-      <p:sp>
-        <p:nvSpPr>
-          <p:cNvPr id="3" name="TextBox 2">
-            <a:extLst>
-              <a:ext uri="{FF2B5EF4-FFF2-40B4-BE49-F238E27FC236}">
-                <a16:creationId xmlns:a16="http://schemas.microsoft.com/office/drawing/2014/main" id="{BBAD3235-4A76-48DC-BF88-DBBF03BB16F7}"/>
-              </a:ext>
-            </a:extLst>
-          </p:cNvPr>
-          <p:cNvSpPr txBox="1"/>
-          <p:nvPr/>
-        </p:nvSpPr>
-        <p:spPr>
-          <a:xfrm>
-            <a:off x="11888712" y="6492876"/>
-            <a:ext cx="303288" cy="369332"/>
-          </a:xfrm>
-          <a:prstGeom prst="rect">
-            <a:avLst/>
-          </a:prstGeom>
-          <a:noFill/>
-        </p:spPr>
-        <p:txBody>
-          <a:bodyPr wrap="none" rtlCol="0">
-            <a:spAutoFit/>
-          </a:bodyPr>
-          <a:lstStyle/>
-          <a:p>
-            <a:r>
-              <a:rPr lang="en-US" dirty="0"/>
-              <a:t>4</a:t>
-            </a:r>
-          </a:p>
-        </p:txBody>
-      </p:sp>
     </p:spTree>
     <p:extLst>
       <p:ext uri="{BB962C8B-B14F-4D97-AF65-F5344CB8AC3E}">
-        <p14:creationId xmlns:p14="http://schemas.microsoft.com/office/powerpoint/2010/main" val="3932091055"/>
+        <p14:creationId xmlns:p14="http://schemas.microsoft.com/office/powerpoint/2010/main" val="3172750070"/>
       </p:ext>
     </p:extLst>
   </p:cSld>

--- a/interview_pitch.pptx
+++ b/interview_pitch.pptx
@@ -659,6 +659,94 @@
 </p:notesMaster>
 </file>
 
+<file path=ppt/notesSlides/notesSlide1.xml><?xml version="1.0" encoding="utf-8"?>
+<p:notes xmlns:a="http://schemas.openxmlformats.org/drawingml/2006/main" xmlns:r="http://schemas.openxmlformats.org/officeDocument/2006/relationships" xmlns:p="http://schemas.openxmlformats.org/presentationml/2006/main">
+  <p:cSld>
+    <p:spTree>
+      <p:nvGrpSpPr>
+        <p:cNvPr id="1" name=""/>
+        <p:cNvGrpSpPr/>
+        <p:nvPr/>
+      </p:nvGrpSpPr>
+      <p:grpSpPr>
+        <a:xfrm>
+          <a:off x="0" y="0"/>
+          <a:ext cx="0" cy="0"/>
+          <a:chOff x="0" y="0"/>
+          <a:chExt cx="0" cy="0"/>
+        </a:xfrm>
+      </p:grpSpPr>
+      <p:sp>
+        <p:nvSpPr>
+          <p:cNvPr id="2" name="Slide Image Placeholder 1"/>
+          <p:cNvSpPr>
+            <a:spLocks noGrp="1" noRot="1" noChangeAspect="1"/>
+          </p:cNvSpPr>
+          <p:nvPr>
+            <p:ph type="sldImg"/>
+          </p:nvPr>
+        </p:nvSpPr>
+        <p:spPr/>
+      </p:sp>
+      <p:sp>
+        <p:nvSpPr>
+          <p:cNvPr id="3" name="Notes Placeholder 2"/>
+          <p:cNvSpPr>
+            <a:spLocks noGrp="1"/>
+          </p:cNvSpPr>
+          <p:nvPr>
+            <p:ph type="body" idx="1"/>
+          </p:nvPr>
+        </p:nvSpPr>
+        <p:spPr/>
+        <p:txBody>
+          <a:bodyPr/>
+          <a:lstStyle/>
+          <a:p>
+            <a:r>
+              <a:rPr lang="en-US" dirty="0"/>
+              <a:t>Build this dashboard – enthusiasts will find fun and interesting; the orchestra will find useful</a:t>
+            </a:r>
+          </a:p>
+        </p:txBody>
+      </p:sp>
+      <p:sp>
+        <p:nvSpPr>
+          <p:cNvPr id="4" name="Slide Number Placeholder 3"/>
+          <p:cNvSpPr>
+            <a:spLocks noGrp="1"/>
+          </p:cNvSpPr>
+          <p:nvPr>
+            <p:ph type="sldNum" sz="quarter" idx="5"/>
+          </p:nvPr>
+        </p:nvSpPr>
+        <p:spPr/>
+        <p:txBody>
+          <a:bodyPr/>
+          <a:lstStyle/>
+          <a:p>
+            <a:fld id="{CC6A6F32-6C00-6349-AD6B-0863A0316171}" type="slidenum">
+              <a:rPr lang="en-US" smtClean="0"/>
+              <a:pPr/>
+              <a:t>3</a:t>
+            </a:fld>
+            <a:endParaRPr lang="en-US" dirty="0"/>
+          </a:p>
+        </p:txBody>
+      </p:sp>
+    </p:spTree>
+    <p:extLst>
+      <p:ext uri="{BB962C8B-B14F-4D97-AF65-F5344CB8AC3E}">
+        <p14:creationId xmlns:p14="http://schemas.microsoft.com/office/powerpoint/2010/main" val="3415723988"/>
+      </p:ext>
+    </p:extLst>
+  </p:cSld>
+  <p:clrMapOvr>
+    <a:masterClrMapping/>
+  </p:clrMapOvr>
+</p:notes>
+</file>
+
 <file path=ppt/slideLayouts/slideLayout1.xml><?xml version="1.0" encoding="utf-8"?>
 <p:sldLayout xmlns:a="http://schemas.openxmlformats.org/drawingml/2006/main" xmlns:r="http://schemas.openxmlformats.org/officeDocument/2006/relationships" xmlns:p="http://schemas.openxmlformats.org/presentationml/2006/main" type="title" preserve="1">
   <p:cSld name="Title Slide">
@@ -788,9 +876,8 @@
           <a:bodyPr/>
           <a:lstStyle/>
           <a:p>
-            <a:fld id="{FE2A4A47-BAE5-C343-BE31-C0CBAB5541B6}" type="datetime1">
+            <a:fld id="{6C78F13A-DEBD-48CB-A431-187EACE55668}" type="datetime1">
               <a:rPr lang="en-US" smtClean="0"/>
-              <a:pPr/>
               <a:t>7/14/2020</a:t>
             </a:fld>
             <a:endParaRPr lang="en-US" dirty="0"/>
@@ -812,6 +899,10 @@
           <a:bodyPr/>
           <a:lstStyle/>
           <a:p>
+            <a:r>
+              <a:rPr lang="en-US"/>
+              <a:t>The Data Incubator Finalist Interview – Brian Schaefer</a:t>
+            </a:r>
             <a:endParaRPr lang="en-US" dirty="0"/>
           </a:p>
         </p:txBody>
@@ -960,9 +1051,8 @@
           <a:bodyPr/>
           <a:lstStyle/>
           <a:p>
-            <a:fld id="{CAA4456F-2B8A-344A-9825-2DDB3F494039}" type="datetime1">
+            <a:fld id="{4CDFBCA7-AE89-4311-AA14-4B1F6E8625B8}" type="datetime1">
               <a:rPr lang="en-US" smtClean="0"/>
-              <a:pPr/>
               <a:t>7/14/2020</a:t>
             </a:fld>
             <a:endParaRPr lang="en-US" dirty="0"/>
@@ -984,6 +1074,10 @@
           <a:bodyPr/>
           <a:lstStyle/>
           <a:p>
+            <a:r>
+              <a:rPr lang="en-US"/>
+              <a:t>The Data Incubator Finalist Interview – Brian Schaefer</a:t>
+            </a:r>
             <a:endParaRPr lang="en-US" dirty="0"/>
           </a:p>
         </p:txBody>
@@ -1142,9 +1236,8 @@
           <a:bodyPr/>
           <a:lstStyle/>
           <a:p>
-            <a:fld id="{4E22E8B0-C13D-C348-8592-509342C5399D}" type="datetime1">
+            <a:fld id="{E9709E0A-3AB5-4301-8DEE-1D1B49B53546}" type="datetime1">
               <a:rPr lang="en-US" smtClean="0"/>
-              <a:pPr/>
               <a:t>7/14/2020</a:t>
             </a:fld>
             <a:endParaRPr lang="en-US" dirty="0"/>
@@ -1166,6 +1259,10 @@
           <a:bodyPr/>
           <a:lstStyle/>
           <a:p>
+            <a:r>
+              <a:rPr lang="en-US"/>
+              <a:t>The Data Incubator Finalist Interview – Brian Schaefer</a:t>
+            </a:r>
             <a:endParaRPr lang="en-US" dirty="0"/>
           </a:p>
         </p:txBody>
@@ -1302,6 +1399,41 @@
           </a:p>
         </p:txBody>
       </p:sp>
+      <p:sp>
+        <p:nvSpPr>
+          <p:cNvPr id="4" name="Slide Number Placeholder 5">
+            <a:extLst>
+              <a:ext uri="{FF2B5EF4-FFF2-40B4-BE49-F238E27FC236}">
+                <a16:creationId xmlns:a16="http://schemas.microsoft.com/office/drawing/2014/main" id="{90B2FDE0-9C09-44B1-883E-A8B4FB2FDD66}"/>
+              </a:ext>
+            </a:extLst>
+          </p:cNvPr>
+          <p:cNvSpPr>
+            <a:spLocks noGrp="1"/>
+          </p:cNvSpPr>
+          <p:nvPr>
+            <p:ph type="sldNum" sz="quarter" idx="12"/>
+          </p:nvPr>
+        </p:nvSpPr>
+        <p:spPr>
+          <a:xfrm>
+            <a:off x="9448800" y="6492875"/>
+            <a:ext cx="2743200" cy="365125"/>
+          </a:xfrm>
+        </p:spPr>
+        <p:txBody>
+          <a:bodyPr/>
+          <a:lstStyle/>
+          <a:p>
+            <a:fld id="{576B374A-A956-3949-AEA3-54D49AEBF828}" type="slidenum">
+              <a:rPr lang="en-US" smtClean="0"/>
+              <a:pPr/>
+              <a:t>‹#›</a:t>
+            </a:fld>
+            <a:endParaRPr lang="en-US" dirty="0"/>
+          </a:p>
+        </p:txBody>
+      </p:sp>
     </p:spTree>
     <p:extLst>
       <p:ext uri="{BB962C8B-B14F-4D97-AF65-F5344CB8AC3E}">
@@ -1422,8 +1554,8 @@
           <a:bodyPr/>
           <a:lstStyle/>
           <a:p>
-            <a:fld id="{C764DE79-268F-4C1A-8933-263129D2AF90}" type="datetimeFigureOut">
-              <a:rPr lang="en-US" dirty="0"/>
+            <a:fld id="{7EA0C9DE-D4A2-4081-AF9B-A468C86176EE}" type="datetime1">
+              <a:rPr lang="en-US" smtClean="0"/>
               <a:t>7/14/2020</a:t>
             </a:fld>
             <a:endParaRPr lang="en-US" dirty="0"/>
@@ -1445,6 +1577,10 @@
           <a:bodyPr/>
           <a:lstStyle/>
           <a:p>
+            <a:r>
+              <a:rPr lang="en-US"/>
+              <a:t>The Data Incubator Finalist Interview – Brian Schaefer</a:t>
+            </a:r>
             <a:endParaRPr lang="en-US" dirty="0"/>
           </a:p>
         </p:txBody>
@@ -1483,7 +1619,6 @@
   <p:clrMapOvr>
     <a:masterClrMapping/>
   </p:clrMapOvr>
-  <p:hf sldNum="0" hdr="0" dt="0"/>
 </p:sldLayout>
 </file>
 
@@ -1670,9 +1805,8 @@
           <a:bodyPr/>
           <a:lstStyle/>
           <a:p>
-            <a:fld id="{BEB0B643-25F9-1D41-9E08-E08B29565A5D}" type="datetime1">
+            <a:fld id="{0C01FB50-C994-478B-8CBC-84105167A605}" type="datetime1">
               <a:rPr lang="en-US" smtClean="0"/>
-              <a:pPr/>
               <a:t>7/14/2020</a:t>
             </a:fld>
             <a:endParaRPr lang="en-US" dirty="0"/>
@@ -1694,6 +1828,10 @@
           <a:bodyPr/>
           <a:lstStyle/>
           <a:p>
+            <a:r>
+              <a:rPr lang="en-US"/>
+              <a:t>The Data Incubator Finalist Interview – Brian Schaefer</a:t>
+            </a:r>
             <a:endParaRPr lang="en-US" dirty="0"/>
           </a:p>
         </p:txBody>
@@ -1904,9 +2042,8 @@
           <a:bodyPr/>
           <a:lstStyle/>
           <a:p>
-            <a:fld id="{D039EC4B-21EE-F146-A458-60CE8AB0ECCF}" type="datetime1">
+            <a:fld id="{07F7B9C0-8604-4F35-8CE2-51C1103A605C}" type="datetime1">
               <a:rPr lang="en-US" smtClean="0"/>
-              <a:pPr/>
               <a:t>7/14/2020</a:t>
             </a:fld>
             <a:endParaRPr lang="en-US" dirty="0"/>
@@ -1928,6 +2065,10 @@
           <a:bodyPr/>
           <a:lstStyle/>
           <a:p>
+            <a:r>
+              <a:rPr lang="en-US"/>
+              <a:t>The Data Incubator Finalist Interview – Brian Schaefer</a:t>
+            </a:r>
             <a:endParaRPr lang="en-US" dirty="0"/>
           </a:p>
         </p:txBody>
@@ -2273,9 +2414,8 @@
           <a:bodyPr/>
           <a:lstStyle/>
           <a:p>
-            <a:fld id="{0BE9D19B-FED9-CF46-8A7E-4EC4B7199A03}" type="datetime1">
+            <a:fld id="{BCE43DFA-0482-4931-B752-4660829BA805}" type="datetime1">
               <a:rPr lang="en-US" smtClean="0"/>
-              <a:pPr/>
               <a:t>7/14/2020</a:t>
             </a:fld>
             <a:endParaRPr lang="en-US" dirty="0"/>
@@ -2297,6 +2437,10 @@
           <a:bodyPr/>
           <a:lstStyle/>
           <a:p>
+            <a:r>
+              <a:rPr lang="en-US"/>
+              <a:t>The Data Incubator Finalist Interview – Brian Schaefer</a:t>
+            </a:r>
             <a:endParaRPr lang="en-US" dirty="0"/>
           </a:p>
         </p:txBody>
@@ -2393,9 +2537,8 @@
           <a:bodyPr/>
           <a:lstStyle/>
           <a:p>
-            <a:fld id="{261BC443-8F10-B149-ADB0-E7B7A7550441}" type="datetime1">
+            <a:fld id="{C7A49CF7-3BC8-413B-8924-EB3141CBBC40}" type="datetime1">
               <a:rPr lang="en-US" smtClean="0"/>
-              <a:pPr/>
               <a:t>7/14/2020</a:t>
             </a:fld>
             <a:endParaRPr lang="en-US" dirty="0"/>
@@ -2417,6 +2560,10 @@
           <a:bodyPr/>
           <a:lstStyle/>
           <a:p>
+            <a:r>
+              <a:rPr lang="en-US"/>
+              <a:t>The Data Incubator Finalist Interview – Brian Schaefer</a:t>
+            </a:r>
             <a:endParaRPr lang="en-US" dirty="0"/>
           </a:p>
         </p:txBody>
@@ -2490,9 +2637,8 @@
           <a:bodyPr/>
           <a:lstStyle/>
           <a:p>
-            <a:fld id="{EFAAD994-D89C-1746-9789-78FCB8BF1B20}" type="datetime1">
+            <a:fld id="{B28406AE-A5A5-4224-849A-227E5972363A}" type="datetime1">
               <a:rPr lang="en-US" smtClean="0"/>
-              <a:pPr/>
               <a:t>7/14/2020</a:t>
             </a:fld>
             <a:endParaRPr lang="en-US" dirty="0"/>
@@ -2514,6 +2660,10 @@
           <a:bodyPr/>
           <a:lstStyle/>
           <a:p>
+            <a:r>
+              <a:rPr lang="en-US"/>
+              <a:t>The Data Incubator Finalist Interview – Brian Schaefer</a:t>
+            </a:r>
             <a:endParaRPr lang="en-US" dirty="0"/>
           </a:p>
         </p:txBody>
@@ -2769,9 +2919,8 @@
           <a:bodyPr/>
           <a:lstStyle/>
           <a:p>
-            <a:fld id="{35C3115C-B5B0-CC4E-BBE9-B45243BE27FB}" type="datetime1">
+            <a:fld id="{38D89736-BC3B-4D95-A5E5-DB10F642F77C}" type="datetime1">
               <a:rPr lang="en-US" smtClean="0"/>
-              <a:pPr/>
               <a:t>7/14/2020</a:t>
             </a:fld>
             <a:endParaRPr lang="en-US" dirty="0"/>
@@ -2793,6 +2942,10 @@
           <a:bodyPr/>
           <a:lstStyle/>
           <a:p>
+            <a:r>
+              <a:rPr lang="en-US"/>
+              <a:t>The Data Incubator Finalist Interview – Brian Schaefer</a:t>
+            </a:r>
             <a:endParaRPr lang="en-US" dirty="0"/>
           </a:p>
         </p:txBody>
@@ -3028,9 +3181,8 @@
           <a:bodyPr/>
           <a:lstStyle/>
           <a:p>
-            <a:fld id="{AC954D05-3C3C-504D-A58C-0C03BA369353}" type="datetime1">
+            <a:fld id="{7CA93173-CB65-4C37-960A-A610B8A10371}" type="datetime1">
               <a:rPr lang="en-US" smtClean="0"/>
-              <a:pPr/>
               <a:t>7/14/2020</a:t>
             </a:fld>
             <a:endParaRPr lang="en-US" dirty="0"/>
@@ -3052,6 +3204,10 @@
           <a:bodyPr/>
           <a:lstStyle/>
           <a:p>
+            <a:r>
+              <a:rPr lang="en-US"/>
+              <a:t>The Data Incubator Finalist Interview – Brian Schaefer</a:t>
+            </a:r>
             <a:endParaRPr lang="en-US" dirty="0"/>
           </a:p>
         </p:txBody>
@@ -3272,9 +3428,8 @@
             </a:lvl1pPr>
           </a:lstStyle>
           <a:p>
-            <a:fld id="{C764DE79-268F-4C1A-8933-263129D2AF90}" type="datetimeFigureOut">
+            <a:fld id="{EACB1772-8886-4222-A491-941CC59F9B17}" type="datetime1">
               <a:rPr lang="en-US" smtClean="0"/>
-              <a:pPr/>
               <a:t>7/14/2020</a:t>
             </a:fld>
             <a:endParaRPr lang="en-US" dirty="0"/>
@@ -3315,6 +3470,10 @@
             </a:lvl1pPr>
           </a:lstStyle>
           <a:p>
+            <a:r>
+              <a:rPr lang="en-US"/>
+              <a:t>The Data Incubator Finalist Interview – Brian Schaefer</a:t>
+            </a:r>
             <a:endParaRPr lang="en-US" dirty="0"/>
           </a:p>
         </p:txBody>
@@ -3384,7 +3543,7 @@
     <p:sldLayoutId id="2147483683" r:id="rId11"/>
     <p:sldLayoutId id="2147483684" r:id="rId12"/>
   </p:sldLayoutIdLst>
-  <p:hf sldNum="0" hdr="0" dt="0"/>
+  <p:hf hdr="0" dt="0"/>
   <p:txStyles>
     <p:titleStyle>
       <a:lvl1pPr algn="l" defTabSz="914400" rtl="0" eaLnBrk="1" latinLnBrk="0" hangingPunct="1">
@@ -3899,15 +4058,15 @@
             </a:pPr>
             <a:r>
               <a:rPr lang="en-US" dirty="0"/>
-              <a:t>Help the NY Phil plan diverse repertoire while </a:t>
-            </a:r>
-            <a:r>
-              <a:rPr lang="en-US" dirty="0" err="1"/>
-              <a:t>maintining</a:t>
+              <a:t>Help the NY Phil plan diverse repertoire </a:t>
+            </a:r>
+            <a:r>
+              <a:rPr lang="en-US"/>
+              <a:t>while maintaining </a:t>
             </a:r>
             <a:r>
               <a:rPr lang="en-US" dirty="0"/>
-              <a:t> high concert attendance</a:t>
+              <a:t>high concert attendance</a:t>
             </a:r>
           </a:p>
           <a:p>
@@ -3942,41 +4101,6 @@
             <a:r>
               <a:rPr lang="en-US" dirty="0"/>
               <a:t>Reveals and quantifies representation of composers over time</a:t>
-            </a:r>
-          </a:p>
-        </p:txBody>
-      </p:sp>
-      <p:sp>
-        <p:nvSpPr>
-          <p:cNvPr id="22" name="TextBox 21">
-            <a:extLst>
-              <a:ext uri="{FF2B5EF4-FFF2-40B4-BE49-F238E27FC236}">
-                <a16:creationId xmlns:a16="http://schemas.microsoft.com/office/drawing/2014/main" id="{43644609-D33C-4C5C-A511-5F0BB79434A0}"/>
-              </a:ext>
-            </a:extLst>
-          </p:cNvPr>
-          <p:cNvSpPr txBox="1"/>
-          <p:nvPr/>
-        </p:nvSpPr>
-        <p:spPr>
-          <a:xfrm>
-            <a:off x="11888712" y="6492876"/>
-            <a:ext cx="303288" cy="369332"/>
-          </a:xfrm>
-          <a:prstGeom prst="rect">
-            <a:avLst/>
-          </a:prstGeom>
-          <a:noFill/>
-        </p:spPr>
-        <p:txBody>
-          <a:bodyPr wrap="none" rtlCol="0">
-            <a:spAutoFit/>
-          </a:bodyPr>
-          <a:lstStyle/>
-          <a:p>
-            <a:r>
-              <a:rPr lang="en-US" dirty="0"/>
-              <a:t>1</a:t>
             </a:r>
           </a:p>
         </p:txBody>
@@ -4385,6 +4509,41 @@
           </p:txBody>
         </p:sp>
       </p:grpSp>
+      <p:sp>
+        <p:nvSpPr>
+          <p:cNvPr id="44" name="TextBox 43">
+            <a:extLst>
+              <a:ext uri="{FF2B5EF4-FFF2-40B4-BE49-F238E27FC236}">
+                <a16:creationId xmlns:a16="http://schemas.microsoft.com/office/drawing/2014/main" id="{C19B37BE-F48D-4945-BD4D-972F6564FA2F}"/>
+              </a:ext>
+            </a:extLst>
+          </p:cNvPr>
+          <p:cNvSpPr txBox="1"/>
+          <p:nvPr/>
+        </p:nvSpPr>
+        <p:spPr>
+          <a:xfrm>
+            <a:off x="11897711" y="6468982"/>
+            <a:ext cx="303288" cy="369332"/>
+          </a:xfrm>
+          <a:prstGeom prst="rect">
+            <a:avLst/>
+          </a:prstGeom>
+          <a:noFill/>
+        </p:spPr>
+        <p:txBody>
+          <a:bodyPr wrap="none" rtlCol="0">
+            <a:spAutoFit/>
+          </a:bodyPr>
+          <a:lstStyle/>
+          <a:p>
+            <a:r>
+              <a:rPr lang="en-US" dirty="0"/>
+              <a:t>1</a:t>
+            </a:r>
+          </a:p>
+        </p:txBody>
+      </p:sp>
     </p:spTree>
     <p:extLst>
       <p:ext uri="{BB962C8B-B14F-4D97-AF65-F5344CB8AC3E}">
@@ -5176,6 +5335,41 @@
           </a:p>
         </p:txBody>
       </p:sp>
+      <p:sp>
+        <p:nvSpPr>
+          <p:cNvPr id="49" name="TextBox 48">
+            <a:extLst>
+              <a:ext uri="{FF2B5EF4-FFF2-40B4-BE49-F238E27FC236}">
+                <a16:creationId xmlns:a16="http://schemas.microsoft.com/office/drawing/2014/main" id="{1A6897B6-5FB3-4F02-B54D-BC8FAA743266}"/>
+              </a:ext>
+            </a:extLst>
+          </p:cNvPr>
+          <p:cNvSpPr txBox="1"/>
+          <p:nvPr/>
+        </p:nvSpPr>
+        <p:spPr>
+          <a:xfrm>
+            <a:off x="11897711" y="6468982"/>
+            <a:ext cx="303288" cy="369332"/>
+          </a:xfrm>
+          <a:prstGeom prst="rect">
+            <a:avLst/>
+          </a:prstGeom>
+          <a:noFill/>
+        </p:spPr>
+        <p:txBody>
+          <a:bodyPr wrap="none" rtlCol="0">
+            <a:spAutoFit/>
+          </a:bodyPr>
+          <a:lstStyle/>
+          <a:p>
+            <a:r>
+              <a:rPr lang="en-US" dirty="0"/>
+              <a:t>2</a:t>
+            </a:r>
+          </a:p>
+        </p:txBody>
+      </p:sp>
     </p:spTree>
     <p:extLst>
       <p:ext uri="{BB962C8B-B14F-4D97-AF65-F5344CB8AC3E}">
@@ -5316,7 +5510,7 @@
           <p:nvPr/>
         </p:nvPicPr>
         <p:blipFill>
-          <a:blip r:embed="rId2"/>
+          <a:blip r:embed="rId3"/>
           <a:stretch>
             <a:fillRect/>
           </a:stretch>
@@ -5582,7 +5776,7 @@
           <p:nvPr/>
         </p:nvPicPr>
         <p:blipFill>
-          <a:blip r:embed="rId3"/>
+          <a:blip r:embed="rId4"/>
           <a:stretch>
             <a:fillRect/>
           </a:stretch>
@@ -5671,6 +5865,41 @@
                 </a:solidFill>
               </a:rPr>
               <a:t>p = 0.9</a:t>
+            </a:r>
+          </a:p>
+        </p:txBody>
+      </p:sp>
+      <p:sp>
+        <p:nvSpPr>
+          <p:cNvPr id="23" name="TextBox 22">
+            <a:extLst>
+              <a:ext uri="{FF2B5EF4-FFF2-40B4-BE49-F238E27FC236}">
+                <a16:creationId xmlns:a16="http://schemas.microsoft.com/office/drawing/2014/main" id="{BF9440A9-C6A3-4466-8AE4-EFEC6F614C91}"/>
+              </a:ext>
+            </a:extLst>
+          </p:cNvPr>
+          <p:cNvSpPr txBox="1"/>
+          <p:nvPr/>
+        </p:nvSpPr>
+        <p:spPr>
+          <a:xfrm>
+            <a:off x="11897711" y="6468982"/>
+            <a:ext cx="303288" cy="369332"/>
+          </a:xfrm>
+          <a:prstGeom prst="rect">
+            <a:avLst/>
+          </a:prstGeom>
+          <a:noFill/>
+        </p:spPr>
+        <p:txBody>
+          <a:bodyPr wrap="none" rtlCol="0">
+            <a:spAutoFit/>
+          </a:bodyPr>
+          <a:lstStyle/>
+          <a:p>
+            <a:r>
+              <a:rPr lang="en-US" dirty="0"/>
+              <a:t>3</a:t>
             </a:r>
           </a:p>
         </p:txBody>

--- a/interview_pitch.pptx
+++ b/interview_pitch.pptx
@@ -209,7 +209,7 @@
               <a:rPr lang="en-US" smtClean="0">
                 <a:latin typeface="Myriad Pro" charset="0"/>
               </a:rPr>
-              <a:t>7/14/2020</a:t>
+              <a:t>7/15/2020</a:t>
             </a:fld>
             <a:endParaRPr lang="en-US" dirty="0">
               <a:latin typeface="Myriad Pro" charset="0"/>
@@ -387,7 +387,7 @@
             <a:fld id="{21993540-3562-DA46-BABF-4E156B60CFB3}" type="datetimeFigureOut">
               <a:rPr lang="en-US" smtClean="0"/>
               <a:pPr/>
-              <a:t>7/14/2020</a:t>
+              <a:t>7/15/2020</a:t>
             </a:fld>
             <a:endParaRPr lang="en-US" dirty="0"/>
           </a:p>
@@ -878,7 +878,7 @@
           <a:p>
             <a:fld id="{6C78F13A-DEBD-48CB-A431-187EACE55668}" type="datetime1">
               <a:rPr lang="en-US" smtClean="0"/>
-              <a:t>7/14/2020</a:t>
+              <a:t>7/15/2020</a:t>
             </a:fld>
             <a:endParaRPr lang="en-US" dirty="0"/>
           </a:p>
@@ -1053,7 +1053,7 @@
           <a:p>
             <a:fld id="{4CDFBCA7-AE89-4311-AA14-4B1F6E8625B8}" type="datetime1">
               <a:rPr lang="en-US" smtClean="0"/>
-              <a:t>7/14/2020</a:t>
+              <a:t>7/15/2020</a:t>
             </a:fld>
             <a:endParaRPr lang="en-US" dirty="0"/>
           </a:p>
@@ -1238,7 +1238,7 @@
           <a:p>
             <a:fld id="{E9709E0A-3AB5-4301-8DEE-1D1B49B53546}" type="datetime1">
               <a:rPr lang="en-US" smtClean="0"/>
-              <a:t>7/14/2020</a:t>
+              <a:t>7/15/2020</a:t>
             </a:fld>
             <a:endParaRPr lang="en-US" dirty="0"/>
           </a:p>
@@ -1556,7 +1556,7 @@
           <a:p>
             <a:fld id="{7EA0C9DE-D4A2-4081-AF9B-A468C86176EE}" type="datetime1">
               <a:rPr lang="en-US" smtClean="0"/>
-              <a:t>7/14/2020</a:t>
+              <a:t>7/15/2020</a:t>
             </a:fld>
             <a:endParaRPr lang="en-US" dirty="0"/>
           </a:p>
@@ -1807,7 +1807,7 @@
           <a:p>
             <a:fld id="{0C01FB50-C994-478B-8CBC-84105167A605}" type="datetime1">
               <a:rPr lang="en-US" smtClean="0"/>
-              <a:t>7/14/2020</a:t>
+              <a:t>7/15/2020</a:t>
             </a:fld>
             <a:endParaRPr lang="en-US" dirty="0"/>
           </a:p>
@@ -2044,7 +2044,7 @@
           <a:p>
             <a:fld id="{07F7B9C0-8604-4F35-8CE2-51C1103A605C}" type="datetime1">
               <a:rPr lang="en-US" smtClean="0"/>
-              <a:t>7/14/2020</a:t>
+              <a:t>7/15/2020</a:t>
             </a:fld>
             <a:endParaRPr lang="en-US" dirty="0"/>
           </a:p>
@@ -2416,7 +2416,7 @@
           <a:p>
             <a:fld id="{BCE43DFA-0482-4931-B752-4660829BA805}" type="datetime1">
               <a:rPr lang="en-US" smtClean="0"/>
-              <a:t>7/14/2020</a:t>
+              <a:t>7/15/2020</a:t>
             </a:fld>
             <a:endParaRPr lang="en-US" dirty="0"/>
           </a:p>
@@ -2539,7 +2539,7 @@
           <a:p>
             <a:fld id="{C7A49CF7-3BC8-413B-8924-EB3141CBBC40}" type="datetime1">
               <a:rPr lang="en-US" smtClean="0"/>
-              <a:t>7/14/2020</a:t>
+              <a:t>7/15/2020</a:t>
             </a:fld>
             <a:endParaRPr lang="en-US" dirty="0"/>
           </a:p>
@@ -2639,7 +2639,7 @@
           <a:p>
             <a:fld id="{B28406AE-A5A5-4224-849A-227E5972363A}" type="datetime1">
               <a:rPr lang="en-US" smtClean="0"/>
-              <a:t>7/14/2020</a:t>
+              <a:t>7/15/2020</a:t>
             </a:fld>
             <a:endParaRPr lang="en-US" dirty="0"/>
           </a:p>
@@ -2921,7 +2921,7 @@
           <a:p>
             <a:fld id="{38D89736-BC3B-4D95-A5E5-DB10F642F77C}" type="datetime1">
               <a:rPr lang="en-US" smtClean="0"/>
-              <a:t>7/14/2020</a:t>
+              <a:t>7/15/2020</a:t>
             </a:fld>
             <a:endParaRPr lang="en-US" dirty="0"/>
           </a:p>
@@ -3183,7 +3183,7 @@
           <a:p>
             <a:fld id="{7CA93173-CB65-4C37-960A-A610B8A10371}" type="datetime1">
               <a:rPr lang="en-US" smtClean="0"/>
-              <a:t>7/14/2020</a:t>
+              <a:t>7/15/2020</a:t>
             </a:fld>
             <a:endParaRPr lang="en-US" dirty="0"/>
           </a:p>
@@ -3430,7 +3430,7 @@
           <a:p>
             <a:fld id="{EACB1772-8886-4222-A491-941CC59F9B17}" type="datetime1">
               <a:rPr lang="en-US" smtClean="0"/>
-              <a:t>7/14/2020</a:t>
+              <a:t>7/15/2020</a:t>
             </a:fld>
             <a:endParaRPr lang="en-US" dirty="0"/>
           </a:p>
@@ -4648,7 +4648,7 @@
         </p:nvSpPr>
         <p:spPr>
           <a:xfrm>
-            <a:off x="1527170" y="955545"/>
+            <a:off x="7681785" y="955545"/>
             <a:ext cx="1872071" cy="646331"/>
           </a:xfrm>
           <a:prstGeom prst="rect">
@@ -4670,203 +4670,6 @@
           </a:p>
         </p:txBody>
       </p:sp>
-      <p:grpSp>
-        <p:nvGrpSpPr>
-          <p:cNvPr id="20" name="Group 19">
-            <a:extLst>
-              <a:ext uri="{FF2B5EF4-FFF2-40B4-BE49-F238E27FC236}">
-                <a16:creationId xmlns:a16="http://schemas.microsoft.com/office/drawing/2014/main" id="{EC4D36F6-6F19-46C9-A54A-F5DEF6E0B2D9}"/>
-              </a:ext>
-            </a:extLst>
-          </p:cNvPr>
-          <p:cNvGrpSpPr/>
-          <p:nvPr/>
-        </p:nvGrpSpPr>
-        <p:grpSpPr>
-          <a:xfrm>
-            <a:off x="6736579" y="1155611"/>
-            <a:ext cx="4697465" cy="4449066"/>
-            <a:chOff x="6260403" y="278806"/>
-            <a:chExt cx="4697465" cy="4449066"/>
-          </a:xfrm>
-        </p:grpSpPr>
-        <p:pic>
-          <p:nvPicPr>
-            <p:cNvPr id="13" name="Picture 12" descr="A screenshot of a cell phone&#10;&#10;Description automatically generated">
-              <a:extLst>
-                <a:ext uri="{FF2B5EF4-FFF2-40B4-BE49-F238E27FC236}">
-                  <a16:creationId xmlns:a16="http://schemas.microsoft.com/office/drawing/2014/main" id="{50C60185-F37F-41A1-8A28-B53700B2EDF3}"/>
-                </a:ext>
-              </a:extLst>
-            </p:cNvPr>
-            <p:cNvPicPr>
-              <a:picLocks noChangeAspect="1"/>
-            </p:cNvPicPr>
-            <p:nvPr/>
-          </p:nvPicPr>
-          <p:blipFill>
-            <a:blip r:embed="rId2"/>
-            <a:stretch>
-              <a:fillRect/>
-            </a:stretch>
-          </p:blipFill>
-          <p:spPr>
-            <a:xfrm>
-              <a:off x="6260403" y="1324674"/>
-              <a:ext cx="4697465" cy="3403198"/>
-            </a:xfrm>
-            <a:prstGeom prst="rect">
-              <a:avLst/>
-            </a:prstGeom>
-          </p:spPr>
-        </p:pic>
-        <p:grpSp>
-          <p:nvGrpSpPr>
-            <p:cNvPr id="14" name="Group 13">
-              <a:extLst>
-                <a:ext uri="{FF2B5EF4-FFF2-40B4-BE49-F238E27FC236}">
-                  <a16:creationId xmlns:a16="http://schemas.microsoft.com/office/drawing/2014/main" id="{82C5FD0E-5242-4C31-BC20-9585D82319AB}"/>
-                </a:ext>
-              </a:extLst>
-            </p:cNvPr>
-            <p:cNvGrpSpPr/>
-            <p:nvPr/>
-          </p:nvGrpSpPr>
-          <p:grpSpPr>
-            <a:xfrm>
-              <a:off x="6456800" y="278806"/>
-              <a:ext cx="4497240" cy="3894914"/>
-              <a:chOff x="6927716" y="-114938"/>
-              <a:chExt cx="4497240" cy="3894914"/>
-            </a:xfrm>
-          </p:grpSpPr>
-          <p:sp>
-            <p:nvSpPr>
-              <p:cNvPr id="15" name="TextBox 14">
-                <a:extLst>
-                  <a:ext uri="{FF2B5EF4-FFF2-40B4-BE49-F238E27FC236}">
-                    <a16:creationId xmlns:a16="http://schemas.microsoft.com/office/drawing/2014/main" id="{7B93478C-8A5A-4B4B-9B1A-E5B381B92D79}"/>
-                  </a:ext>
-                </a:extLst>
-              </p:cNvPr>
-              <p:cNvSpPr txBox="1"/>
-              <p:nvPr/>
-            </p:nvSpPr>
-            <p:spPr>
-              <a:xfrm>
-                <a:off x="6927716" y="-114938"/>
-                <a:ext cx="4497240" cy="646331"/>
-              </a:xfrm>
-              <a:prstGeom prst="rect">
-                <a:avLst/>
-              </a:prstGeom>
-              <a:noFill/>
-            </p:spPr>
-            <p:txBody>
-              <a:bodyPr wrap="square" rtlCol="0">
-                <a:spAutoFit/>
-              </a:bodyPr>
-              <a:lstStyle/>
-              <a:p>
-                <a:pPr algn="ctr"/>
-                <a:r>
-                  <a:rPr lang="en-US" dirty="0"/>
-                  <a:t>As conductor, Leonard Bernstein popularized the works of Mahler… alongside his own</a:t>
-                </a:r>
-              </a:p>
-            </p:txBody>
-          </p:sp>
-          <p:sp>
-            <p:nvSpPr>
-              <p:cNvPr id="16" name="TextBox 15">
-                <a:extLst>
-                  <a:ext uri="{FF2B5EF4-FFF2-40B4-BE49-F238E27FC236}">
-                    <a16:creationId xmlns:a16="http://schemas.microsoft.com/office/drawing/2014/main" id="{EC37A101-D025-4821-94BA-D5756B06DE1A}"/>
-                  </a:ext>
-                </a:extLst>
-              </p:cNvPr>
-              <p:cNvSpPr txBox="1"/>
-              <p:nvPr/>
-            </p:nvSpPr>
-            <p:spPr>
-              <a:xfrm>
-                <a:off x="9176336" y="3349089"/>
-                <a:ext cx="1663215" cy="430887"/>
-              </a:xfrm>
-              <a:prstGeom prst="rect">
-                <a:avLst/>
-              </a:prstGeom>
-              <a:solidFill>
-                <a:srgbClr val="EAEAF2">
-                  <a:alpha val="50000"/>
-                </a:srgbClr>
-              </a:solidFill>
-            </p:spPr>
-            <p:txBody>
-              <a:bodyPr wrap="square" rtlCol="0">
-                <a:spAutoFit/>
-              </a:bodyPr>
-              <a:lstStyle/>
-              <a:p>
-                <a:pPr algn="ctr"/>
-                <a:r>
-                  <a:rPr lang="en-US" sz="1100" dirty="0">
-                    <a:solidFill>
-                      <a:schemeClr val="bg1"/>
-                    </a:solidFill>
-                  </a:rPr>
-                  <a:t>1958: Leonard Bernstein becomes Music Director</a:t>
-                </a:r>
-              </a:p>
-            </p:txBody>
-          </p:sp>
-          <p:cxnSp>
-            <p:nvCxnSpPr>
-              <p:cNvPr id="17" name="Straight Arrow Connector 16">
-                <a:extLst>
-                  <a:ext uri="{FF2B5EF4-FFF2-40B4-BE49-F238E27FC236}">
-                    <a16:creationId xmlns:a16="http://schemas.microsoft.com/office/drawing/2014/main" id="{C50AD7F9-DFE4-4361-8E67-A5A86F87C5A1}"/>
-                  </a:ext>
-                </a:extLst>
-              </p:cNvPr>
-              <p:cNvCxnSpPr>
-                <a:cxnSpLocks/>
-              </p:cNvCxnSpPr>
-              <p:nvPr/>
-            </p:nvCxnSpPr>
-            <p:spPr>
-              <a:xfrm flipH="1" flipV="1">
-                <a:off x="8801542" y="3349089"/>
-                <a:ext cx="442891" cy="204775"/>
-              </a:xfrm>
-              <a:prstGeom prst="straightConnector1">
-                <a:avLst/>
-              </a:prstGeom>
-              <a:ln w="19050">
-                <a:solidFill>
-                  <a:schemeClr val="bg1"/>
-                </a:solidFill>
-                <a:headEnd type="none" w="med" len="med"/>
-                <a:tailEnd type="triangle"/>
-              </a:ln>
-            </p:spPr>
-            <p:style>
-              <a:lnRef idx="1">
-                <a:schemeClr val="accent1"/>
-              </a:lnRef>
-              <a:fillRef idx="0">
-                <a:schemeClr val="accent1"/>
-              </a:fillRef>
-              <a:effectRef idx="0">
-                <a:schemeClr val="accent1"/>
-              </a:effectRef>
-              <a:fontRef idx="minor">
-                <a:schemeClr val="tx1"/>
-              </a:fontRef>
-            </p:style>
-          </p:cxnSp>
-        </p:grpSp>
-      </p:grpSp>
       <p:pic>
         <p:nvPicPr>
           <p:cNvPr id="19" name="Picture 18" descr="A screenshot of a cell phone&#10;&#10;Description automatically generated">
@@ -4882,14 +4685,14 @@
           <p:nvPr/>
         </p:nvPicPr>
         <p:blipFill>
-          <a:blip r:embed="rId3"/>
+          <a:blip r:embed="rId2"/>
           <a:stretch>
             <a:fillRect/>
           </a:stretch>
         </p:blipFill>
         <p:spPr>
           <a:xfrm>
-            <a:off x="722313" y="2217966"/>
+            <a:off x="6876928" y="2217966"/>
             <a:ext cx="4387516" cy="3324357"/>
           </a:xfrm>
           <a:prstGeom prst="rect">
@@ -4958,7 +4761,7 @@
         </p:nvCxnSpPr>
         <p:spPr>
           <a:xfrm>
-            <a:off x="3696277" y="3262206"/>
+            <a:off x="9850892" y="3262206"/>
             <a:ext cx="128336" cy="1164993"/>
           </a:xfrm>
           <a:prstGeom prst="straightConnector1">
@@ -5003,7 +4806,7 @@
         </p:nvCxnSpPr>
         <p:spPr>
           <a:xfrm>
-            <a:off x="4292240" y="3970352"/>
+            <a:off x="10446855" y="3970352"/>
             <a:ext cx="18613" cy="592544"/>
           </a:xfrm>
           <a:prstGeom prst="straightConnector1">
@@ -5048,7 +4851,7 @@
         </p:nvCxnSpPr>
         <p:spPr>
           <a:xfrm>
-            <a:off x="4697796" y="3334952"/>
+            <a:off x="10852411" y="3334952"/>
             <a:ext cx="57892" cy="1244647"/>
           </a:xfrm>
           <a:prstGeom prst="straightConnector1">
@@ -5091,7 +4894,7 @@
         </p:nvSpPr>
         <p:spPr>
           <a:xfrm>
-            <a:off x="3186718" y="955545"/>
+            <a:off x="9341333" y="955545"/>
             <a:ext cx="2330793" cy="646331"/>
           </a:xfrm>
           <a:prstGeom prst="rect">
@@ -5127,7 +4930,7 @@
         </p:nvSpPr>
         <p:spPr>
           <a:xfrm>
-            <a:off x="2916071" y="2856969"/>
+            <a:off x="9070686" y="2856969"/>
             <a:ext cx="1214194" cy="369332"/>
           </a:xfrm>
           <a:prstGeom prst="rect">
@@ -5167,7 +4970,7 @@
         </p:nvSpPr>
         <p:spPr>
           <a:xfrm>
-            <a:off x="3744524" y="3579283"/>
+            <a:off x="9899139" y="3579283"/>
             <a:ext cx="962918" cy="369332"/>
           </a:xfrm>
           <a:prstGeom prst="rect">
@@ -5207,7 +5010,7 @@
         </p:nvSpPr>
         <p:spPr>
           <a:xfrm>
-            <a:off x="4216337" y="2889389"/>
+            <a:off x="10370952" y="2889389"/>
             <a:ext cx="962918" cy="369332"/>
           </a:xfrm>
           <a:prstGeom prst="rect">
@@ -5247,7 +5050,7 @@
         </p:nvSpPr>
         <p:spPr>
           <a:xfrm rot="5400000" flipH="1">
-            <a:off x="4217691" y="1242767"/>
+            <a:off x="10372306" y="1242767"/>
             <a:ext cx="268848" cy="1311677"/>
           </a:xfrm>
           <a:prstGeom prst="rightBrace">
@@ -5298,7 +5101,7 @@
         </p:nvSpPr>
         <p:spPr>
           <a:xfrm rot="5400000" flipH="1">
-            <a:off x="2328782" y="796406"/>
+            <a:off x="8483397" y="796406"/>
             <a:ext cx="268848" cy="2187836"/>
           </a:xfrm>
           <a:prstGeom prst="rightBrace">
@@ -5370,6 +5173,203 @@
           </a:p>
         </p:txBody>
       </p:sp>
+      <p:grpSp>
+        <p:nvGrpSpPr>
+          <p:cNvPr id="23" name="Group 22">
+            <a:extLst>
+              <a:ext uri="{FF2B5EF4-FFF2-40B4-BE49-F238E27FC236}">
+                <a16:creationId xmlns:a16="http://schemas.microsoft.com/office/drawing/2014/main" id="{310AB073-70BF-4B34-805A-79D5923C2174}"/>
+              </a:ext>
+            </a:extLst>
+          </p:cNvPr>
+          <p:cNvGrpSpPr/>
+          <p:nvPr/>
+        </p:nvGrpSpPr>
+        <p:grpSpPr>
+          <a:xfrm>
+            <a:off x="731162" y="1155611"/>
+            <a:ext cx="4697465" cy="4449066"/>
+            <a:chOff x="6260403" y="278806"/>
+            <a:chExt cx="4697465" cy="4449066"/>
+          </a:xfrm>
+        </p:grpSpPr>
+        <p:pic>
+          <p:nvPicPr>
+            <p:cNvPr id="25" name="Picture 24" descr="A screenshot of a cell phone&#10;&#10;Description automatically generated">
+              <a:extLst>
+                <a:ext uri="{FF2B5EF4-FFF2-40B4-BE49-F238E27FC236}">
+                  <a16:creationId xmlns:a16="http://schemas.microsoft.com/office/drawing/2014/main" id="{7F2B6671-1B64-46D8-BA49-E46753FC825C}"/>
+                </a:ext>
+              </a:extLst>
+            </p:cNvPr>
+            <p:cNvPicPr>
+              <a:picLocks noChangeAspect="1"/>
+            </p:cNvPicPr>
+            <p:nvPr/>
+          </p:nvPicPr>
+          <p:blipFill>
+            <a:blip r:embed="rId3"/>
+            <a:stretch>
+              <a:fillRect/>
+            </a:stretch>
+          </p:blipFill>
+          <p:spPr>
+            <a:xfrm>
+              <a:off x="6260403" y="1324674"/>
+              <a:ext cx="4697465" cy="3403198"/>
+            </a:xfrm>
+            <a:prstGeom prst="rect">
+              <a:avLst/>
+            </a:prstGeom>
+          </p:spPr>
+        </p:pic>
+        <p:grpSp>
+          <p:nvGrpSpPr>
+            <p:cNvPr id="26" name="Group 25">
+              <a:extLst>
+                <a:ext uri="{FF2B5EF4-FFF2-40B4-BE49-F238E27FC236}">
+                  <a16:creationId xmlns:a16="http://schemas.microsoft.com/office/drawing/2014/main" id="{B9589C3C-D541-44CF-928D-51A9B599BEBA}"/>
+                </a:ext>
+              </a:extLst>
+            </p:cNvPr>
+            <p:cNvGrpSpPr/>
+            <p:nvPr/>
+          </p:nvGrpSpPr>
+          <p:grpSpPr>
+            <a:xfrm>
+              <a:off x="6456800" y="278806"/>
+              <a:ext cx="4497240" cy="3894914"/>
+              <a:chOff x="6927716" y="-114938"/>
+              <a:chExt cx="4497240" cy="3894914"/>
+            </a:xfrm>
+          </p:grpSpPr>
+          <p:sp>
+            <p:nvSpPr>
+              <p:cNvPr id="27" name="TextBox 26">
+                <a:extLst>
+                  <a:ext uri="{FF2B5EF4-FFF2-40B4-BE49-F238E27FC236}">
+                    <a16:creationId xmlns:a16="http://schemas.microsoft.com/office/drawing/2014/main" id="{DB5B97FB-932E-47A7-A182-F791E1386B15}"/>
+                  </a:ext>
+                </a:extLst>
+              </p:cNvPr>
+              <p:cNvSpPr txBox="1"/>
+              <p:nvPr/>
+            </p:nvSpPr>
+            <p:spPr>
+              <a:xfrm>
+                <a:off x="6927716" y="-114938"/>
+                <a:ext cx="4497240" cy="646331"/>
+              </a:xfrm>
+              <a:prstGeom prst="rect">
+                <a:avLst/>
+              </a:prstGeom>
+              <a:noFill/>
+            </p:spPr>
+            <p:txBody>
+              <a:bodyPr wrap="square" rtlCol="0">
+                <a:spAutoFit/>
+              </a:bodyPr>
+              <a:lstStyle/>
+              <a:p>
+                <a:pPr algn="ctr"/>
+                <a:r>
+                  <a:rPr lang="en-US" dirty="0"/>
+                  <a:t>As conductor, Leonard Bernstein popularized the works of Mahler… alongside his own</a:t>
+                </a:r>
+              </a:p>
+            </p:txBody>
+          </p:sp>
+          <p:sp>
+            <p:nvSpPr>
+              <p:cNvPr id="29" name="TextBox 28">
+                <a:extLst>
+                  <a:ext uri="{FF2B5EF4-FFF2-40B4-BE49-F238E27FC236}">
+                    <a16:creationId xmlns:a16="http://schemas.microsoft.com/office/drawing/2014/main" id="{636FC8B7-4696-4C6B-AEBE-BE040B398BCC}"/>
+                  </a:ext>
+                </a:extLst>
+              </p:cNvPr>
+              <p:cNvSpPr txBox="1"/>
+              <p:nvPr/>
+            </p:nvSpPr>
+            <p:spPr>
+              <a:xfrm>
+                <a:off x="9176336" y="3349089"/>
+                <a:ext cx="1663215" cy="430887"/>
+              </a:xfrm>
+              <a:prstGeom prst="rect">
+                <a:avLst/>
+              </a:prstGeom>
+              <a:solidFill>
+                <a:srgbClr val="EAEAF2">
+                  <a:alpha val="50000"/>
+                </a:srgbClr>
+              </a:solidFill>
+            </p:spPr>
+            <p:txBody>
+              <a:bodyPr wrap="square" rtlCol="0">
+                <a:spAutoFit/>
+              </a:bodyPr>
+              <a:lstStyle/>
+              <a:p>
+                <a:pPr algn="ctr"/>
+                <a:r>
+                  <a:rPr lang="en-US" sz="1100" dirty="0">
+                    <a:solidFill>
+                      <a:schemeClr val="bg1"/>
+                    </a:solidFill>
+                  </a:rPr>
+                  <a:t>1958: Leonard Bernstein becomes Music Director</a:t>
+                </a:r>
+              </a:p>
+            </p:txBody>
+          </p:sp>
+          <p:cxnSp>
+            <p:nvCxnSpPr>
+              <p:cNvPr id="30" name="Straight Arrow Connector 29">
+                <a:extLst>
+                  <a:ext uri="{FF2B5EF4-FFF2-40B4-BE49-F238E27FC236}">
+                    <a16:creationId xmlns:a16="http://schemas.microsoft.com/office/drawing/2014/main" id="{07456FA3-043E-4CC9-8BC3-3F1E85F1773F}"/>
+                  </a:ext>
+                </a:extLst>
+              </p:cNvPr>
+              <p:cNvCxnSpPr>
+                <a:cxnSpLocks/>
+              </p:cNvCxnSpPr>
+              <p:nvPr/>
+            </p:nvCxnSpPr>
+            <p:spPr>
+              <a:xfrm flipH="1" flipV="1">
+                <a:off x="8801542" y="3349089"/>
+                <a:ext cx="442891" cy="204775"/>
+              </a:xfrm>
+              <a:prstGeom prst="straightConnector1">
+                <a:avLst/>
+              </a:prstGeom>
+              <a:ln w="19050">
+                <a:solidFill>
+                  <a:schemeClr val="bg1"/>
+                </a:solidFill>
+                <a:headEnd type="none" w="med" len="med"/>
+                <a:tailEnd type="triangle"/>
+              </a:ln>
+            </p:spPr>
+            <p:style>
+              <a:lnRef idx="1">
+                <a:schemeClr val="accent1"/>
+              </a:lnRef>
+              <a:fillRef idx="0">
+                <a:schemeClr val="accent1"/>
+              </a:fillRef>
+              <a:effectRef idx="0">
+                <a:schemeClr val="accent1"/>
+              </a:effectRef>
+              <a:fontRef idx="minor">
+                <a:schemeClr val="tx1"/>
+              </a:fontRef>
+            </p:style>
+          </p:cxnSp>
+        </p:grpSp>
+      </p:grpSp>
     </p:spTree>
     <p:extLst>
       <p:ext uri="{BB962C8B-B14F-4D97-AF65-F5344CB8AC3E}">
